--- a/presentation.pptx
+++ b/presentation.pptx
@@ -112,6 +112,11 @@
       </a:defRPr>
     </a:lvl9pPr>
   </p:defaultTextStyle>
+  <p:extLst>
+    <p:ext uri="{EFAFB233-063F-42B5-8137-9DF3F51BA10A}">
+      <p15:sldGuideLst xmlns:p15="http://schemas.microsoft.com/office/powerpoint/2012/main"/>
+    </p:ext>
+  </p:extLst>
 </p:presentation>
 </file>
 
@@ -261,35 +266,35 @@
           <a:p>
             <a:pPr lvl="0"/>
             <a:r>
-              <a:rPr lang="en-US" smtClean="0"/>
+              <a:rPr lang="en-US"/>
               <a:t>Click to edit Master text styles</a:t>
             </a:r>
           </a:p>
           <a:p>
             <a:pPr lvl="1"/>
             <a:r>
-              <a:rPr lang="en-US" smtClean="0"/>
+              <a:rPr lang="en-US"/>
               <a:t>Second level</a:t>
             </a:r>
           </a:p>
           <a:p>
             <a:pPr lvl="2"/>
             <a:r>
-              <a:rPr lang="en-US" smtClean="0"/>
+              <a:rPr lang="en-US"/>
               <a:t>Third level</a:t>
             </a:r>
           </a:p>
           <a:p>
             <a:pPr lvl="3"/>
             <a:r>
-              <a:rPr lang="en-US" smtClean="0"/>
+              <a:rPr lang="en-US"/>
               <a:t>Fourth level</a:t>
             </a:r>
           </a:p>
           <a:p>
             <a:pPr lvl="4"/>
             <a:r>
-              <a:rPr lang="en-US" smtClean="0"/>
+              <a:rPr lang="en-US"/>
               <a:t>Fifth level</a:t>
             </a:r>
             <a:endParaRPr lang="pt-PT"/>
@@ -356,7 +361,7 @@
           <a:p>
             <a:fld id="{3E4499F5-70C7-4B80-98E9-84E6A0F06D73}" type="slidenum">
               <a:rPr lang="pt-PT" smtClean="0"/>
-              <a:t>‹#›</a:t>
+              <a:t>‹nº›</a:t>
             </a:fld>
             <a:endParaRPr lang="pt-PT"/>
           </a:p>
@@ -510,128 +515,128 @@
           <a:lstStyle/>
           <a:p>
             <a:r>
-              <a:rPr lang="pt-PT" dirty="0" err="1" smtClean="0"/>
+              <a:rPr lang="pt-PT" dirty="0" err="1"/>
               <a:t>Lack</a:t>
             </a:r>
             <a:r>
-              <a:rPr lang="pt-PT" dirty="0" smtClean="0"/>
+              <a:rPr lang="pt-PT" dirty="0"/>
               <a:t> </a:t>
             </a:r>
             <a:r>
-              <a:rPr lang="pt-PT" dirty="0" err="1" smtClean="0"/>
+              <a:rPr lang="pt-PT" dirty="0" err="1"/>
               <a:t>of</a:t>
             </a:r>
             <a:r>
-              <a:rPr lang="pt-PT" dirty="0" smtClean="0"/>
+              <a:rPr lang="pt-PT" dirty="0"/>
               <a:t> </a:t>
             </a:r>
             <a:r>
-              <a:rPr lang="pt-PT" dirty="0" err="1" smtClean="0"/>
+              <a:rPr lang="pt-PT" dirty="0" err="1"/>
               <a:t>good</a:t>
             </a:r>
             <a:r>
-              <a:rPr lang="pt-PT" dirty="0" smtClean="0"/>
+              <a:rPr lang="pt-PT" dirty="0"/>
               <a:t> </a:t>
             </a:r>
             <a:r>
-              <a:rPr lang="pt-PT" dirty="0" err="1" smtClean="0"/>
+              <a:rPr lang="pt-PT" dirty="0" err="1"/>
               <a:t>introductions</a:t>
             </a:r>
             <a:r>
-              <a:rPr lang="pt-PT" baseline="0" dirty="0" smtClean="0"/>
+              <a:rPr lang="pt-PT" baseline="0" dirty="0"/>
               <a:t> to </a:t>
             </a:r>
             <a:r>
-              <a:rPr lang="pt-PT" baseline="0" dirty="0" err="1" smtClean="0"/>
+              <a:rPr lang="pt-PT" baseline="0" dirty="0" err="1"/>
               <a:t>the</a:t>
             </a:r>
             <a:r>
-              <a:rPr lang="pt-PT" baseline="0" dirty="0" smtClean="0"/>
+              <a:rPr lang="pt-PT" baseline="0" dirty="0"/>
               <a:t> </a:t>
             </a:r>
             <a:r>
-              <a:rPr lang="pt-PT" baseline="0" dirty="0" err="1" smtClean="0"/>
+              <a:rPr lang="pt-PT" baseline="0" dirty="0" err="1"/>
               <a:t>topic</a:t>
             </a:r>
             <a:r>
-              <a:rPr lang="pt-PT" baseline="0" dirty="0" smtClean="0"/>
+              <a:rPr lang="pt-PT" baseline="0" dirty="0"/>
               <a:t> </a:t>
             </a:r>
             <a:r>
-              <a:rPr lang="pt-PT" baseline="0" dirty="0" err="1" smtClean="0"/>
+              <a:rPr lang="pt-PT" baseline="0" dirty="0" err="1"/>
               <a:t>of</a:t>
             </a:r>
             <a:r>
-              <a:rPr lang="pt-PT" baseline="0" dirty="0" smtClean="0"/>
+              <a:rPr lang="pt-PT" baseline="0" dirty="0"/>
               <a:t> GPGPU</a:t>
             </a:r>
           </a:p>
           <a:p>
-            <a:endParaRPr lang="pt-PT" baseline="0" dirty="0" smtClean="0"/>
-          </a:p>
-          <a:p>
-            <a:r>
-              <a:rPr lang="pt-PT" baseline="0" dirty="0" err="1" smtClean="0"/>
+            <a:endParaRPr lang="pt-PT" baseline="0" dirty="0"/>
+          </a:p>
+          <a:p>
+            <a:r>
+              <a:rPr lang="pt-PT" baseline="0" dirty="0" err="1"/>
               <a:t>Provide</a:t>
             </a:r>
             <a:r>
-              <a:rPr lang="pt-PT" baseline="0" dirty="0" smtClean="0"/>
+              <a:rPr lang="pt-PT" baseline="0" dirty="0"/>
               <a:t> </a:t>
             </a:r>
             <a:r>
-              <a:rPr lang="pt-PT" baseline="0" dirty="0" err="1" smtClean="0"/>
+              <a:rPr lang="pt-PT" baseline="0" dirty="0" err="1"/>
               <a:t>an</a:t>
             </a:r>
             <a:r>
-              <a:rPr lang="pt-PT" baseline="0" dirty="0" smtClean="0"/>
+              <a:rPr lang="pt-PT" baseline="0" dirty="0"/>
               <a:t> </a:t>
             </a:r>
             <a:r>
-              <a:rPr lang="pt-PT" baseline="0" dirty="0" err="1" smtClean="0"/>
+              <a:rPr lang="pt-PT" baseline="0" dirty="0" err="1"/>
               <a:t>informative</a:t>
             </a:r>
             <a:r>
-              <a:rPr lang="pt-PT" baseline="0" dirty="0" smtClean="0"/>
+              <a:rPr lang="pt-PT" baseline="0" dirty="0"/>
               <a:t> </a:t>
             </a:r>
             <a:r>
-              <a:rPr lang="pt-PT" baseline="0" dirty="0" err="1" smtClean="0"/>
+              <a:rPr lang="pt-PT" baseline="0" dirty="0" err="1"/>
               <a:t>and</a:t>
             </a:r>
             <a:r>
-              <a:rPr lang="pt-PT" baseline="0" dirty="0" smtClean="0"/>
+              <a:rPr lang="pt-PT" baseline="0" dirty="0"/>
               <a:t> </a:t>
             </a:r>
             <a:r>
-              <a:rPr lang="pt-PT" baseline="0" dirty="0" err="1" smtClean="0"/>
+              <a:rPr lang="pt-PT" baseline="0" dirty="0" err="1"/>
               <a:t>educative</a:t>
             </a:r>
             <a:r>
-              <a:rPr lang="pt-PT" baseline="0" dirty="0" smtClean="0"/>
+              <a:rPr lang="pt-PT" baseline="0" dirty="0"/>
               <a:t> </a:t>
             </a:r>
             <a:r>
-              <a:rPr lang="pt-PT" baseline="0" dirty="0" err="1" smtClean="0"/>
+              <a:rPr lang="pt-PT" baseline="0" dirty="0" err="1"/>
               <a:t>introduction</a:t>
             </a:r>
             <a:r>
-              <a:rPr lang="pt-PT" baseline="0" dirty="0" smtClean="0"/>
+              <a:rPr lang="pt-PT" baseline="0" dirty="0"/>
               <a:t> to GPGPU, </a:t>
             </a:r>
             <a:r>
-              <a:rPr lang="pt-PT" baseline="0" dirty="0" err="1" smtClean="0"/>
+              <a:rPr lang="pt-PT" baseline="0" dirty="0" err="1"/>
               <a:t>using</a:t>
             </a:r>
             <a:r>
-              <a:rPr lang="pt-PT" baseline="0" dirty="0" smtClean="0"/>
+              <a:rPr lang="pt-PT" baseline="0" dirty="0"/>
               <a:t> CUDA as </a:t>
             </a:r>
             <a:r>
-              <a:rPr lang="pt-PT" baseline="0" dirty="0" err="1" smtClean="0"/>
+              <a:rPr lang="pt-PT" baseline="0" dirty="0" err="1"/>
               <a:t>an</a:t>
             </a:r>
             <a:r>
-              <a:rPr lang="pt-PT" baseline="0" dirty="0" smtClean="0"/>
+              <a:rPr lang="pt-PT" baseline="0" dirty="0"/>
               <a:t> exemple</a:t>
             </a:r>
             <a:endParaRPr lang="pt-PT" dirty="0"/>
@@ -719,17 +724,17 @@
           <a:lstStyle/>
           <a:p>
             <a:r>
-              <a:rPr lang="en-GB" noProof="0" dirty="0" smtClean="0"/>
+              <a:rPr lang="en-GB" noProof="0" dirty="0"/>
               <a:t>We</a:t>
             </a:r>
             <a:r>
-              <a:rPr lang="en-GB" baseline="0" noProof="0" dirty="0" smtClean="0"/>
+              <a:rPr lang="en-GB" baseline="0" noProof="0" dirty="0"/>
               <a:t> created multiple implementations of the FW algorithm, improving our solution with each implementation.</a:t>
             </a:r>
           </a:p>
           <a:p>
             <a:r>
-              <a:rPr lang="en-GB" baseline="0" noProof="0" dirty="0" smtClean="0"/>
+              <a:rPr lang="en-GB" baseline="0" noProof="0" dirty="0"/>
               <a:t>With each different solution we will be using more and more capabilities of the GPGPU and demonstrating how to use said capabilities.</a:t>
             </a:r>
           </a:p>
@@ -816,37 +821,37 @@
           <a:lstStyle/>
           <a:p>
             <a:r>
-              <a:rPr lang="en-GB" noProof="0" dirty="0" smtClean="0"/>
+              <a:rPr lang="en-GB" noProof="0" dirty="0"/>
               <a:t>How to use the GPU.</a:t>
             </a:r>
           </a:p>
           <a:p>
             <a:r>
-              <a:rPr lang="en-GB" noProof="0" dirty="0" smtClean="0"/>
+              <a:rPr lang="en-GB" noProof="0" dirty="0"/>
               <a:t>Due to the size</a:t>
             </a:r>
             <a:r>
-              <a:rPr lang="en-GB" baseline="0" noProof="0" dirty="0" smtClean="0"/>
+              <a:rPr lang="en-GB" baseline="0" noProof="0" dirty="0"/>
               <a:t> of the FW problem, it’s not recommended to compute one position per thread (Speak of scheduler?). It was necessary to decide how to divide the work load on the GPU</a:t>
             </a:r>
-            <a:endParaRPr lang="en-GB" noProof="0" dirty="0" smtClean="0"/>
-          </a:p>
-          <a:p>
-            <a:endParaRPr lang="en-GB" noProof="0" dirty="0" smtClean="0"/>
-          </a:p>
-          <a:p>
-            <a:r>
-              <a:rPr lang="en-GB" noProof="0" dirty="0" smtClean="0"/>
+            <a:endParaRPr lang="en-GB" noProof="0" dirty="0"/>
+          </a:p>
+          <a:p>
+            <a:endParaRPr lang="en-GB" noProof="0" dirty="0"/>
+          </a:p>
+          <a:p>
+            <a:r>
+              <a:rPr lang="en-GB" noProof="0" dirty="0"/>
               <a:t>The implementations.</a:t>
             </a:r>
           </a:p>
           <a:p>
             <a:r>
-              <a:rPr lang="en-GB" noProof="0" dirty="0" smtClean="0"/>
+              <a:rPr lang="en-GB" noProof="0" dirty="0"/>
               <a:t>CUDA</a:t>
             </a:r>
             <a:r>
-              <a:rPr lang="en-GB" baseline="0" noProof="0" dirty="0" smtClean="0"/>
+              <a:rPr lang="en-GB" baseline="0" noProof="0" dirty="0"/>
               <a:t> is limited in some aspects, adding to that the poor feedback it provides when problems arise, debugging was a difficulty</a:t>
             </a:r>
             <a:endParaRPr lang="en-GB" noProof="0" dirty="0"/>
@@ -934,11 +939,11 @@
           <a:lstStyle/>
           <a:p>
             <a:r>
-              <a:rPr lang="en-GB" noProof="0" dirty="0" smtClean="0"/>
+              <a:rPr lang="en-GB" noProof="0" dirty="0"/>
               <a:t>Should be straightforward</a:t>
             </a:r>
             <a:r>
-              <a:rPr lang="en-GB" baseline="0" noProof="0" dirty="0" smtClean="0"/>
+              <a:rPr lang="en-GB" baseline="0" noProof="0" dirty="0"/>
               <a:t> enough</a:t>
             </a:r>
             <a:endParaRPr lang="en-GB" noProof="0" dirty="0"/>
@@ -1026,100 +1031,100 @@
           <a:lstStyle/>
           <a:p>
             <a:r>
-              <a:rPr lang="pt-PT" dirty="0" err="1" smtClean="0"/>
+              <a:rPr lang="pt-PT" dirty="0" err="1"/>
               <a:t>Conclusion</a:t>
             </a:r>
             <a:r>
-              <a:rPr lang="pt-PT" dirty="0" smtClean="0"/>
+              <a:rPr lang="pt-PT" dirty="0"/>
               <a:t>:</a:t>
             </a:r>
           </a:p>
           <a:p>
-            <a:endParaRPr lang="pt-PT" dirty="0" smtClean="0"/>
-          </a:p>
-          <a:p>
-            <a:endParaRPr lang="pt-PT" dirty="0" smtClean="0"/>
-          </a:p>
-          <a:p>
-            <a:r>
-              <a:rPr lang="pt-PT" dirty="0" smtClean="0"/>
+            <a:endParaRPr lang="pt-PT" dirty="0"/>
+          </a:p>
+          <a:p>
+            <a:endParaRPr lang="pt-PT" dirty="0"/>
+          </a:p>
+          <a:p>
+            <a:r>
+              <a:rPr lang="pt-PT" dirty="0"/>
               <a:t>Future </a:t>
             </a:r>
             <a:r>
-              <a:rPr lang="pt-PT" dirty="0" err="1" smtClean="0"/>
+              <a:rPr lang="pt-PT" dirty="0" err="1"/>
               <a:t>Work</a:t>
             </a:r>
             <a:r>
-              <a:rPr lang="pt-PT" dirty="0" smtClean="0"/>
+              <a:rPr lang="pt-PT" dirty="0"/>
               <a:t>:</a:t>
             </a:r>
           </a:p>
           <a:p>
             <a:r>
-              <a:rPr lang="pt-PT" dirty="0" err="1" smtClean="0"/>
+              <a:rPr lang="pt-PT" dirty="0" err="1"/>
               <a:t>Adapt</a:t>
             </a:r>
             <a:r>
-              <a:rPr lang="pt-PT" baseline="0" dirty="0" smtClean="0"/>
+              <a:rPr lang="pt-PT" baseline="0" dirty="0"/>
               <a:t> </a:t>
             </a:r>
             <a:r>
-              <a:rPr lang="pt-PT" baseline="0" dirty="0" err="1" smtClean="0"/>
+              <a:rPr lang="pt-PT" baseline="0" dirty="0" err="1"/>
               <a:t>the</a:t>
             </a:r>
             <a:r>
-              <a:rPr lang="pt-PT" baseline="0" dirty="0" smtClean="0"/>
+              <a:rPr lang="pt-PT" baseline="0" dirty="0"/>
               <a:t> </a:t>
             </a:r>
             <a:r>
-              <a:rPr lang="pt-PT" baseline="0" dirty="0" err="1" smtClean="0"/>
+              <a:rPr lang="pt-PT" baseline="0" dirty="0" err="1"/>
               <a:t>problem</a:t>
             </a:r>
             <a:r>
-              <a:rPr lang="pt-PT" baseline="0" dirty="0" smtClean="0"/>
+              <a:rPr lang="pt-PT" baseline="0" dirty="0"/>
               <a:t> to use Short in </a:t>
             </a:r>
             <a:r>
-              <a:rPr lang="pt-PT" baseline="0" dirty="0" err="1" smtClean="0"/>
+              <a:rPr lang="pt-PT" baseline="0" dirty="0" err="1"/>
               <a:t>order</a:t>
             </a:r>
             <a:r>
-              <a:rPr lang="pt-PT" baseline="0" dirty="0" smtClean="0"/>
+              <a:rPr lang="pt-PT" baseline="0" dirty="0"/>
               <a:t> to </a:t>
             </a:r>
             <a:r>
-              <a:rPr lang="pt-PT" baseline="0" dirty="0" err="1" smtClean="0"/>
+              <a:rPr lang="pt-PT" baseline="0" dirty="0" err="1"/>
               <a:t>be</a:t>
             </a:r>
             <a:r>
-              <a:rPr lang="pt-PT" baseline="0" dirty="0" smtClean="0"/>
+              <a:rPr lang="pt-PT" baseline="0" dirty="0"/>
               <a:t> </a:t>
             </a:r>
             <a:r>
-              <a:rPr lang="pt-PT" baseline="0" dirty="0" err="1" smtClean="0"/>
+              <a:rPr lang="pt-PT" baseline="0" dirty="0" err="1"/>
               <a:t>able</a:t>
             </a:r>
             <a:r>
-              <a:rPr lang="pt-PT" baseline="0" dirty="0" smtClean="0"/>
+              <a:rPr lang="pt-PT" baseline="0" dirty="0"/>
               <a:t> to use SIMD (Single </a:t>
             </a:r>
             <a:r>
-              <a:rPr lang="pt-PT" baseline="0" dirty="0" err="1" smtClean="0"/>
+              <a:rPr lang="pt-PT" baseline="0" dirty="0" err="1"/>
               <a:t>Instruction</a:t>
             </a:r>
             <a:r>
-              <a:rPr lang="pt-PT" baseline="0" dirty="0" smtClean="0"/>
+              <a:rPr lang="pt-PT" baseline="0" dirty="0"/>
               <a:t> </a:t>
             </a:r>
             <a:r>
-              <a:rPr lang="pt-PT" baseline="0" dirty="0" err="1" smtClean="0"/>
+              <a:rPr lang="pt-PT" baseline="0" dirty="0" err="1"/>
               <a:t>Multiple</a:t>
             </a:r>
             <a:r>
-              <a:rPr lang="pt-PT" baseline="0" dirty="0" smtClean="0"/>
+              <a:rPr lang="pt-PT" baseline="0" dirty="0"/>
               <a:t> Data)</a:t>
             </a:r>
-            <a:endParaRPr lang="pt-PT" dirty="0" smtClean="0"/>
+            <a:endParaRPr lang="pt-PT" dirty="0"/>
           </a:p>
         </p:txBody>
       </p:sp>
@@ -1201,7 +1206,7 @@
           </a:lstStyle>
           <a:p>
             <a:r>
-              <a:rPr lang="en-US" smtClean="0"/>
+              <a:rPr lang="en-US"/>
               <a:t>Click to edit Master title style</a:t>
             </a:r>
             <a:endParaRPr lang="en-US" dirty="0"/>
@@ -1321,7 +1326,7 @@
           </a:lstStyle>
           <a:p>
             <a:r>
-              <a:rPr lang="en-US" smtClean="0"/>
+              <a:rPr lang="en-US"/>
               <a:t>Click to edit Master subtitle style</a:t>
             </a:r>
             <a:endParaRPr lang="en-US" dirty="0"/>
@@ -1387,7 +1392,7 @@
           <a:p>
             <a:fld id="{D57F1E4F-1CFF-5643-939E-02111984F565}" type="slidenum">
               <a:rPr lang="en-US" dirty="0"/>
-              <a:t>‹#›</a:t>
+              <a:t>‹nº›</a:t>
             </a:fld>
             <a:endParaRPr lang="en-US" dirty="0"/>
           </a:p>
@@ -1445,7 +1450,7 @@
           </a:lstStyle>
           <a:p>
             <a:r>
-              <a:rPr lang="en-US" smtClean="0"/>
+              <a:rPr lang="en-US"/>
               <a:t>Click to edit Master title style</a:t>
             </a:r>
             <a:endParaRPr lang="en-US" dirty="0"/>
@@ -1524,7 +1529,7 @@
           </a:lstStyle>
           <a:p>
             <a:r>
-              <a:rPr lang="en-US" smtClean="0"/>
+              <a:rPr lang="en-US"/>
               <a:t>Click icon to add picture</a:t>
             </a:r>
             <a:endParaRPr lang="en-US" dirty="0"/>
@@ -1592,7 +1597,7 @@
           <a:p>
             <a:pPr lvl="0"/>
             <a:r>
-              <a:rPr lang="en-US" smtClean="0"/>
+              <a:rPr lang="en-US"/>
               <a:t>Click to edit Master text styles</a:t>
             </a:r>
           </a:p>
@@ -1657,7 +1662,7 @@
           <a:p>
             <a:fld id="{D57F1E4F-1CFF-5643-939E-02111984F565}" type="slidenum">
               <a:rPr lang="en-US" dirty="0"/>
-              <a:t>‹#›</a:t>
+              <a:t>‹nº›</a:t>
             </a:fld>
             <a:endParaRPr lang="en-US" dirty="0"/>
           </a:p>
@@ -1713,7 +1718,7 @@
           </a:lstStyle>
           <a:p>
             <a:r>
-              <a:rPr lang="en-US" smtClean="0"/>
+              <a:rPr lang="en-US"/>
               <a:t>Click to edit Master title style</a:t>
             </a:r>
             <a:endParaRPr lang="en-US" dirty="0"/>
@@ -1781,7 +1786,7 @@
           <a:p>
             <a:pPr lvl="0"/>
             <a:r>
-              <a:rPr lang="en-US" smtClean="0"/>
+              <a:rPr lang="en-US"/>
               <a:t>Click to edit Master text styles</a:t>
             </a:r>
           </a:p>
@@ -1846,7 +1851,7 @@
           <a:p>
             <a:fld id="{D57F1E4F-1CFF-5643-939E-02111984F565}" type="slidenum">
               <a:rPr lang="en-US" dirty="0"/>
-              <a:t>‹#›</a:t>
+              <a:t>‹nº›</a:t>
             </a:fld>
             <a:endParaRPr lang="en-US" dirty="0"/>
           </a:p>
@@ -1902,7 +1907,7 @@
           </a:lstStyle>
           <a:p>
             <a:r>
-              <a:rPr lang="en-US" smtClean="0"/>
+              <a:rPr lang="en-US"/>
               <a:t>Click to edit Master title style</a:t>
             </a:r>
             <a:endParaRPr lang="en-US" dirty="0"/>
@@ -1982,7 +1987,7 @@
               <a:buNone/>
             </a:pPr>
             <a:r>
-              <a:rPr lang="en-US" smtClean="0"/>
+              <a:rPr lang="en-US"/>
               <a:t>Click to edit Master text styles</a:t>
             </a:r>
           </a:p>
@@ -2049,7 +2054,7 @@
           <a:p>
             <a:pPr lvl="0"/>
             <a:r>
-              <a:rPr lang="en-US" smtClean="0"/>
+              <a:rPr lang="en-US"/>
               <a:t>Click to edit Master text styles</a:t>
             </a:r>
           </a:p>
@@ -2114,7 +2119,7 @@
           <a:p>
             <a:fld id="{D57F1E4F-1CFF-5643-939E-02111984F565}" type="slidenum">
               <a:rPr lang="en-US" dirty="0"/>
-              <a:t>‹#›</a:t>
+              <a:t>‹nº›</a:t>
             </a:fld>
             <a:endParaRPr lang="en-US" dirty="0"/>
           </a:p>
@@ -2264,7 +2269,7 @@
           </a:lstStyle>
           <a:p>
             <a:r>
-              <a:rPr lang="en-US" smtClean="0"/>
+              <a:rPr lang="en-US"/>
               <a:t>Click to edit Master title style</a:t>
             </a:r>
             <a:endParaRPr lang="en-US" dirty="0"/>
@@ -2385,7 +2390,7 @@
           <a:p>
             <a:pPr lvl="0"/>
             <a:r>
-              <a:rPr lang="en-US" smtClean="0"/>
+              <a:rPr lang="en-US"/>
               <a:t>Click to edit Master text styles</a:t>
             </a:r>
           </a:p>
@@ -2450,7 +2455,7 @@
           <a:p>
             <a:fld id="{D57F1E4F-1CFF-5643-939E-02111984F565}" type="slidenum">
               <a:rPr lang="en-US" dirty="0"/>
-              <a:t>‹#›</a:t>
+              <a:t>‹nº›</a:t>
             </a:fld>
             <a:endParaRPr lang="en-US" dirty="0"/>
           </a:p>
@@ -2501,7 +2506,7 @@
           </a:lstStyle>
           <a:p>
             <a:r>
-              <a:rPr lang="en-US" smtClean="0"/>
+              <a:rPr lang="en-US"/>
               <a:t>Click to edit Master title style</a:t>
             </a:r>
             <a:endParaRPr lang="en-US" dirty="0"/>
@@ -2576,7 +2581,7 @@
           <a:p>
             <a:pPr lvl="0"/>
             <a:r>
-              <a:rPr lang="en-US" smtClean="0"/>
+              <a:rPr lang="en-US"/>
               <a:t>Click to edit Master text styles</a:t>
             </a:r>
           </a:p>
@@ -2643,7 +2648,7 @@
           <a:p>
             <a:pPr lvl="0"/>
             <a:r>
-              <a:rPr lang="en-US" smtClean="0"/>
+              <a:rPr lang="en-US"/>
               <a:t>Click to edit Master text styles</a:t>
             </a:r>
           </a:p>
@@ -2717,7 +2722,7 @@
           <a:p>
             <a:pPr lvl="0"/>
             <a:r>
-              <a:rPr lang="en-US" smtClean="0"/>
+              <a:rPr lang="en-US"/>
               <a:t>Click to edit Master text styles</a:t>
             </a:r>
           </a:p>
@@ -2784,7 +2789,7 @@
           <a:p>
             <a:pPr lvl="0"/>
             <a:r>
-              <a:rPr lang="en-US" smtClean="0"/>
+              <a:rPr lang="en-US"/>
               <a:t>Click to edit Master text styles</a:t>
             </a:r>
           </a:p>
@@ -2858,7 +2863,7 @@
           <a:p>
             <a:pPr lvl="0"/>
             <a:r>
-              <a:rPr lang="en-US" smtClean="0"/>
+              <a:rPr lang="en-US"/>
               <a:t>Click to edit Master text styles</a:t>
             </a:r>
           </a:p>
@@ -2925,7 +2930,7 @@
           <a:p>
             <a:pPr lvl="0"/>
             <a:r>
-              <a:rPr lang="en-US" smtClean="0"/>
+              <a:rPr lang="en-US"/>
               <a:t>Click to edit Master text styles</a:t>
             </a:r>
           </a:p>
@@ -3068,7 +3073,7 @@
           <a:p>
             <a:fld id="{D57F1E4F-1CFF-5643-939E-02111984F565}" type="slidenum">
               <a:rPr lang="en-US" dirty="0"/>
-              <a:t>‹#›</a:t>
+              <a:t>‹nº›</a:t>
             </a:fld>
             <a:endParaRPr lang="en-US" dirty="0"/>
           </a:p>
@@ -3119,7 +3124,7 @@
           </a:lstStyle>
           <a:p>
             <a:r>
-              <a:rPr lang="en-US" smtClean="0"/>
+              <a:rPr lang="en-US"/>
               <a:t>Click to edit Master title style</a:t>
             </a:r>
             <a:endParaRPr lang="en-US" dirty="0"/>
@@ -3194,7 +3199,7 @@
           <a:p>
             <a:pPr lvl="0"/>
             <a:r>
-              <a:rPr lang="en-US" smtClean="0"/>
+              <a:rPr lang="en-US"/>
               <a:t>Click to edit Master text styles</a:t>
             </a:r>
           </a:p>
@@ -3272,7 +3277,7 @@
           </a:lstStyle>
           <a:p>
             <a:r>
-              <a:rPr lang="en-US" smtClean="0"/>
+              <a:rPr lang="en-US"/>
               <a:t>Click icon to add picture</a:t>
             </a:r>
             <a:endParaRPr lang="en-US" dirty="0"/>
@@ -3340,7 +3345,7 @@
           <a:p>
             <a:pPr lvl="0"/>
             <a:r>
-              <a:rPr lang="en-US" smtClean="0"/>
+              <a:rPr lang="en-US"/>
               <a:t>Click to edit Master text styles</a:t>
             </a:r>
           </a:p>
@@ -3414,7 +3419,7 @@
           <a:p>
             <a:pPr lvl="0"/>
             <a:r>
-              <a:rPr lang="en-US" smtClean="0"/>
+              <a:rPr lang="en-US"/>
               <a:t>Click to edit Master text styles</a:t>
             </a:r>
           </a:p>
@@ -3492,7 +3497,7 @@
           </a:lstStyle>
           <a:p>
             <a:r>
-              <a:rPr lang="en-US" smtClean="0"/>
+              <a:rPr lang="en-US"/>
               <a:t>Click icon to add picture</a:t>
             </a:r>
             <a:endParaRPr lang="en-US" dirty="0"/>
@@ -3560,7 +3565,7 @@
           <a:p>
             <a:pPr lvl="0"/>
             <a:r>
-              <a:rPr lang="en-US" smtClean="0"/>
+              <a:rPr lang="en-US"/>
               <a:t>Click to edit Master text styles</a:t>
             </a:r>
           </a:p>
@@ -3634,7 +3639,7 @@
           <a:p>
             <a:pPr lvl="0"/>
             <a:r>
-              <a:rPr lang="en-US" smtClean="0"/>
+              <a:rPr lang="en-US"/>
               <a:t>Click to edit Master text styles</a:t>
             </a:r>
           </a:p>
@@ -3712,7 +3717,7 @@
           </a:lstStyle>
           <a:p>
             <a:r>
-              <a:rPr lang="en-US" smtClean="0"/>
+              <a:rPr lang="en-US"/>
               <a:t>Click icon to add picture</a:t>
             </a:r>
             <a:endParaRPr lang="en-US" dirty="0"/>
@@ -3780,7 +3785,7 @@
           <a:p>
             <a:pPr lvl="0"/>
             <a:r>
-              <a:rPr lang="en-US" smtClean="0"/>
+              <a:rPr lang="en-US"/>
               <a:t>Click to edit Master text styles</a:t>
             </a:r>
           </a:p>
@@ -3923,7 +3928,7 @@
           <a:p>
             <a:fld id="{D57F1E4F-1CFF-5643-939E-02111984F565}" type="slidenum">
               <a:rPr lang="en-US" dirty="0"/>
-              <a:t>‹#›</a:t>
+              <a:t>‹nº›</a:t>
             </a:fld>
             <a:endParaRPr lang="en-US" dirty="0"/>
           </a:p>
@@ -3970,7 +3975,7 @@
           <a:lstStyle/>
           <a:p>
             <a:r>
-              <a:rPr lang="en-US" smtClean="0"/>
+              <a:rPr lang="en-US"/>
               <a:t>Click to edit Master title style</a:t>
             </a:r>
             <a:endParaRPr lang="en-US" dirty="0"/>
@@ -3994,35 +3999,35 @@
           <a:p>
             <a:pPr lvl="0"/>
             <a:r>
-              <a:rPr lang="en-US" smtClean="0"/>
+              <a:rPr lang="en-US"/>
               <a:t>Click to edit Master text styles</a:t>
             </a:r>
           </a:p>
           <a:p>
             <a:pPr lvl="1"/>
             <a:r>
-              <a:rPr lang="en-US" smtClean="0"/>
+              <a:rPr lang="en-US"/>
               <a:t>Second level</a:t>
             </a:r>
           </a:p>
           <a:p>
             <a:pPr lvl="2"/>
             <a:r>
-              <a:rPr lang="en-US" smtClean="0"/>
+              <a:rPr lang="en-US"/>
               <a:t>Third level</a:t>
             </a:r>
           </a:p>
           <a:p>
             <a:pPr lvl="3"/>
             <a:r>
-              <a:rPr lang="en-US" smtClean="0"/>
+              <a:rPr lang="en-US"/>
               <a:t>Fourth level</a:t>
             </a:r>
           </a:p>
           <a:p>
             <a:pPr lvl="4"/>
             <a:r>
-              <a:rPr lang="en-US" smtClean="0"/>
+              <a:rPr lang="en-US"/>
               <a:t>Fifth level</a:t>
             </a:r>
             <a:endParaRPr lang="en-US" dirty="0"/>
@@ -4088,7 +4093,7 @@
           <a:p>
             <a:fld id="{D57F1E4F-1CFF-5643-939E-02111984F565}" type="slidenum">
               <a:rPr lang="en-US" dirty="0"/>
-              <a:t>‹#›</a:t>
+              <a:t>‹nº›</a:t>
             </a:fld>
             <a:endParaRPr lang="en-US" dirty="0"/>
           </a:p>
@@ -4140,7 +4145,7 @@
           <a:lstStyle/>
           <a:p>
             <a:r>
-              <a:rPr lang="en-US" smtClean="0"/>
+              <a:rPr lang="en-US"/>
               <a:t>Click to edit Master title style</a:t>
             </a:r>
             <a:endParaRPr lang="en-US" dirty="0"/>
@@ -4169,35 +4174,35 @@
           <a:p>
             <a:pPr lvl="0"/>
             <a:r>
-              <a:rPr lang="en-US" smtClean="0"/>
+              <a:rPr lang="en-US"/>
               <a:t>Click to edit Master text styles</a:t>
             </a:r>
           </a:p>
           <a:p>
             <a:pPr lvl="1"/>
             <a:r>
-              <a:rPr lang="en-US" smtClean="0"/>
+              <a:rPr lang="en-US"/>
               <a:t>Second level</a:t>
             </a:r>
           </a:p>
           <a:p>
             <a:pPr lvl="2"/>
             <a:r>
-              <a:rPr lang="en-US" smtClean="0"/>
+              <a:rPr lang="en-US"/>
               <a:t>Third level</a:t>
             </a:r>
           </a:p>
           <a:p>
             <a:pPr lvl="3"/>
             <a:r>
-              <a:rPr lang="en-US" smtClean="0"/>
+              <a:rPr lang="en-US"/>
               <a:t>Fourth level</a:t>
             </a:r>
           </a:p>
           <a:p>
             <a:pPr lvl="4"/>
             <a:r>
-              <a:rPr lang="en-US" smtClean="0"/>
+              <a:rPr lang="en-US"/>
               <a:t>Fifth level</a:t>
             </a:r>
             <a:endParaRPr lang="en-US" dirty="0"/>
@@ -4263,7 +4268,7 @@
           <a:p>
             <a:fld id="{D57F1E4F-1CFF-5643-939E-02111984F565}" type="slidenum">
               <a:rPr lang="en-US" dirty="0"/>
-              <a:t>‹#›</a:t>
+              <a:t>‹nº›</a:t>
             </a:fld>
             <a:endParaRPr lang="en-US" dirty="0"/>
           </a:p>
@@ -4310,7 +4315,7 @@
           <a:lstStyle/>
           <a:p>
             <a:r>
-              <a:rPr lang="en-US" smtClean="0"/>
+              <a:rPr lang="en-US"/>
               <a:t>Click to edit Master title style</a:t>
             </a:r>
             <a:endParaRPr lang="en-US" dirty="0"/>
@@ -4334,35 +4339,35 @@
           <a:p>
             <a:pPr lvl="0"/>
             <a:r>
-              <a:rPr lang="en-US" smtClean="0"/>
+              <a:rPr lang="en-US"/>
               <a:t>Click to edit Master text styles</a:t>
             </a:r>
           </a:p>
           <a:p>
             <a:pPr lvl="1"/>
             <a:r>
-              <a:rPr lang="en-US" smtClean="0"/>
+              <a:rPr lang="en-US"/>
               <a:t>Second level</a:t>
             </a:r>
           </a:p>
           <a:p>
             <a:pPr lvl="2"/>
             <a:r>
-              <a:rPr lang="en-US" smtClean="0"/>
+              <a:rPr lang="en-US"/>
               <a:t>Third level</a:t>
             </a:r>
           </a:p>
           <a:p>
             <a:pPr lvl="3"/>
             <a:r>
-              <a:rPr lang="en-US" smtClean="0"/>
+              <a:rPr lang="en-US"/>
               <a:t>Fourth level</a:t>
             </a:r>
           </a:p>
           <a:p>
             <a:pPr lvl="4"/>
             <a:r>
-              <a:rPr lang="en-US" smtClean="0"/>
+              <a:rPr lang="en-US"/>
               <a:t>Fifth level</a:t>
             </a:r>
             <a:endParaRPr lang="en-US" dirty="0"/>
@@ -4428,7 +4433,7 @@
           <a:p>
             <a:fld id="{D57F1E4F-1CFF-5643-939E-02111984F565}" type="slidenum">
               <a:rPr lang="en-US" dirty="0"/>
-              <a:t>‹#›</a:t>
+              <a:t>‹nº›</a:t>
             </a:fld>
             <a:endParaRPr lang="en-US" dirty="0"/>
           </a:p>
@@ -4484,7 +4489,7 @@
           </a:lstStyle>
           <a:p>
             <a:r>
-              <a:rPr lang="en-US" smtClean="0"/>
+              <a:rPr lang="en-US"/>
               <a:t>Click to edit Master title style</a:t>
             </a:r>
             <a:endParaRPr lang="en-US" dirty="0"/>
@@ -4605,7 +4610,7 @@
           <a:p>
             <a:pPr lvl="0"/>
             <a:r>
-              <a:rPr lang="en-US" smtClean="0"/>
+              <a:rPr lang="en-US"/>
               <a:t>Click to edit Master text styles</a:t>
             </a:r>
           </a:p>
@@ -4670,7 +4675,7 @@
           <a:p>
             <a:fld id="{D57F1E4F-1CFF-5643-939E-02111984F565}" type="slidenum">
               <a:rPr lang="en-US" dirty="0"/>
-              <a:t>‹#›</a:t>
+              <a:t>‹nº›</a:t>
             </a:fld>
             <a:endParaRPr lang="en-US" dirty="0"/>
           </a:p>
@@ -4717,7 +4722,7 @@
           <a:lstStyle/>
           <a:p>
             <a:r>
-              <a:rPr lang="en-US" smtClean="0"/>
+              <a:rPr lang="en-US"/>
               <a:t>Click to edit Master title style</a:t>
             </a:r>
             <a:endParaRPr lang="en-US" dirty="0"/>
@@ -4776,35 +4781,35 @@
           <a:p>
             <a:pPr lvl="0"/>
             <a:r>
-              <a:rPr lang="en-US" smtClean="0"/>
+              <a:rPr lang="en-US"/>
               <a:t>Click to edit Master text styles</a:t>
             </a:r>
           </a:p>
           <a:p>
             <a:pPr lvl="1"/>
             <a:r>
-              <a:rPr lang="en-US" smtClean="0"/>
+              <a:rPr lang="en-US"/>
               <a:t>Second level</a:t>
             </a:r>
           </a:p>
           <a:p>
             <a:pPr lvl="2"/>
             <a:r>
-              <a:rPr lang="en-US" smtClean="0"/>
+              <a:rPr lang="en-US"/>
               <a:t>Third level</a:t>
             </a:r>
           </a:p>
           <a:p>
             <a:pPr lvl="3"/>
             <a:r>
-              <a:rPr lang="en-US" smtClean="0"/>
+              <a:rPr lang="en-US"/>
               <a:t>Fourth level</a:t>
             </a:r>
           </a:p>
           <a:p>
             <a:pPr lvl="4"/>
             <a:r>
-              <a:rPr lang="en-US" smtClean="0"/>
+              <a:rPr lang="en-US"/>
               <a:t>Fifth level</a:t>
             </a:r>
             <a:endParaRPr lang="en-US" dirty="0"/>
@@ -4863,35 +4868,35 @@
           <a:p>
             <a:pPr lvl="0"/>
             <a:r>
-              <a:rPr lang="en-US" smtClean="0"/>
+              <a:rPr lang="en-US"/>
               <a:t>Click to edit Master text styles</a:t>
             </a:r>
           </a:p>
           <a:p>
             <a:pPr lvl="1"/>
             <a:r>
-              <a:rPr lang="en-US" smtClean="0"/>
+              <a:rPr lang="en-US"/>
               <a:t>Second level</a:t>
             </a:r>
           </a:p>
           <a:p>
             <a:pPr lvl="2"/>
             <a:r>
-              <a:rPr lang="en-US" smtClean="0"/>
+              <a:rPr lang="en-US"/>
               <a:t>Third level</a:t>
             </a:r>
           </a:p>
           <a:p>
             <a:pPr lvl="3"/>
             <a:r>
-              <a:rPr lang="en-US" smtClean="0"/>
+              <a:rPr lang="en-US"/>
               <a:t>Fourth level</a:t>
             </a:r>
           </a:p>
           <a:p>
             <a:pPr lvl="4"/>
             <a:r>
-              <a:rPr lang="en-US" smtClean="0"/>
+              <a:rPr lang="en-US"/>
               <a:t>Fifth level</a:t>
             </a:r>
             <a:endParaRPr lang="en-US" dirty="0"/>
@@ -4957,7 +4962,7 @@
           <a:p>
             <a:fld id="{D57F1E4F-1CFF-5643-939E-02111984F565}" type="slidenum">
               <a:rPr lang="en-US" dirty="0"/>
-              <a:t>‹#›</a:t>
+              <a:t>‹nº›</a:t>
             </a:fld>
             <a:endParaRPr lang="en-US" dirty="0"/>
           </a:p>
@@ -5008,7 +5013,7 @@
           </a:lstStyle>
           <a:p>
             <a:r>
-              <a:rPr lang="en-US" smtClean="0"/>
+              <a:rPr lang="en-US"/>
               <a:t>Click to edit Master title style</a:t>
             </a:r>
             <a:endParaRPr lang="en-US" dirty="0"/>
@@ -5083,7 +5088,7 @@
           <a:p>
             <a:pPr lvl="0"/>
             <a:r>
-              <a:rPr lang="en-US" smtClean="0"/>
+              <a:rPr lang="en-US"/>
               <a:t>Click to edit Master text styles</a:t>
             </a:r>
           </a:p>
@@ -5141,35 +5146,35 @@
           <a:p>
             <a:pPr lvl="0"/>
             <a:r>
-              <a:rPr lang="en-US" smtClean="0"/>
+              <a:rPr lang="en-US"/>
               <a:t>Click to edit Master text styles</a:t>
             </a:r>
           </a:p>
           <a:p>
             <a:pPr lvl="1"/>
             <a:r>
-              <a:rPr lang="en-US" smtClean="0"/>
+              <a:rPr lang="en-US"/>
               <a:t>Second level</a:t>
             </a:r>
           </a:p>
           <a:p>
             <a:pPr lvl="2"/>
             <a:r>
-              <a:rPr lang="en-US" smtClean="0"/>
+              <a:rPr lang="en-US"/>
               <a:t>Third level</a:t>
             </a:r>
           </a:p>
           <a:p>
             <a:pPr lvl="3"/>
             <a:r>
-              <a:rPr lang="en-US" smtClean="0"/>
+              <a:rPr lang="en-US"/>
               <a:t>Fourth level</a:t>
             </a:r>
           </a:p>
           <a:p>
             <a:pPr lvl="4"/>
             <a:r>
-              <a:rPr lang="en-US" smtClean="0"/>
+              <a:rPr lang="en-US"/>
               <a:t>Fifth level</a:t>
             </a:r>
             <a:endParaRPr lang="en-US" dirty="0"/>
@@ -5244,7 +5249,7 @@
           <a:p>
             <a:pPr lvl="0"/>
             <a:r>
-              <a:rPr lang="en-US" smtClean="0"/>
+              <a:rPr lang="en-US"/>
               <a:t>Click to edit Master text styles</a:t>
             </a:r>
           </a:p>
@@ -5302,35 +5307,35 @@
           <a:p>
             <a:pPr lvl="0"/>
             <a:r>
-              <a:rPr lang="en-US" smtClean="0"/>
+              <a:rPr lang="en-US"/>
               <a:t>Click to edit Master text styles</a:t>
             </a:r>
           </a:p>
           <a:p>
             <a:pPr lvl="1"/>
             <a:r>
-              <a:rPr lang="en-US" smtClean="0"/>
+              <a:rPr lang="en-US"/>
               <a:t>Second level</a:t>
             </a:r>
           </a:p>
           <a:p>
             <a:pPr lvl="2"/>
             <a:r>
-              <a:rPr lang="en-US" smtClean="0"/>
+              <a:rPr lang="en-US"/>
               <a:t>Third level</a:t>
             </a:r>
           </a:p>
           <a:p>
             <a:pPr lvl="3"/>
             <a:r>
-              <a:rPr lang="en-US" smtClean="0"/>
+              <a:rPr lang="en-US"/>
               <a:t>Fourth level</a:t>
             </a:r>
           </a:p>
           <a:p>
             <a:pPr lvl="4"/>
             <a:r>
-              <a:rPr lang="en-US" smtClean="0"/>
+              <a:rPr lang="en-US"/>
               <a:t>Fifth level</a:t>
             </a:r>
             <a:endParaRPr lang="en-US" dirty="0"/>
@@ -5396,7 +5401,7 @@
           <a:p>
             <a:fld id="{D57F1E4F-1CFF-5643-939E-02111984F565}" type="slidenum">
               <a:rPr lang="en-US" dirty="0"/>
-              <a:t>‹#›</a:t>
+              <a:t>‹nº›</a:t>
             </a:fld>
             <a:endParaRPr lang="en-US" dirty="0"/>
           </a:p>
@@ -5443,7 +5448,7 @@
           <a:lstStyle/>
           <a:p>
             <a:r>
-              <a:rPr lang="en-US" smtClean="0"/>
+              <a:rPr lang="en-US"/>
               <a:t>Click to edit Master title style</a:t>
             </a:r>
             <a:endParaRPr lang="en-US" dirty="0"/>
@@ -5509,7 +5514,7 @@
           <a:p>
             <a:fld id="{D57F1E4F-1CFF-5643-939E-02111984F565}" type="slidenum">
               <a:rPr lang="en-US" dirty="0"/>
-              <a:t>‹#›</a:t>
+              <a:t>‹nº›</a:t>
             </a:fld>
             <a:endParaRPr lang="en-US" dirty="0"/>
           </a:p>
@@ -5599,7 +5604,7 @@
           <a:p>
             <a:fld id="{D57F1E4F-1CFF-5643-939E-02111984F565}" type="slidenum">
               <a:rPr lang="en-US" dirty="0"/>
-              <a:t>‹#›</a:t>
+              <a:t>‹nº›</a:t>
             </a:fld>
             <a:endParaRPr lang="en-US" dirty="0"/>
           </a:p>
@@ -5655,7 +5660,7 @@
           </a:lstStyle>
           <a:p>
             <a:r>
-              <a:rPr lang="en-US" smtClean="0"/>
+              <a:rPr lang="en-US"/>
               <a:t>Click to edit Master title style</a:t>
             </a:r>
             <a:endParaRPr lang="en-US" dirty="0"/>
@@ -5714,35 +5719,35 @@
           <a:p>
             <a:pPr lvl="0"/>
             <a:r>
-              <a:rPr lang="en-US" smtClean="0"/>
+              <a:rPr lang="en-US"/>
               <a:t>Click to edit Master text styles</a:t>
             </a:r>
           </a:p>
           <a:p>
             <a:pPr lvl="1"/>
             <a:r>
-              <a:rPr lang="en-US" smtClean="0"/>
+              <a:rPr lang="en-US"/>
               <a:t>Second level</a:t>
             </a:r>
           </a:p>
           <a:p>
             <a:pPr lvl="2"/>
             <a:r>
-              <a:rPr lang="en-US" smtClean="0"/>
+              <a:rPr lang="en-US"/>
               <a:t>Third level</a:t>
             </a:r>
           </a:p>
           <a:p>
             <a:pPr lvl="3"/>
             <a:r>
-              <a:rPr lang="en-US" smtClean="0"/>
+              <a:rPr lang="en-US"/>
               <a:t>Fourth level</a:t>
             </a:r>
           </a:p>
           <a:p>
             <a:pPr lvl="4"/>
             <a:r>
-              <a:rPr lang="en-US" smtClean="0"/>
+              <a:rPr lang="en-US"/>
               <a:t>Fifth level</a:t>
             </a:r>
             <a:endParaRPr lang="en-US" dirty="0"/>
@@ -5808,7 +5813,7 @@
           <a:p>
             <a:pPr lvl="0"/>
             <a:r>
-              <a:rPr lang="en-US" smtClean="0"/>
+              <a:rPr lang="en-US"/>
               <a:t>Click to edit Master text styles</a:t>
             </a:r>
           </a:p>
@@ -5873,7 +5878,7 @@
           <a:p>
             <a:fld id="{D57F1E4F-1CFF-5643-939E-02111984F565}" type="slidenum">
               <a:rPr lang="en-US" dirty="0"/>
-              <a:t>‹#›</a:t>
+              <a:t>‹nº›</a:t>
             </a:fld>
             <a:endParaRPr lang="en-US" dirty="0"/>
           </a:p>
@@ -5931,7 +5936,7 @@
           </a:lstStyle>
           <a:p>
             <a:r>
-              <a:rPr lang="en-US" smtClean="0"/>
+              <a:rPr lang="en-US"/>
               <a:t>Click to edit Master title style</a:t>
             </a:r>
             <a:endParaRPr lang="en-US" dirty="0"/>
@@ -6010,7 +6015,7 @@
           </a:lstStyle>
           <a:p>
             <a:r>
-              <a:rPr lang="en-US" smtClean="0"/>
+              <a:rPr lang="en-US"/>
               <a:t>Click icon to add picture</a:t>
             </a:r>
             <a:endParaRPr lang="en-US" dirty="0"/>
@@ -6078,7 +6083,7 @@
           <a:p>
             <a:pPr lvl="0"/>
             <a:r>
-              <a:rPr lang="en-US" smtClean="0"/>
+              <a:rPr lang="en-US"/>
               <a:t>Click to edit Master text styles</a:t>
             </a:r>
           </a:p>
@@ -6143,7 +6148,7 @@
           <a:p>
             <a:fld id="{D57F1E4F-1CFF-5643-939E-02111984F565}" type="slidenum">
               <a:rPr lang="en-US" dirty="0"/>
-              <a:t>‹#›</a:t>
+              <a:t>‹nº›</a:t>
             </a:fld>
             <a:endParaRPr lang="en-US" dirty="0"/>
           </a:p>
@@ -6420,7 +6425,7 @@
           <a:lstStyle/>
           <a:p>
             <a:r>
-              <a:rPr lang="en-US" smtClean="0"/>
+              <a:rPr lang="en-US"/>
               <a:t>Click to edit Master title style</a:t>
             </a:r>
             <a:endParaRPr lang="en-US" dirty="0"/>
@@ -6454,35 +6459,35 @@
           <a:p>
             <a:pPr lvl="0"/>
             <a:r>
-              <a:rPr lang="en-US" smtClean="0"/>
+              <a:rPr lang="en-US"/>
               <a:t>Click to edit Master text styles</a:t>
             </a:r>
           </a:p>
           <a:p>
             <a:pPr lvl="1"/>
             <a:r>
-              <a:rPr lang="en-US" smtClean="0"/>
+              <a:rPr lang="en-US"/>
               <a:t>Second level</a:t>
             </a:r>
           </a:p>
           <a:p>
             <a:pPr lvl="2"/>
             <a:r>
-              <a:rPr lang="en-US" smtClean="0"/>
+              <a:rPr lang="en-US"/>
               <a:t>Third level</a:t>
             </a:r>
           </a:p>
           <a:p>
             <a:pPr lvl="3"/>
             <a:r>
-              <a:rPr lang="en-US" smtClean="0"/>
+              <a:rPr lang="en-US"/>
               <a:t>Fourth level</a:t>
             </a:r>
           </a:p>
           <a:p>
             <a:pPr lvl="4"/>
             <a:r>
-              <a:rPr lang="en-US" smtClean="0"/>
+              <a:rPr lang="en-US"/>
               <a:t>Fifth level</a:t>
             </a:r>
             <a:endParaRPr lang="en-US" dirty="0"/>
@@ -6604,7 +6609,7 @@
           <a:p>
             <a:fld id="{D57F1E4F-1CFF-5643-939E-02111984F565}" type="slidenum">
               <a:rPr lang="en-US" dirty="0"/>
-              <a:t>‹#›</a:t>
+              <a:t>‹nº›</a:t>
             </a:fld>
             <a:endParaRPr lang="en-US" dirty="0"/>
           </a:p>
@@ -7059,25 +7064,30 @@
             <p:ph type="ctrTitle"/>
           </p:nvPr>
         </p:nvSpPr>
-        <p:spPr/>
+        <p:spPr>
+          <a:xfrm>
+            <a:off x="1201363" y="656740"/>
+            <a:ext cx="8825658" cy="3329581"/>
+          </a:xfrm>
+        </p:spPr>
         <p:txBody>
           <a:bodyPr/>
           <a:lstStyle/>
           <a:p>
             <a:r>
-              <a:rPr lang="pt-PT" sz="6000" dirty="0" smtClean="0"/>
+              <a:rPr lang="pt-PT" sz="6000" dirty="0"/>
               <a:t>A </a:t>
             </a:r>
             <a:r>
-              <a:rPr lang="en-GB" sz="6000" dirty="0" smtClean="0"/>
+              <a:rPr lang="en-GB" sz="6000" dirty="0"/>
               <a:t>Study</a:t>
             </a:r>
             <a:r>
-              <a:rPr lang="pt-PT" sz="6000" dirty="0" smtClean="0"/>
+              <a:rPr lang="pt-PT" sz="6000" dirty="0"/>
               <a:t> in CUDA </a:t>
             </a:r>
             <a:r>
-              <a:rPr lang="pt-PT" sz="6000" dirty="0" err="1" smtClean="0"/>
+              <a:rPr lang="pt-PT" sz="6000" dirty="0" err="1"/>
               <a:t>Usage</a:t>
             </a:r>
             <a:endParaRPr lang="pt-PT" sz="6000" dirty="0"/>
@@ -7094,22 +7104,184 @@
             <p:ph type="subTitle" idx="1"/>
           </p:nvPr>
         </p:nvSpPr>
-        <p:spPr/>
+        <p:spPr>
+          <a:xfrm>
+            <a:off x="1201363" y="4743453"/>
+            <a:ext cx="8825658" cy="861420"/>
+          </a:xfrm>
+        </p:spPr>
         <p:txBody>
           <a:bodyPr/>
           <a:lstStyle/>
           <a:p>
             <a:r>
-              <a:rPr lang="pt-PT" dirty="0" smtClean="0"/>
+              <a:rPr lang="pt-PT" dirty="0"/>
               <a:t>Pedro Carrega, nº49480</a:t>
             </a:r>
           </a:p>
           <a:p>
             <a:r>
-              <a:rPr lang="pt-PT" dirty="0" smtClean="0"/>
+              <a:rPr lang="pt-PT" dirty="0"/>
               <a:t>Vasco Ferreira, nº49470</a:t>
             </a:r>
+          </a:p>
+          <a:p>
             <a:endParaRPr lang="pt-PT" dirty="0"/>
+          </a:p>
+          <a:p>
+            <a:endParaRPr lang="pt-PT" dirty="0"/>
+          </a:p>
+        </p:txBody>
+      </p:sp>
+      <p:grpSp>
+        <p:nvGrpSpPr>
+          <p:cNvPr id="12" name="Agrupar 11">
+            <a:extLst>
+              <a:ext uri="{FF2B5EF4-FFF2-40B4-BE49-F238E27FC236}">
+                <a16:creationId xmlns:a16="http://schemas.microsoft.com/office/drawing/2014/main" id="{FC2A7235-27BF-4464-89A0-E61C0CC8C7ED}"/>
+              </a:ext>
+            </a:extLst>
+          </p:cNvPr>
+          <p:cNvGrpSpPr/>
+          <p:nvPr/>
+        </p:nvGrpSpPr>
+        <p:grpSpPr>
+          <a:xfrm>
+            <a:off x="8787108" y="5037859"/>
+            <a:ext cx="2387010" cy="1201881"/>
+            <a:chOff x="1018769" y="902720"/>
+            <a:chExt cx="3502381" cy="1764350"/>
+          </a:xfrm>
+        </p:grpSpPr>
+        <p:sp>
+          <p:nvSpPr>
+            <p:cNvPr id="7" name="Retângulo 6">
+              <a:extLst>
+                <a:ext uri="{FF2B5EF4-FFF2-40B4-BE49-F238E27FC236}">
+                  <a16:creationId xmlns:a16="http://schemas.microsoft.com/office/drawing/2014/main" id="{3536D763-8F7F-4299-BF1F-2F4700353BE9}"/>
+                </a:ext>
+              </a:extLst>
+            </p:cNvPr>
+            <p:cNvSpPr/>
+            <p:nvPr/>
+          </p:nvSpPr>
+          <p:spPr>
+            <a:xfrm>
+              <a:off x="1154955" y="975013"/>
+              <a:ext cx="3366195" cy="1692057"/>
+            </a:xfrm>
+            <a:prstGeom prst="rect">
+              <a:avLst/>
+            </a:prstGeom>
+            <a:solidFill>
+              <a:schemeClr val="tx1"/>
+            </a:solidFill>
+            <a:ln>
+              <a:solidFill>
+                <a:schemeClr val="tx1"/>
+              </a:solidFill>
+            </a:ln>
+          </p:spPr>
+          <p:style>
+            <a:lnRef idx="2">
+              <a:schemeClr val="accent1">
+                <a:shade val="50000"/>
+              </a:schemeClr>
+            </a:lnRef>
+            <a:fillRef idx="1">
+              <a:schemeClr val="accent1"/>
+            </a:fillRef>
+            <a:effectRef idx="0">
+              <a:schemeClr val="accent1"/>
+            </a:effectRef>
+            <a:fontRef idx="minor">
+              <a:schemeClr val="lt1"/>
+            </a:fontRef>
+          </p:style>
+          <p:txBody>
+            <a:bodyPr rtlCol="0" anchor="ctr"/>
+            <a:lstStyle/>
+            <a:p>
+              <a:pPr algn="ctr"/>
+              <a:endParaRPr lang="pt-PT"/>
+            </a:p>
+          </p:txBody>
+        </p:sp>
+        <p:pic>
+          <p:nvPicPr>
+            <p:cNvPr id="10" name="Imagem 9">
+              <a:extLst>
+                <a:ext uri="{FF2B5EF4-FFF2-40B4-BE49-F238E27FC236}">
+                  <a16:creationId xmlns:a16="http://schemas.microsoft.com/office/drawing/2014/main" id="{EE120ED8-F510-428F-8E2B-8FB7801ED686}"/>
+                </a:ext>
+              </a:extLst>
+            </p:cNvPr>
+            <p:cNvPicPr>
+              <a:picLocks noChangeAspect="1"/>
+            </p:cNvPicPr>
+            <p:nvPr/>
+          </p:nvPicPr>
+          <p:blipFill>
+            <a:blip r:embed="rId2"/>
+            <a:stretch>
+              <a:fillRect/>
+            </a:stretch>
+          </p:blipFill>
+          <p:spPr>
+            <a:xfrm>
+              <a:off x="1018769" y="902720"/>
+              <a:ext cx="3366195" cy="1764350"/>
+            </a:xfrm>
+            <a:prstGeom prst="rect">
+              <a:avLst/>
+            </a:prstGeom>
+          </p:spPr>
+        </p:pic>
+      </p:grpSp>
+      <p:sp>
+        <p:nvSpPr>
+          <p:cNvPr id="11" name="CaixaDeTexto 10">
+            <a:extLst>
+              <a:ext uri="{FF2B5EF4-FFF2-40B4-BE49-F238E27FC236}">
+                <a16:creationId xmlns:a16="http://schemas.microsoft.com/office/drawing/2014/main" id="{B56E9F45-F09B-4BD0-98B3-EC2ADC5C4F07}"/>
+              </a:ext>
+            </a:extLst>
+          </p:cNvPr>
+          <p:cNvSpPr txBox="1"/>
+          <p:nvPr/>
+        </p:nvSpPr>
+        <p:spPr>
+          <a:xfrm>
+            <a:off x="1201363" y="3986321"/>
+            <a:ext cx="4791696" cy="707886"/>
+          </a:xfrm>
+          <a:prstGeom prst="rect">
+            <a:avLst/>
+          </a:prstGeom>
+          <a:noFill/>
+        </p:spPr>
+        <p:txBody>
+          <a:bodyPr wrap="none" rtlCol="0">
+            <a:spAutoFit/>
+          </a:bodyPr>
+          <a:lstStyle/>
+          <a:p>
+            <a:r>
+              <a:rPr lang="pt-PT" sz="2000" dirty="0"/>
+              <a:t>Mestrado de Engenharia Informática</a:t>
+            </a:r>
+            <a:br>
+              <a:rPr lang="pt-PT" sz="2000" dirty="0"/>
+            </a:br>
+            <a:r>
+              <a:rPr lang="pt-PT" sz="2000" dirty="0"/>
+              <a:t>Programação em Cluster e </a:t>
+            </a:r>
+            <a:r>
+              <a:rPr lang="pt-PT" sz="2000" dirty="0" err="1"/>
+              <a:t>Multicore</a:t>
+            </a:r>
+            <a:endParaRPr lang="pt-PT" sz="2000" dirty="0"/>
           </a:p>
         </p:txBody>
       </p:sp>
@@ -7159,15 +7331,15 @@
           <a:lstStyle/>
           <a:p>
             <a:r>
-              <a:rPr lang="pt-PT" dirty="0" err="1" smtClean="0"/>
+              <a:rPr lang="pt-PT" dirty="0" err="1"/>
               <a:t>Motivations</a:t>
             </a:r>
             <a:r>
-              <a:rPr lang="pt-PT" dirty="0" smtClean="0"/>
+              <a:rPr lang="pt-PT" dirty="0"/>
               <a:t> &amp; </a:t>
             </a:r>
             <a:r>
-              <a:rPr lang="pt-PT" dirty="0" err="1" smtClean="0"/>
+              <a:rPr lang="pt-PT" dirty="0" err="1"/>
               <a:t>Goals</a:t>
             </a:r>
             <a:endParaRPr lang="pt-PT" dirty="0"/>
@@ -7176,12 +7348,18 @@
       </p:sp>
       <p:sp>
         <p:nvSpPr>
-          <p:cNvPr id="3" name="Content Placeholder 2"/>
-          <p:cNvSpPr>
-            <a:spLocks noGrp="1"/>
-          </p:cNvSpPr>
-          <p:nvPr>
-            <p:ph idx="1"/>
+          <p:cNvPr id="4" name="Marcador de Posição do Texto 3">
+            <a:extLst>
+              <a:ext uri="{FF2B5EF4-FFF2-40B4-BE49-F238E27FC236}">
+                <a16:creationId xmlns:a16="http://schemas.microsoft.com/office/drawing/2014/main" id="{395FDA90-928D-490B-9205-8969FC300942}"/>
+              </a:ext>
+            </a:extLst>
+          </p:cNvPr>
+          <p:cNvSpPr>
+            <a:spLocks noGrp="1"/>
+          </p:cNvSpPr>
+          <p:nvPr>
+            <p:ph type="body" idx="1"/>
           </p:nvPr>
         </p:nvSpPr>
         <p:spPr/>
@@ -7189,7 +7367,346 @@
           <a:bodyPr/>
           <a:lstStyle/>
           <a:p>
-            <a:endParaRPr lang="pt-PT"/>
+            <a:r>
+              <a:rPr lang="pt-PT" sz="2800" dirty="0" err="1"/>
+              <a:t>Motivation</a:t>
+            </a:r>
+            <a:r>
+              <a:rPr lang="pt-PT" sz="2800" dirty="0"/>
+              <a:t>:</a:t>
+            </a:r>
+          </a:p>
+        </p:txBody>
+      </p:sp>
+      <p:sp>
+        <p:nvSpPr>
+          <p:cNvPr id="3" name="Content Placeholder 2"/>
+          <p:cNvSpPr>
+            <a:spLocks noGrp="1"/>
+          </p:cNvSpPr>
+          <p:nvPr>
+            <p:ph sz="half" idx="2"/>
+          </p:nvPr>
+        </p:nvSpPr>
+        <p:spPr/>
+        <p:txBody>
+          <a:bodyPr>
+            <a:normAutofit/>
+          </a:bodyPr>
+          <a:lstStyle/>
+          <a:p>
+            <a:r>
+              <a:rPr lang="pt-PT" sz="2400" dirty="0" err="1"/>
+              <a:t>The</a:t>
+            </a:r>
+            <a:r>
+              <a:rPr lang="pt-PT" sz="2400" dirty="0"/>
+              <a:t> </a:t>
+            </a:r>
+            <a:r>
+              <a:rPr lang="pt-PT" sz="2400" dirty="0" err="1"/>
+              <a:t>lack</a:t>
+            </a:r>
+            <a:r>
+              <a:rPr lang="pt-PT" sz="2400" dirty="0"/>
+              <a:t> </a:t>
+            </a:r>
+            <a:r>
+              <a:rPr lang="pt-PT" sz="2400" dirty="0" err="1"/>
+              <a:t>of</a:t>
+            </a:r>
+            <a:r>
+              <a:rPr lang="pt-PT" sz="2400" dirty="0"/>
+              <a:t> </a:t>
+            </a:r>
+            <a:r>
+              <a:rPr lang="pt-PT" sz="2400" dirty="0" err="1"/>
+              <a:t>concise</a:t>
+            </a:r>
+            <a:r>
+              <a:rPr lang="pt-PT" sz="2400" dirty="0"/>
+              <a:t> </a:t>
+            </a:r>
+            <a:r>
+              <a:rPr lang="pt-PT" sz="2400" dirty="0" err="1"/>
+              <a:t>and</a:t>
+            </a:r>
+            <a:r>
+              <a:rPr lang="pt-PT" sz="2400" dirty="0"/>
+              <a:t> </a:t>
+            </a:r>
+            <a:r>
+              <a:rPr lang="pt-PT" sz="2400" dirty="0" err="1"/>
+              <a:t>simple</a:t>
+            </a:r>
+            <a:r>
+              <a:rPr lang="pt-PT" sz="2400" dirty="0"/>
+              <a:t> </a:t>
+            </a:r>
+            <a:r>
+              <a:rPr lang="pt-PT" sz="2400" dirty="0" err="1"/>
+              <a:t>introductions</a:t>
+            </a:r>
+            <a:r>
+              <a:rPr lang="pt-PT" sz="2400" dirty="0"/>
+              <a:t> to GPGPU</a:t>
+            </a:r>
+          </a:p>
+          <a:p>
+            <a:r>
+              <a:rPr lang="pt-PT" sz="2400" dirty="0" err="1"/>
+              <a:t>The</a:t>
+            </a:r>
+            <a:r>
+              <a:rPr lang="pt-PT" sz="2400" dirty="0"/>
+              <a:t> </a:t>
+            </a:r>
+            <a:r>
+              <a:rPr lang="pt-PT" sz="2400" dirty="0" err="1"/>
+              <a:t>abserce</a:t>
+            </a:r>
+            <a:r>
+              <a:rPr lang="pt-PT" sz="2400" dirty="0"/>
+              <a:t> </a:t>
+            </a:r>
+            <a:r>
+              <a:rPr lang="pt-PT" sz="2400" dirty="0" err="1"/>
+              <a:t>of</a:t>
+            </a:r>
+            <a:r>
+              <a:rPr lang="pt-PT" sz="2400" dirty="0"/>
+              <a:t> </a:t>
+            </a:r>
+            <a:r>
+              <a:rPr lang="pt-PT" sz="2400" dirty="0" err="1"/>
+              <a:t>content</a:t>
+            </a:r>
+            <a:r>
+              <a:rPr lang="pt-PT" sz="2400" dirty="0"/>
+              <a:t> </a:t>
+            </a:r>
+            <a:r>
+              <a:rPr lang="pt-PT" sz="2400" dirty="0" err="1"/>
+              <a:t>where</a:t>
+            </a:r>
+            <a:r>
+              <a:rPr lang="pt-PT" sz="2400" dirty="0"/>
+              <a:t> </a:t>
+            </a:r>
+            <a:r>
+              <a:rPr lang="pt-PT" sz="2400" dirty="0" err="1"/>
+              <a:t>it</a:t>
+            </a:r>
+            <a:r>
+              <a:rPr lang="pt-PT" sz="2400" dirty="0"/>
+              <a:t> can </a:t>
+            </a:r>
+            <a:r>
+              <a:rPr lang="pt-PT" sz="2400" dirty="0" err="1"/>
+              <a:t>be</a:t>
+            </a:r>
+            <a:r>
+              <a:rPr lang="pt-PT" sz="2400" dirty="0"/>
+              <a:t> </a:t>
+            </a:r>
+            <a:r>
+              <a:rPr lang="pt-PT" sz="2400" dirty="0" err="1"/>
+              <a:t>shown</a:t>
+            </a:r>
+            <a:r>
+              <a:rPr lang="pt-PT" sz="2400" dirty="0"/>
+              <a:t> some </a:t>
+            </a:r>
+            <a:r>
+              <a:rPr lang="pt-PT" sz="2400" dirty="0" err="1"/>
+              <a:t>of</a:t>
+            </a:r>
+            <a:r>
+              <a:rPr lang="pt-PT" sz="2400" dirty="0"/>
+              <a:t> </a:t>
+            </a:r>
+            <a:r>
+              <a:rPr lang="pt-PT" sz="2400" dirty="0" err="1"/>
+              <a:t>the</a:t>
+            </a:r>
+            <a:r>
+              <a:rPr lang="pt-PT" sz="2400" dirty="0"/>
+              <a:t> </a:t>
+            </a:r>
+            <a:r>
+              <a:rPr lang="pt-PT" sz="2400" dirty="0" err="1"/>
+              <a:t>improvements</a:t>
+            </a:r>
+            <a:r>
+              <a:rPr lang="pt-PT" sz="2400" dirty="0"/>
+              <a:t> </a:t>
+            </a:r>
+            <a:r>
+              <a:rPr lang="pt-PT" sz="2400" dirty="0" err="1"/>
+              <a:t>when</a:t>
+            </a:r>
+            <a:r>
+              <a:rPr lang="pt-PT" sz="2400" dirty="0"/>
+              <a:t> </a:t>
+            </a:r>
+            <a:r>
+              <a:rPr lang="pt-PT" sz="2400" dirty="0" err="1"/>
+              <a:t>using</a:t>
+            </a:r>
+            <a:r>
+              <a:rPr lang="pt-PT" sz="2400" dirty="0"/>
+              <a:t> GPGPU</a:t>
+            </a:r>
+          </a:p>
+        </p:txBody>
+      </p:sp>
+      <p:sp>
+        <p:nvSpPr>
+          <p:cNvPr id="5" name="Marcador de Posição do Texto 4">
+            <a:extLst>
+              <a:ext uri="{FF2B5EF4-FFF2-40B4-BE49-F238E27FC236}">
+                <a16:creationId xmlns:a16="http://schemas.microsoft.com/office/drawing/2014/main" id="{B606F5B3-55F1-4AF6-93F1-FAC926D4A149}"/>
+              </a:ext>
+            </a:extLst>
+          </p:cNvPr>
+          <p:cNvSpPr>
+            <a:spLocks noGrp="1"/>
+          </p:cNvSpPr>
+          <p:nvPr>
+            <p:ph type="body" sz="quarter" idx="3"/>
+          </p:nvPr>
+        </p:nvSpPr>
+        <p:spPr/>
+        <p:txBody>
+          <a:bodyPr/>
+          <a:lstStyle/>
+          <a:p>
+            <a:r>
+              <a:rPr lang="pt-PT" sz="2800" dirty="0" err="1"/>
+              <a:t>Goals</a:t>
+            </a:r>
+            <a:r>
+              <a:rPr lang="pt-PT" sz="2800" dirty="0"/>
+              <a:t>:</a:t>
+            </a:r>
+          </a:p>
+        </p:txBody>
+      </p:sp>
+      <p:sp>
+        <p:nvSpPr>
+          <p:cNvPr id="6" name="Marcador de Posição de Conteúdo 5">
+            <a:extLst>
+              <a:ext uri="{FF2B5EF4-FFF2-40B4-BE49-F238E27FC236}">
+                <a16:creationId xmlns:a16="http://schemas.microsoft.com/office/drawing/2014/main" id="{8B8A2FC8-CFF6-4995-AE1C-CB0B7BDB5770}"/>
+              </a:ext>
+            </a:extLst>
+          </p:cNvPr>
+          <p:cNvSpPr>
+            <a:spLocks noGrp="1"/>
+          </p:cNvSpPr>
+          <p:nvPr>
+            <p:ph sz="quarter" idx="4"/>
+          </p:nvPr>
+        </p:nvSpPr>
+        <p:spPr/>
+        <p:txBody>
+          <a:bodyPr>
+            <a:normAutofit/>
+          </a:bodyPr>
+          <a:lstStyle/>
+          <a:p>
+            <a:r>
+              <a:rPr lang="pt-PT" sz="2400" dirty="0"/>
+              <a:t>To </a:t>
+            </a:r>
+            <a:r>
+              <a:rPr lang="pt-PT" sz="2400" dirty="0" err="1"/>
+              <a:t>provide</a:t>
+            </a:r>
+            <a:r>
+              <a:rPr lang="pt-PT" sz="2400" dirty="0"/>
+              <a:t> </a:t>
+            </a:r>
+            <a:r>
+              <a:rPr lang="pt-PT" sz="2400" dirty="0" err="1"/>
+              <a:t>an</a:t>
+            </a:r>
+            <a:r>
+              <a:rPr lang="pt-PT" sz="2400" dirty="0"/>
+              <a:t> </a:t>
+            </a:r>
+            <a:r>
+              <a:rPr lang="pt-PT" sz="2400" dirty="0" err="1"/>
+              <a:t>informative</a:t>
+            </a:r>
+            <a:r>
+              <a:rPr lang="pt-PT" sz="2400" dirty="0"/>
+              <a:t> </a:t>
+            </a:r>
+            <a:r>
+              <a:rPr lang="pt-PT" sz="2400" dirty="0" err="1"/>
+              <a:t>and</a:t>
+            </a:r>
+            <a:r>
+              <a:rPr lang="pt-PT" sz="2400" dirty="0"/>
+              <a:t> </a:t>
+            </a:r>
+            <a:r>
+              <a:rPr lang="pt-PT" sz="2400" dirty="0" err="1"/>
+              <a:t>educative</a:t>
+            </a:r>
+            <a:r>
+              <a:rPr lang="pt-PT" sz="2400" dirty="0"/>
+              <a:t> </a:t>
+            </a:r>
+            <a:r>
+              <a:rPr lang="pt-PT" sz="2400" dirty="0" err="1"/>
+              <a:t>introduction</a:t>
+            </a:r>
+            <a:r>
+              <a:rPr lang="pt-PT" sz="2400" dirty="0"/>
+              <a:t> to GPGPU, </a:t>
+            </a:r>
+            <a:r>
+              <a:rPr lang="pt-PT" sz="2400" dirty="0" err="1"/>
+              <a:t>using</a:t>
+            </a:r>
+            <a:r>
+              <a:rPr lang="pt-PT" sz="2400" dirty="0"/>
+              <a:t> </a:t>
+            </a:r>
+            <a:r>
+              <a:rPr lang="pt-PT" sz="2400" dirty="0" err="1"/>
+              <a:t>the</a:t>
+            </a:r>
+            <a:r>
+              <a:rPr lang="pt-PT" sz="2400" dirty="0"/>
+              <a:t> </a:t>
+            </a:r>
+            <a:r>
+              <a:rPr lang="pt-PT" sz="2400" dirty="0" err="1"/>
+              <a:t>Floyd&amp;Warshall</a:t>
+            </a:r>
+            <a:r>
+              <a:rPr lang="pt-PT" sz="2400" dirty="0"/>
+              <a:t> </a:t>
+            </a:r>
+            <a:r>
+              <a:rPr lang="pt-PT" sz="2400" dirty="0" err="1"/>
+              <a:t>algorithm</a:t>
+            </a:r>
+            <a:r>
+              <a:rPr lang="pt-PT" sz="2400" dirty="0"/>
+              <a:t> in CUDA as </a:t>
+            </a:r>
+            <a:r>
+              <a:rPr lang="pt-PT" sz="2400" dirty="0" err="1"/>
+              <a:t>an</a:t>
+            </a:r>
+            <a:r>
+              <a:rPr lang="pt-PT" sz="2400" dirty="0"/>
+              <a:t> exemple</a:t>
+            </a:r>
           </a:p>
         </p:txBody>
       </p:sp>
@@ -7239,7 +7756,7 @@
           <a:lstStyle/>
           <a:p>
             <a:r>
-              <a:rPr lang="pt-PT" dirty="0" err="1" smtClean="0"/>
+              <a:rPr lang="pt-PT" dirty="0" err="1"/>
               <a:t>Approach</a:t>
             </a:r>
             <a:endParaRPr lang="pt-PT" dirty="0"/>
@@ -7261,7 +7778,85 @@
           <a:bodyPr/>
           <a:lstStyle/>
           <a:p>
-            <a:endParaRPr lang="pt-PT"/>
+            <a:r>
+              <a:rPr lang="pt-PT" sz="2800" dirty="0"/>
+              <a:t>Incremental </a:t>
+            </a:r>
+            <a:r>
+              <a:rPr lang="pt-PT" sz="2800" dirty="0" err="1"/>
+              <a:t>Development</a:t>
+            </a:r>
+            <a:endParaRPr lang="pt-PT" sz="2800" dirty="0"/>
+          </a:p>
+          <a:p>
+            <a:r>
+              <a:rPr lang="pt-PT" sz="2800" dirty="0" err="1"/>
+              <a:t>Implemented</a:t>
+            </a:r>
+            <a:r>
+              <a:rPr lang="pt-PT" sz="2800" dirty="0"/>
+              <a:t> </a:t>
+            </a:r>
+            <a:r>
+              <a:rPr lang="pt-PT" sz="2800" dirty="0" err="1"/>
+              <a:t>the</a:t>
+            </a:r>
+            <a:r>
+              <a:rPr lang="pt-PT" sz="2800" dirty="0"/>
+              <a:t> </a:t>
+            </a:r>
+            <a:r>
+              <a:rPr lang="pt-PT" sz="2800" dirty="0" err="1"/>
+              <a:t>following</a:t>
+            </a:r>
+            <a:endParaRPr lang="pt-PT" sz="2800" dirty="0"/>
+          </a:p>
+          <a:p>
+            <a:pPr lvl="1"/>
+            <a:r>
+              <a:rPr lang="pt-PT" sz="2000" dirty="0"/>
+              <a:t>Sequencial CPU</a:t>
+            </a:r>
+          </a:p>
+          <a:p>
+            <a:pPr lvl="1"/>
+            <a:r>
+              <a:rPr lang="pt-PT" sz="2000" dirty="0"/>
+              <a:t>Sequencial GPU</a:t>
+            </a:r>
+          </a:p>
+          <a:p>
+            <a:pPr lvl="1"/>
+            <a:r>
+              <a:rPr lang="pt-PT" sz="2000" dirty="0" err="1"/>
+              <a:t>Parallel</a:t>
+            </a:r>
+            <a:r>
+              <a:rPr lang="pt-PT" sz="2000" dirty="0"/>
+              <a:t> GPU</a:t>
+            </a:r>
+          </a:p>
+          <a:p>
+            <a:pPr lvl="1"/>
+            <a:r>
+              <a:rPr lang="pt-PT" sz="2000" dirty="0" err="1"/>
+              <a:t>Synchronization</a:t>
+            </a:r>
+            <a:r>
+              <a:rPr lang="pt-PT" sz="2000" dirty="0"/>
+              <a:t> GPU</a:t>
+            </a:r>
+          </a:p>
+          <a:p>
+            <a:pPr lvl="1"/>
+            <a:r>
+              <a:rPr lang="pt-PT" sz="2000" dirty="0" err="1"/>
+              <a:t>Memory</a:t>
+            </a:r>
+            <a:r>
+              <a:rPr lang="pt-PT" sz="2000" dirty="0"/>
+              <a:t> GPU</a:t>
+            </a:r>
           </a:p>
         </p:txBody>
       </p:sp>
@@ -7311,15 +7906,15 @@
           <a:lstStyle/>
           <a:p>
             <a:r>
-              <a:rPr lang="pt-PT" dirty="0" err="1" smtClean="0"/>
+              <a:rPr lang="pt-PT" dirty="0" err="1"/>
               <a:t>Biggest</a:t>
             </a:r>
             <a:r>
-              <a:rPr lang="pt-PT" dirty="0" smtClean="0"/>
+              <a:rPr lang="pt-PT" dirty="0"/>
               <a:t> </a:t>
             </a:r>
             <a:r>
-              <a:rPr lang="pt-PT" dirty="0" err="1" smtClean="0"/>
+              <a:rPr lang="pt-PT" dirty="0" err="1"/>
               <a:t>Challenges</a:t>
             </a:r>
             <a:endParaRPr lang="pt-PT" dirty="0"/>
@@ -7338,10 +7933,215 @@
         </p:nvSpPr>
         <p:spPr/>
         <p:txBody>
-          <a:bodyPr/>
+          <a:bodyPr>
+            <a:normAutofit/>
+          </a:bodyPr>
           <a:lstStyle/>
           <a:p>
-            <a:endParaRPr lang="pt-PT"/>
+            <a:r>
+              <a:rPr lang="pt-PT" sz="2800" dirty="0" err="1"/>
+              <a:t>The</a:t>
+            </a:r>
+            <a:r>
+              <a:rPr lang="pt-PT" sz="2800" dirty="0"/>
+              <a:t> </a:t>
+            </a:r>
+            <a:r>
+              <a:rPr lang="pt-PT" sz="2800" dirty="0" err="1"/>
+              <a:t>choosen</a:t>
+            </a:r>
+            <a:r>
+              <a:rPr lang="pt-PT" sz="2800" dirty="0"/>
+              <a:t> </a:t>
+            </a:r>
+            <a:r>
+              <a:rPr lang="pt-PT" sz="2800" dirty="0" err="1"/>
+              <a:t>tools</a:t>
+            </a:r>
+            <a:r>
+              <a:rPr lang="pt-PT" sz="2800" dirty="0"/>
+              <a:t> to </a:t>
+            </a:r>
+            <a:r>
+              <a:rPr lang="pt-PT" sz="2800" dirty="0" err="1"/>
+              <a:t>present</a:t>
+            </a:r>
+            <a:endParaRPr lang="pt-PT" sz="2800" dirty="0"/>
+          </a:p>
+          <a:p>
+            <a:r>
+              <a:rPr lang="pt-PT" sz="2800" dirty="0" err="1"/>
+              <a:t>How</a:t>
+            </a:r>
+            <a:r>
+              <a:rPr lang="pt-PT" sz="2800" dirty="0"/>
+              <a:t> to </a:t>
+            </a:r>
+            <a:r>
+              <a:rPr lang="pt-PT" sz="2800" dirty="0" err="1"/>
+              <a:t>explain</a:t>
+            </a:r>
+            <a:r>
+              <a:rPr lang="pt-PT" sz="2800" dirty="0"/>
+              <a:t> </a:t>
+            </a:r>
+            <a:r>
+              <a:rPr lang="pt-PT" sz="2800" dirty="0" err="1"/>
+              <a:t>them</a:t>
+            </a:r>
+            <a:r>
+              <a:rPr lang="pt-PT" sz="2800" dirty="0"/>
+              <a:t> </a:t>
+            </a:r>
+            <a:r>
+              <a:rPr lang="pt-PT" sz="2800" dirty="0" err="1"/>
+              <a:t>so</a:t>
+            </a:r>
+            <a:r>
+              <a:rPr lang="pt-PT" sz="2800" dirty="0"/>
+              <a:t> </a:t>
+            </a:r>
+            <a:r>
+              <a:rPr lang="pt-PT" sz="2800" dirty="0" err="1"/>
+              <a:t>that</a:t>
+            </a:r>
+            <a:r>
+              <a:rPr lang="pt-PT" sz="2800" dirty="0"/>
+              <a:t> </a:t>
+            </a:r>
+            <a:r>
+              <a:rPr lang="pt-PT" sz="2800" dirty="0" err="1"/>
+              <a:t>they</a:t>
+            </a:r>
+            <a:r>
+              <a:rPr lang="pt-PT" sz="2800" dirty="0"/>
+              <a:t> can </a:t>
+            </a:r>
+            <a:r>
+              <a:rPr lang="pt-PT" sz="2800" dirty="0" err="1"/>
+              <a:t>be</a:t>
+            </a:r>
+            <a:r>
+              <a:rPr lang="pt-PT" sz="2800" dirty="0"/>
+              <a:t> </a:t>
+            </a:r>
+            <a:r>
+              <a:rPr lang="pt-PT" sz="2800" dirty="0" err="1"/>
+              <a:t>interpreted</a:t>
+            </a:r>
+            <a:r>
+              <a:rPr lang="pt-PT" sz="2800" dirty="0"/>
+              <a:t> </a:t>
+            </a:r>
+            <a:r>
+              <a:rPr lang="pt-PT" sz="2800" dirty="0" err="1"/>
+              <a:t>and</a:t>
+            </a:r>
+            <a:r>
+              <a:rPr lang="pt-PT" sz="2800" dirty="0"/>
+              <a:t> </a:t>
+            </a:r>
+            <a:r>
+              <a:rPr lang="pt-PT" sz="2800" dirty="0" err="1"/>
+              <a:t>understood</a:t>
+            </a:r>
+            <a:r>
+              <a:rPr lang="pt-PT" sz="2800" dirty="0"/>
+              <a:t> </a:t>
+            </a:r>
+            <a:r>
+              <a:rPr lang="pt-PT" sz="2800" dirty="0" err="1"/>
+              <a:t>letting</a:t>
+            </a:r>
+            <a:r>
+              <a:rPr lang="pt-PT" sz="2800" dirty="0"/>
+              <a:t> </a:t>
+            </a:r>
+            <a:r>
+              <a:rPr lang="pt-PT" sz="2800" dirty="0" err="1"/>
+              <a:t>the</a:t>
+            </a:r>
+            <a:r>
+              <a:rPr lang="pt-PT" sz="2800" dirty="0"/>
+              <a:t> </a:t>
+            </a:r>
+            <a:r>
+              <a:rPr lang="pt-PT" sz="2800" dirty="0" err="1"/>
+              <a:t>reader</a:t>
+            </a:r>
+            <a:r>
+              <a:rPr lang="pt-PT" sz="2800" dirty="0"/>
+              <a:t> </a:t>
+            </a:r>
+            <a:r>
+              <a:rPr lang="pt-PT" sz="2800" dirty="0" err="1"/>
+              <a:t>with</a:t>
+            </a:r>
+            <a:r>
+              <a:rPr lang="pt-PT" sz="2800" dirty="0"/>
+              <a:t> </a:t>
+            </a:r>
+            <a:r>
+              <a:rPr lang="pt-PT" sz="2800" dirty="0" err="1"/>
+              <a:t>the</a:t>
+            </a:r>
+            <a:r>
+              <a:rPr lang="pt-PT" sz="2800" dirty="0"/>
+              <a:t> </a:t>
+            </a:r>
+            <a:r>
+              <a:rPr lang="pt-PT" sz="2800" dirty="0" err="1"/>
+              <a:t>capability</a:t>
+            </a:r>
+            <a:r>
+              <a:rPr lang="pt-PT" sz="2800" dirty="0"/>
+              <a:t> to </a:t>
+            </a:r>
+            <a:r>
+              <a:rPr lang="pt-PT" sz="2800" dirty="0" err="1"/>
+              <a:t>choose</a:t>
+            </a:r>
+            <a:r>
+              <a:rPr lang="pt-PT" sz="2800" dirty="0"/>
+              <a:t> </a:t>
+            </a:r>
+            <a:r>
+              <a:rPr lang="pt-PT" sz="2800" dirty="0" err="1"/>
+              <a:t>how</a:t>
+            </a:r>
+            <a:r>
+              <a:rPr lang="pt-PT" sz="2800" dirty="0"/>
+              <a:t> </a:t>
+            </a:r>
+            <a:r>
+              <a:rPr lang="pt-PT" sz="2800" dirty="0" err="1"/>
+              <a:t>and</a:t>
+            </a:r>
+            <a:r>
+              <a:rPr lang="pt-PT" sz="2800" dirty="0"/>
+              <a:t> </a:t>
+            </a:r>
+            <a:r>
+              <a:rPr lang="pt-PT" sz="2800" dirty="0" err="1"/>
+              <a:t>when</a:t>
+            </a:r>
+            <a:r>
+              <a:rPr lang="pt-PT" sz="2800" dirty="0"/>
+              <a:t> to </a:t>
+            </a:r>
+            <a:r>
+              <a:rPr lang="pt-PT" sz="2800" dirty="0" err="1"/>
+              <a:t>apply</a:t>
+            </a:r>
+            <a:r>
+              <a:rPr lang="pt-PT" sz="2800" dirty="0"/>
+              <a:t> </a:t>
+            </a:r>
+            <a:r>
+              <a:rPr lang="pt-PT" sz="2800" dirty="0" err="1"/>
+              <a:t>them</a:t>
+            </a:r>
+            <a:endParaRPr lang="pt-PT" sz="2800" dirty="0"/>
           </a:p>
         </p:txBody>
       </p:sp>
@@ -7391,32 +8191,42 @@
           <a:lstStyle/>
           <a:p>
             <a:r>
-              <a:rPr lang="pt-PT" dirty="0" err="1" smtClean="0"/>
+              <a:rPr lang="pt-PT" dirty="0" err="1"/>
               <a:t>Results</a:t>
             </a:r>
             <a:endParaRPr lang="pt-PT" dirty="0"/>
           </a:p>
         </p:txBody>
       </p:sp>
-      <p:sp>
-        <p:nvSpPr>
-          <p:cNvPr id="3" name="Content Placeholder 2"/>
-          <p:cNvSpPr>
-            <a:spLocks noGrp="1"/>
-          </p:cNvSpPr>
+      <p:pic>
+        <p:nvPicPr>
+          <p:cNvPr id="5" name="Marcador de Posição de Conteúdo 4">
+            <a:extLst>
+              <a:ext uri="{FF2B5EF4-FFF2-40B4-BE49-F238E27FC236}">
+                <a16:creationId xmlns:a16="http://schemas.microsoft.com/office/drawing/2014/main" id="{F487D72A-6CC5-4817-BEBC-5356BCB4D8C7}"/>
+              </a:ext>
+            </a:extLst>
+          </p:cNvPr>
+          <p:cNvPicPr>
+            <a:picLocks noGrp="1" noChangeAspect="1"/>
+          </p:cNvPicPr>
           <p:nvPr>
             <p:ph idx="1"/>
           </p:nvPr>
-        </p:nvSpPr>
-        <p:spPr/>
-        <p:txBody>
-          <a:bodyPr/>
-          <a:lstStyle/>
-          <a:p>
-            <a:endParaRPr lang="pt-PT"/>
-          </a:p>
-        </p:txBody>
-      </p:sp>
+        </p:nvPicPr>
+        <p:blipFill>
+          <a:blip r:embed="rId3"/>
+          <a:stretch>
+            <a:fillRect/>
+          </a:stretch>
+        </p:blipFill>
+        <p:spPr>
+          <a:xfrm>
+            <a:off x="2283126" y="1596412"/>
+            <a:ext cx="7625747" cy="4434104"/>
+          </a:xfrm>
+        </p:spPr>
+      </p:pic>
     </p:spTree>
     <p:extLst>
       <p:ext uri="{BB962C8B-B14F-4D97-AF65-F5344CB8AC3E}">
@@ -7463,15 +8273,15 @@
           <a:lstStyle/>
           <a:p>
             <a:r>
-              <a:rPr lang="pt-PT" dirty="0" err="1" smtClean="0"/>
+              <a:rPr lang="pt-PT" dirty="0" err="1"/>
               <a:t>Conclusion</a:t>
             </a:r>
             <a:r>
-              <a:rPr lang="pt-PT" dirty="0" smtClean="0"/>
+              <a:rPr lang="pt-PT" dirty="0"/>
               <a:t> &amp; Future </a:t>
             </a:r>
             <a:r>
-              <a:rPr lang="pt-PT" dirty="0" err="1" smtClean="0"/>
+              <a:rPr lang="pt-PT" dirty="0" err="1"/>
               <a:t>Work</a:t>
             </a:r>
             <a:endParaRPr lang="pt-PT" dirty="0"/>
@@ -7488,12 +8298,469 @@
             <p:ph idx="1"/>
           </p:nvPr>
         </p:nvSpPr>
-        <p:spPr/>
+        <p:spPr>
+          <a:xfrm>
+            <a:off x="1104293" y="2052918"/>
+            <a:ext cx="8946541" cy="1770937"/>
+          </a:xfrm>
+        </p:spPr>
         <p:txBody>
           <a:bodyPr/>
           <a:lstStyle/>
           <a:p>
-            <a:endParaRPr lang="pt-PT"/>
+            <a:r>
+              <a:rPr lang="pt-PT" dirty="0" err="1"/>
+              <a:t>Provided</a:t>
+            </a:r>
+            <a:r>
+              <a:rPr lang="pt-PT" dirty="0"/>
+              <a:t> a </a:t>
+            </a:r>
+            <a:r>
+              <a:rPr lang="pt-PT" dirty="0" err="1"/>
+              <a:t>succint</a:t>
+            </a:r>
+            <a:r>
+              <a:rPr lang="pt-PT" dirty="0"/>
+              <a:t> </a:t>
+            </a:r>
+            <a:r>
+              <a:rPr lang="pt-PT" dirty="0" err="1"/>
+              <a:t>introduction</a:t>
+            </a:r>
+            <a:r>
+              <a:rPr lang="pt-PT" dirty="0"/>
+              <a:t> to GPGPU</a:t>
+            </a:r>
+          </a:p>
+          <a:p>
+            <a:pPr lvl="1"/>
+            <a:r>
+              <a:rPr lang="pt-PT" dirty="0" err="1"/>
+              <a:t>Displayed</a:t>
+            </a:r>
+            <a:r>
+              <a:rPr lang="pt-PT" dirty="0"/>
+              <a:t> </a:t>
+            </a:r>
+            <a:r>
+              <a:rPr lang="pt-PT" dirty="0" err="1"/>
+              <a:t>the</a:t>
+            </a:r>
+            <a:r>
+              <a:rPr lang="pt-PT" dirty="0"/>
+              <a:t> some </a:t>
+            </a:r>
+            <a:r>
+              <a:rPr lang="pt-PT" dirty="0" err="1"/>
+              <a:t>of</a:t>
+            </a:r>
+            <a:r>
+              <a:rPr lang="pt-PT" dirty="0"/>
+              <a:t> </a:t>
+            </a:r>
+            <a:r>
+              <a:rPr lang="pt-PT" dirty="0" err="1"/>
+              <a:t>the</a:t>
+            </a:r>
+            <a:r>
+              <a:rPr lang="pt-PT" dirty="0"/>
+              <a:t> </a:t>
+            </a:r>
+            <a:r>
+              <a:rPr lang="pt-PT" dirty="0" err="1"/>
+              <a:t>improvements</a:t>
+            </a:r>
+            <a:r>
+              <a:rPr lang="pt-PT" dirty="0"/>
+              <a:t> </a:t>
+            </a:r>
+            <a:r>
+              <a:rPr lang="pt-PT" dirty="0" err="1"/>
+              <a:t>that</a:t>
+            </a:r>
+            <a:r>
+              <a:rPr lang="pt-PT" dirty="0"/>
+              <a:t> can </a:t>
+            </a:r>
+            <a:r>
+              <a:rPr lang="pt-PT" dirty="0" err="1"/>
+              <a:t>be</a:t>
+            </a:r>
+            <a:r>
+              <a:rPr lang="pt-PT" dirty="0"/>
+              <a:t> </a:t>
+            </a:r>
+            <a:r>
+              <a:rPr lang="pt-PT" dirty="0" err="1"/>
+              <a:t>made</a:t>
+            </a:r>
+            <a:endParaRPr lang="pt-PT" dirty="0"/>
+          </a:p>
+          <a:p>
+            <a:pPr lvl="1"/>
+            <a:r>
+              <a:rPr lang="pt-PT" dirty="0" err="1"/>
+              <a:t>Compared</a:t>
+            </a:r>
+            <a:r>
+              <a:rPr lang="pt-PT" dirty="0"/>
+              <a:t> </a:t>
+            </a:r>
+            <a:r>
+              <a:rPr lang="pt-PT" dirty="0" err="1"/>
+              <a:t>the</a:t>
+            </a:r>
+            <a:r>
+              <a:rPr lang="pt-PT" dirty="0"/>
+              <a:t> </a:t>
+            </a:r>
+            <a:r>
+              <a:rPr lang="pt-PT" dirty="0" err="1"/>
+              <a:t>results</a:t>
+            </a:r>
+            <a:r>
+              <a:rPr lang="pt-PT" dirty="0"/>
+              <a:t> in </a:t>
+            </a:r>
+            <a:r>
+              <a:rPr lang="pt-PT" dirty="0" err="1"/>
+              <a:t>order</a:t>
+            </a:r>
+            <a:r>
+              <a:rPr lang="pt-PT" dirty="0"/>
+              <a:t> to </a:t>
+            </a:r>
+            <a:r>
+              <a:rPr lang="pt-PT" dirty="0" err="1"/>
+              <a:t>demonstrate</a:t>
+            </a:r>
+            <a:r>
+              <a:rPr lang="pt-PT" dirty="0"/>
+              <a:t> </a:t>
+            </a:r>
+            <a:r>
+              <a:rPr lang="pt-PT" dirty="0" err="1"/>
+              <a:t>the</a:t>
+            </a:r>
+            <a:r>
+              <a:rPr lang="pt-PT" dirty="0"/>
+              <a:t> </a:t>
+            </a:r>
+            <a:r>
+              <a:rPr lang="pt-PT" dirty="0" err="1"/>
+              <a:t>impact</a:t>
+            </a:r>
+            <a:r>
+              <a:rPr lang="pt-PT" dirty="0"/>
+              <a:t> in </a:t>
+            </a:r>
+            <a:r>
+              <a:rPr lang="pt-PT" dirty="0" err="1"/>
+              <a:t>the</a:t>
+            </a:r>
+            <a:r>
+              <a:rPr lang="pt-PT" dirty="0"/>
+              <a:t> </a:t>
+            </a:r>
+            <a:r>
+              <a:rPr lang="pt-PT" dirty="0" err="1"/>
+              <a:t>overall</a:t>
+            </a:r>
+            <a:r>
+              <a:rPr lang="pt-PT" dirty="0"/>
+              <a:t> performance</a:t>
+            </a:r>
+          </a:p>
+        </p:txBody>
+      </p:sp>
+      <p:sp>
+        <p:nvSpPr>
+          <p:cNvPr id="5" name="Content Placeholder 2">
+            <a:extLst>
+              <a:ext uri="{FF2B5EF4-FFF2-40B4-BE49-F238E27FC236}">
+                <a16:creationId xmlns:a16="http://schemas.microsoft.com/office/drawing/2014/main" id="{1EA0BFFF-7C66-44DF-ABF4-BD550F593C0A}"/>
+              </a:ext>
+            </a:extLst>
+          </p:cNvPr>
+          <p:cNvSpPr txBox="1">
+            <a:spLocks/>
+          </p:cNvSpPr>
+          <p:nvPr/>
+        </p:nvSpPr>
+        <p:spPr>
+          <a:xfrm>
+            <a:off x="1104292" y="4023525"/>
+            <a:ext cx="8946541" cy="1770937"/>
+          </a:xfrm>
+          <a:prstGeom prst="rect">
+            <a:avLst/>
+          </a:prstGeom>
+        </p:spPr>
+        <p:txBody>
+          <a:bodyPr vert="horz" lIns="91440" tIns="45720" rIns="91440" bIns="45720" rtlCol="0">
+            <a:normAutofit/>
+          </a:bodyPr>
+          <a:lstStyle>
+            <a:lvl1pPr marL="342900" indent="-342900" algn="l" defTabSz="457200" rtl="0" eaLnBrk="1" latinLnBrk="0" hangingPunct="1">
+              <a:spcBef>
+                <a:spcPts val="1000"/>
+              </a:spcBef>
+              <a:spcAft>
+                <a:spcPts val="0"/>
+              </a:spcAft>
+              <a:buClr>
+                <a:schemeClr val="bg2">
+                  <a:lumMod val="40000"/>
+                  <a:lumOff val="60000"/>
+                </a:schemeClr>
+              </a:buClr>
+              <a:buSzPct val="80000"/>
+              <a:buFont typeface="Wingdings 3" charset="2"/>
+              <a:buChar char=""/>
+              <a:defRPr sz="2000" b="0" i="0" kern="1200">
+                <a:solidFill>
+                  <a:schemeClr val="tx1"/>
+                </a:solidFill>
+                <a:latin typeface="+mj-lt"/>
+                <a:ea typeface="+mj-ea"/>
+                <a:cs typeface="+mj-cs"/>
+              </a:defRPr>
+            </a:lvl1pPr>
+            <a:lvl2pPr marL="742950" indent="-285750" algn="l" defTabSz="457200" rtl="0" eaLnBrk="1" latinLnBrk="0" hangingPunct="1">
+              <a:spcBef>
+                <a:spcPts val="1000"/>
+              </a:spcBef>
+              <a:spcAft>
+                <a:spcPts val="0"/>
+              </a:spcAft>
+              <a:buClr>
+                <a:schemeClr val="bg2">
+                  <a:lumMod val="40000"/>
+                  <a:lumOff val="60000"/>
+                </a:schemeClr>
+              </a:buClr>
+              <a:buSzPct val="80000"/>
+              <a:buFont typeface="Wingdings 3" charset="2"/>
+              <a:buChar char=""/>
+              <a:defRPr sz="1800" b="0" i="0" kern="1200">
+                <a:solidFill>
+                  <a:schemeClr val="tx1"/>
+                </a:solidFill>
+                <a:latin typeface="+mj-lt"/>
+                <a:ea typeface="+mj-ea"/>
+                <a:cs typeface="+mj-cs"/>
+              </a:defRPr>
+            </a:lvl2pPr>
+            <a:lvl3pPr marL="1143000" indent="-228600" algn="l" defTabSz="457200" rtl="0" eaLnBrk="1" latinLnBrk="0" hangingPunct="1">
+              <a:spcBef>
+                <a:spcPts val="1000"/>
+              </a:spcBef>
+              <a:spcAft>
+                <a:spcPts val="0"/>
+              </a:spcAft>
+              <a:buClr>
+                <a:schemeClr val="bg2">
+                  <a:lumMod val="40000"/>
+                  <a:lumOff val="60000"/>
+                </a:schemeClr>
+              </a:buClr>
+              <a:buSzPct val="80000"/>
+              <a:buFont typeface="Wingdings 3" charset="2"/>
+              <a:buChar char=""/>
+              <a:defRPr sz="1600" b="0" i="0" kern="1200">
+                <a:solidFill>
+                  <a:schemeClr val="tx1"/>
+                </a:solidFill>
+                <a:latin typeface="+mj-lt"/>
+                <a:ea typeface="+mj-ea"/>
+                <a:cs typeface="+mj-cs"/>
+              </a:defRPr>
+            </a:lvl3pPr>
+            <a:lvl4pPr marL="1600200" indent="-228600" algn="l" defTabSz="457200" rtl="0" eaLnBrk="1" latinLnBrk="0" hangingPunct="1">
+              <a:spcBef>
+                <a:spcPts val="1000"/>
+              </a:spcBef>
+              <a:spcAft>
+                <a:spcPts val="0"/>
+              </a:spcAft>
+              <a:buClr>
+                <a:schemeClr val="bg2">
+                  <a:lumMod val="40000"/>
+                  <a:lumOff val="60000"/>
+                </a:schemeClr>
+              </a:buClr>
+              <a:buSzPct val="80000"/>
+              <a:buFont typeface="Wingdings 3" charset="2"/>
+              <a:buChar char=""/>
+              <a:defRPr sz="1400" b="0" i="0" kern="1200">
+                <a:solidFill>
+                  <a:schemeClr val="tx1"/>
+                </a:solidFill>
+                <a:latin typeface="+mj-lt"/>
+                <a:ea typeface="+mj-ea"/>
+                <a:cs typeface="+mj-cs"/>
+              </a:defRPr>
+            </a:lvl4pPr>
+            <a:lvl5pPr marL="2057400" indent="-228600" algn="l" defTabSz="457200" rtl="0" eaLnBrk="1" latinLnBrk="0" hangingPunct="1">
+              <a:spcBef>
+                <a:spcPts val="1000"/>
+              </a:spcBef>
+              <a:spcAft>
+                <a:spcPts val="0"/>
+              </a:spcAft>
+              <a:buClr>
+                <a:schemeClr val="bg2">
+                  <a:lumMod val="40000"/>
+                  <a:lumOff val="60000"/>
+                </a:schemeClr>
+              </a:buClr>
+              <a:buSzPct val="80000"/>
+              <a:buFont typeface="Wingdings 3" charset="2"/>
+              <a:buChar char=""/>
+              <a:defRPr sz="1400" b="0" i="0" kern="1200">
+                <a:solidFill>
+                  <a:schemeClr val="tx1"/>
+                </a:solidFill>
+                <a:latin typeface="+mj-lt"/>
+                <a:ea typeface="+mj-ea"/>
+                <a:cs typeface="+mj-cs"/>
+              </a:defRPr>
+            </a:lvl5pPr>
+            <a:lvl6pPr marL="2506000" indent="-228600" algn="l" defTabSz="457200" rtl="0" eaLnBrk="1" latinLnBrk="0" hangingPunct="1">
+              <a:spcBef>
+                <a:spcPts val="1000"/>
+              </a:spcBef>
+              <a:spcAft>
+                <a:spcPts val="0"/>
+              </a:spcAft>
+              <a:buClr>
+                <a:schemeClr val="bg2">
+                  <a:lumMod val="40000"/>
+                  <a:lumOff val="60000"/>
+                </a:schemeClr>
+              </a:buClr>
+              <a:buSzPct val="80000"/>
+              <a:buFont typeface="Wingdings 3" charset="2"/>
+              <a:buChar char=""/>
+              <a:defRPr sz="1400" b="0" i="0" kern="1200">
+                <a:solidFill>
+                  <a:schemeClr val="tx1"/>
+                </a:solidFill>
+                <a:latin typeface="+mj-lt"/>
+                <a:ea typeface="+mj-ea"/>
+                <a:cs typeface="+mj-cs"/>
+              </a:defRPr>
+            </a:lvl6pPr>
+            <a:lvl7pPr marL="2971800" indent="-228600" algn="l" defTabSz="457200" rtl="0" eaLnBrk="1" latinLnBrk="0" hangingPunct="1">
+              <a:spcBef>
+                <a:spcPts val="1000"/>
+              </a:spcBef>
+              <a:spcAft>
+                <a:spcPts val="0"/>
+              </a:spcAft>
+              <a:buClr>
+                <a:schemeClr val="bg2">
+                  <a:lumMod val="40000"/>
+                  <a:lumOff val="60000"/>
+                </a:schemeClr>
+              </a:buClr>
+              <a:buSzPct val="80000"/>
+              <a:buFont typeface="Wingdings 3" charset="2"/>
+              <a:buChar char=""/>
+              <a:defRPr sz="1400" b="0" i="0" kern="1200">
+                <a:solidFill>
+                  <a:schemeClr val="tx1"/>
+                </a:solidFill>
+                <a:latin typeface="+mj-lt"/>
+                <a:ea typeface="+mj-ea"/>
+                <a:cs typeface="+mj-cs"/>
+              </a:defRPr>
+            </a:lvl7pPr>
+            <a:lvl8pPr marL="3429000" indent="-228600" algn="l" defTabSz="457200" rtl="0" eaLnBrk="1" latinLnBrk="0" hangingPunct="1">
+              <a:spcBef>
+                <a:spcPts val="1000"/>
+              </a:spcBef>
+              <a:spcAft>
+                <a:spcPts val="0"/>
+              </a:spcAft>
+              <a:buClr>
+                <a:schemeClr val="bg2">
+                  <a:lumMod val="40000"/>
+                  <a:lumOff val="60000"/>
+                </a:schemeClr>
+              </a:buClr>
+              <a:buSzPct val="80000"/>
+              <a:buFont typeface="Wingdings 3" charset="2"/>
+              <a:buChar char=""/>
+              <a:defRPr sz="1400" b="0" i="0" kern="1200">
+                <a:solidFill>
+                  <a:schemeClr val="tx1"/>
+                </a:solidFill>
+                <a:latin typeface="+mj-lt"/>
+                <a:ea typeface="+mj-ea"/>
+                <a:cs typeface="+mj-cs"/>
+              </a:defRPr>
+            </a:lvl8pPr>
+            <a:lvl9pPr marL="3886200" indent="-228600" algn="l" defTabSz="457200" rtl="0" eaLnBrk="1" latinLnBrk="0" hangingPunct="1">
+              <a:spcBef>
+                <a:spcPts val="1000"/>
+              </a:spcBef>
+              <a:spcAft>
+                <a:spcPts val="0"/>
+              </a:spcAft>
+              <a:buClr>
+                <a:schemeClr val="bg2">
+                  <a:lumMod val="40000"/>
+                  <a:lumOff val="60000"/>
+                </a:schemeClr>
+              </a:buClr>
+              <a:buSzPct val="80000"/>
+              <a:buFont typeface="Wingdings 3" charset="2"/>
+              <a:buChar char=""/>
+              <a:defRPr sz="1400" b="0" i="0" kern="1200">
+                <a:solidFill>
+                  <a:schemeClr val="tx1"/>
+                </a:solidFill>
+                <a:latin typeface="+mj-lt"/>
+                <a:ea typeface="+mj-ea"/>
+                <a:cs typeface="+mj-cs"/>
+              </a:defRPr>
+            </a:lvl9pPr>
+          </a:lstStyle>
+          <a:p>
+            <a:r>
+              <a:rPr lang="pt-PT" dirty="0"/>
+              <a:t>Future </a:t>
+            </a:r>
+            <a:r>
+              <a:rPr lang="pt-PT" dirty="0" err="1"/>
+              <a:t>Work</a:t>
+            </a:r>
+            <a:endParaRPr lang="pt-PT" dirty="0"/>
+          </a:p>
+          <a:p>
+            <a:pPr lvl="1"/>
+            <a:r>
+              <a:rPr lang="pt-PT" dirty="0"/>
+              <a:t>SIMD (Single </a:t>
+            </a:r>
+            <a:r>
+              <a:rPr lang="pt-PT" dirty="0" err="1"/>
+              <a:t>Instruction</a:t>
+            </a:r>
+            <a:r>
+              <a:rPr lang="pt-PT" dirty="0"/>
+              <a:t> </a:t>
+            </a:r>
+            <a:r>
+              <a:rPr lang="pt-PT" dirty="0" err="1"/>
+              <a:t>Multiple</a:t>
+            </a:r>
+            <a:r>
+              <a:rPr lang="pt-PT" dirty="0"/>
+              <a:t> Data)</a:t>
+            </a:r>
           </a:p>
         </p:txBody>
       </p:sp>

--- a/presentation.pptx
+++ b/presentation.pptx
@@ -361,7 +361,7 @@
           <a:p>
             <a:fld id="{3E4499F5-70C7-4B80-98E9-84E6A0F06D73}" type="slidenum">
               <a:rPr lang="pt-PT" smtClean="0"/>
-              <a:t>‹nº›</a:t>
+              <a:t>‹#›</a:t>
             </a:fld>
             <a:endParaRPr lang="pt-PT"/>
           </a:p>
@@ -1392,7 +1392,7 @@
           <a:p>
             <a:fld id="{D57F1E4F-1CFF-5643-939E-02111984F565}" type="slidenum">
               <a:rPr lang="en-US" dirty="0"/>
-              <a:t>‹nº›</a:t>
+              <a:t>‹#›</a:t>
             </a:fld>
             <a:endParaRPr lang="en-US" dirty="0"/>
           </a:p>
@@ -1662,7 +1662,7 @@
           <a:p>
             <a:fld id="{D57F1E4F-1CFF-5643-939E-02111984F565}" type="slidenum">
               <a:rPr lang="en-US" dirty="0"/>
-              <a:t>‹nº›</a:t>
+              <a:t>‹#›</a:t>
             </a:fld>
             <a:endParaRPr lang="en-US" dirty="0"/>
           </a:p>
@@ -1851,7 +1851,7 @@
           <a:p>
             <a:fld id="{D57F1E4F-1CFF-5643-939E-02111984F565}" type="slidenum">
               <a:rPr lang="en-US" dirty="0"/>
-              <a:t>‹nº›</a:t>
+              <a:t>‹#›</a:t>
             </a:fld>
             <a:endParaRPr lang="en-US" dirty="0"/>
           </a:p>
@@ -2119,7 +2119,7 @@
           <a:p>
             <a:fld id="{D57F1E4F-1CFF-5643-939E-02111984F565}" type="slidenum">
               <a:rPr lang="en-US" dirty="0"/>
-              <a:t>‹nº›</a:t>
+              <a:t>‹#›</a:t>
             </a:fld>
             <a:endParaRPr lang="en-US" dirty="0"/>
           </a:p>
@@ -2455,7 +2455,7 @@
           <a:p>
             <a:fld id="{D57F1E4F-1CFF-5643-939E-02111984F565}" type="slidenum">
               <a:rPr lang="en-US" dirty="0"/>
-              <a:t>‹nº›</a:t>
+              <a:t>‹#›</a:t>
             </a:fld>
             <a:endParaRPr lang="en-US" dirty="0"/>
           </a:p>
@@ -3073,7 +3073,7 @@
           <a:p>
             <a:fld id="{D57F1E4F-1CFF-5643-939E-02111984F565}" type="slidenum">
               <a:rPr lang="en-US" dirty="0"/>
-              <a:t>‹nº›</a:t>
+              <a:t>‹#›</a:t>
             </a:fld>
             <a:endParaRPr lang="en-US" dirty="0"/>
           </a:p>
@@ -3928,7 +3928,7 @@
           <a:p>
             <a:fld id="{D57F1E4F-1CFF-5643-939E-02111984F565}" type="slidenum">
               <a:rPr lang="en-US" dirty="0"/>
-              <a:t>‹nº›</a:t>
+              <a:t>‹#›</a:t>
             </a:fld>
             <a:endParaRPr lang="en-US" dirty="0"/>
           </a:p>
@@ -4093,7 +4093,7 @@
           <a:p>
             <a:fld id="{D57F1E4F-1CFF-5643-939E-02111984F565}" type="slidenum">
               <a:rPr lang="en-US" dirty="0"/>
-              <a:t>‹nº›</a:t>
+              <a:t>‹#›</a:t>
             </a:fld>
             <a:endParaRPr lang="en-US" dirty="0"/>
           </a:p>
@@ -4268,7 +4268,7 @@
           <a:p>
             <a:fld id="{D57F1E4F-1CFF-5643-939E-02111984F565}" type="slidenum">
               <a:rPr lang="en-US" dirty="0"/>
-              <a:t>‹nº›</a:t>
+              <a:t>‹#›</a:t>
             </a:fld>
             <a:endParaRPr lang="en-US" dirty="0"/>
           </a:p>
@@ -4433,7 +4433,7 @@
           <a:p>
             <a:fld id="{D57F1E4F-1CFF-5643-939E-02111984F565}" type="slidenum">
               <a:rPr lang="en-US" dirty="0"/>
-              <a:t>‹nº›</a:t>
+              <a:t>‹#›</a:t>
             </a:fld>
             <a:endParaRPr lang="en-US" dirty="0"/>
           </a:p>
@@ -4675,7 +4675,7 @@
           <a:p>
             <a:fld id="{D57F1E4F-1CFF-5643-939E-02111984F565}" type="slidenum">
               <a:rPr lang="en-US" dirty="0"/>
-              <a:t>‹nº›</a:t>
+              <a:t>‹#›</a:t>
             </a:fld>
             <a:endParaRPr lang="en-US" dirty="0"/>
           </a:p>
@@ -4962,7 +4962,7 @@
           <a:p>
             <a:fld id="{D57F1E4F-1CFF-5643-939E-02111984F565}" type="slidenum">
               <a:rPr lang="en-US" dirty="0"/>
-              <a:t>‹nº›</a:t>
+              <a:t>‹#›</a:t>
             </a:fld>
             <a:endParaRPr lang="en-US" dirty="0"/>
           </a:p>
@@ -5401,7 +5401,7 @@
           <a:p>
             <a:fld id="{D57F1E4F-1CFF-5643-939E-02111984F565}" type="slidenum">
               <a:rPr lang="en-US" dirty="0"/>
-              <a:t>‹nº›</a:t>
+              <a:t>‹#›</a:t>
             </a:fld>
             <a:endParaRPr lang="en-US" dirty="0"/>
           </a:p>
@@ -5514,7 +5514,7 @@
           <a:p>
             <a:fld id="{D57F1E4F-1CFF-5643-939E-02111984F565}" type="slidenum">
               <a:rPr lang="en-US" dirty="0"/>
-              <a:t>‹nº›</a:t>
+              <a:t>‹#›</a:t>
             </a:fld>
             <a:endParaRPr lang="en-US" dirty="0"/>
           </a:p>
@@ -5604,7 +5604,7 @@
           <a:p>
             <a:fld id="{D57F1E4F-1CFF-5643-939E-02111984F565}" type="slidenum">
               <a:rPr lang="en-US" dirty="0"/>
-              <a:t>‹nº›</a:t>
+              <a:t>‹#›</a:t>
             </a:fld>
             <a:endParaRPr lang="en-US" dirty="0"/>
           </a:p>
@@ -5878,7 +5878,7 @@
           <a:p>
             <a:fld id="{D57F1E4F-1CFF-5643-939E-02111984F565}" type="slidenum">
               <a:rPr lang="en-US" dirty="0"/>
-              <a:t>‹nº›</a:t>
+              <a:t>‹#›</a:t>
             </a:fld>
             <a:endParaRPr lang="en-US" dirty="0"/>
           </a:p>
@@ -6148,7 +6148,7 @@
           <a:p>
             <a:fld id="{D57F1E4F-1CFF-5643-939E-02111984F565}" type="slidenum">
               <a:rPr lang="en-US" dirty="0"/>
-              <a:t>‹nº›</a:t>
+              <a:t>‹#›</a:t>
             </a:fld>
             <a:endParaRPr lang="en-US" dirty="0"/>
           </a:p>
@@ -6609,7 +6609,7 @@
           <a:p>
             <a:fld id="{D57F1E4F-1CFF-5643-939E-02111984F565}" type="slidenum">
               <a:rPr lang="en-US" dirty="0"/>
-              <a:t>‹nº›</a:t>
+              <a:t>‹#›</a:t>
             </a:fld>
             <a:endParaRPr lang="en-US" dirty="0"/>
           </a:p>
@@ -7138,7 +7138,7 @@
           <p:cNvPr id="12" name="Agrupar 11">
             <a:extLst>
               <a:ext uri="{FF2B5EF4-FFF2-40B4-BE49-F238E27FC236}">
-                <a16:creationId xmlns:a16="http://schemas.microsoft.com/office/drawing/2014/main" id="{FC2A7235-27BF-4464-89A0-E61C0CC8C7ED}"/>
+                <a16:creationId xmlns:a16="http://schemas.microsoft.com/office/drawing/2014/main" xmlns="" id="{FC2A7235-27BF-4464-89A0-E61C0CC8C7ED}"/>
               </a:ext>
             </a:extLst>
           </p:cNvPr>
@@ -7158,7 +7158,7 @@
             <p:cNvPr id="7" name="Retângulo 6">
               <a:extLst>
                 <a:ext uri="{FF2B5EF4-FFF2-40B4-BE49-F238E27FC236}">
-                  <a16:creationId xmlns:a16="http://schemas.microsoft.com/office/drawing/2014/main" id="{3536D763-8F7F-4299-BF1F-2F4700353BE9}"/>
+                  <a16:creationId xmlns:a16="http://schemas.microsoft.com/office/drawing/2014/main" xmlns="" id="{3536D763-8F7F-4299-BF1F-2F4700353BE9}"/>
                 </a:ext>
               </a:extLst>
             </p:cNvPr>
@@ -7212,7 +7212,7 @@
             <p:cNvPr id="10" name="Imagem 9">
               <a:extLst>
                 <a:ext uri="{FF2B5EF4-FFF2-40B4-BE49-F238E27FC236}">
-                  <a16:creationId xmlns:a16="http://schemas.microsoft.com/office/drawing/2014/main" id="{EE120ED8-F510-428F-8E2B-8FB7801ED686}"/>
+                  <a16:creationId xmlns:a16="http://schemas.microsoft.com/office/drawing/2014/main" xmlns="" id="{EE120ED8-F510-428F-8E2B-8FB7801ED686}"/>
                 </a:ext>
               </a:extLst>
             </p:cNvPr>
@@ -7243,7 +7243,7 @@
           <p:cNvPr id="11" name="CaixaDeTexto 10">
             <a:extLst>
               <a:ext uri="{FF2B5EF4-FFF2-40B4-BE49-F238E27FC236}">
-                <a16:creationId xmlns:a16="http://schemas.microsoft.com/office/drawing/2014/main" id="{B56E9F45-F09B-4BD0-98B3-EC2ADC5C4F07}"/>
+                <a16:creationId xmlns:a16="http://schemas.microsoft.com/office/drawing/2014/main" xmlns="" id="{B56E9F45-F09B-4BD0-98B3-EC2ADC5C4F07}"/>
               </a:ext>
             </a:extLst>
           </p:cNvPr>
@@ -7295,6 +7295,13 @@
   <p:clrMapOvr>
     <a:masterClrMapping/>
   </p:clrMapOvr>
+  <p:timing>
+    <p:tnLst>
+      <p:par>
+        <p:cTn id="1" dur="indefinite" restart="never" nodeType="tmRoot"/>
+      </p:par>
+    </p:tnLst>
+  </p:timing>
 </p:sld>
 </file>
 
@@ -7351,7 +7358,7 @@
           <p:cNvPr id="4" name="Marcador de Posição do Texto 3">
             <a:extLst>
               <a:ext uri="{FF2B5EF4-FFF2-40B4-BE49-F238E27FC236}">
-                <a16:creationId xmlns:a16="http://schemas.microsoft.com/office/drawing/2014/main" id="{395FDA90-928D-490B-9205-8969FC300942}"/>
+                <a16:creationId xmlns:a16="http://schemas.microsoft.com/office/drawing/2014/main" xmlns="" id="{395FDA90-928D-490B-9205-8969FC300942}"/>
               </a:ext>
             </a:extLst>
           </p:cNvPr>
@@ -7396,167 +7403,16 @@
           <a:lstStyle/>
           <a:p>
             <a:r>
-              <a:rPr lang="pt-PT" sz="2400" dirty="0" err="1"/>
-              <a:t>The</a:t>
-            </a:r>
-            <a:r>
-              <a:rPr lang="pt-PT" sz="2400" dirty="0"/>
-              <a:t> </a:t>
-            </a:r>
-            <a:r>
-              <a:rPr lang="pt-PT" sz="2400" dirty="0" err="1"/>
-              <a:t>lack</a:t>
-            </a:r>
-            <a:r>
-              <a:rPr lang="pt-PT" sz="2400" dirty="0"/>
-              <a:t> </a:t>
-            </a:r>
-            <a:r>
-              <a:rPr lang="pt-PT" sz="2400" dirty="0" err="1"/>
-              <a:t>of</a:t>
-            </a:r>
-            <a:r>
-              <a:rPr lang="pt-PT" sz="2400" dirty="0"/>
-              <a:t> </a:t>
-            </a:r>
-            <a:r>
-              <a:rPr lang="pt-PT" sz="2400" dirty="0" err="1"/>
-              <a:t>concise</a:t>
-            </a:r>
-            <a:r>
-              <a:rPr lang="pt-PT" sz="2400" dirty="0"/>
-              <a:t> </a:t>
-            </a:r>
-            <a:r>
-              <a:rPr lang="pt-PT" sz="2400" dirty="0" err="1"/>
-              <a:t>and</a:t>
-            </a:r>
-            <a:r>
-              <a:rPr lang="pt-PT" sz="2400" dirty="0"/>
-              <a:t> </a:t>
-            </a:r>
-            <a:r>
-              <a:rPr lang="pt-PT" sz="2400" dirty="0" err="1"/>
-              <a:t>simple</a:t>
-            </a:r>
-            <a:r>
-              <a:rPr lang="pt-PT" sz="2400" dirty="0"/>
-              <a:t> </a:t>
-            </a:r>
-            <a:r>
-              <a:rPr lang="pt-PT" sz="2400" dirty="0" err="1"/>
-              <a:t>introductions</a:t>
-            </a:r>
-            <a:r>
-              <a:rPr lang="pt-PT" sz="2400" dirty="0"/>
-              <a:t> to GPGPU</a:t>
-            </a:r>
-          </a:p>
-          <a:p>
-            <a:r>
-              <a:rPr lang="pt-PT" sz="2400" dirty="0" err="1"/>
-              <a:t>The</a:t>
-            </a:r>
-            <a:r>
-              <a:rPr lang="pt-PT" sz="2400" dirty="0"/>
-              <a:t> </a:t>
-            </a:r>
-            <a:r>
-              <a:rPr lang="pt-PT" sz="2400" dirty="0" err="1"/>
-              <a:t>abserce</a:t>
-            </a:r>
-            <a:r>
-              <a:rPr lang="pt-PT" sz="2400" dirty="0"/>
-              <a:t> </a:t>
-            </a:r>
-            <a:r>
-              <a:rPr lang="pt-PT" sz="2400" dirty="0" err="1"/>
-              <a:t>of</a:t>
-            </a:r>
-            <a:r>
-              <a:rPr lang="pt-PT" sz="2400" dirty="0"/>
-              <a:t> </a:t>
-            </a:r>
-            <a:r>
-              <a:rPr lang="pt-PT" sz="2400" dirty="0" err="1"/>
-              <a:t>content</a:t>
-            </a:r>
-            <a:r>
-              <a:rPr lang="pt-PT" sz="2400" dirty="0"/>
-              <a:t> </a:t>
-            </a:r>
-            <a:r>
-              <a:rPr lang="pt-PT" sz="2400" dirty="0" err="1"/>
-              <a:t>where</a:t>
-            </a:r>
-            <a:r>
-              <a:rPr lang="pt-PT" sz="2400" dirty="0"/>
-              <a:t> </a:t>
-            </a:r>
-            <a:r>
-              <a:rPr lang="pt-PT" sz="2400" dirty="0" err="1"/>
-              <a:t>it</a:t>
-            </a:r>
-            <a:r>
-              <a:rPr lang="pt-PT" sz="2400" dirty="0"/>
-              <a:t> can </a:t>
-            </a:r>
-            <a:r>
-              <a:rPr lang="pt-PT" sz="2400" dirty="0" err="1"/>
-              <a:t>be</a:t>
-            </a:r>
-            <a:r>
-              <a:rPr lang="pt-PT" sz="2400" dirty="0"/>
-              <a:t> </a:t>
-            </a:r>
-            <a:r>
-              <a:rPr lang="pt-PT" sz="2400" dirty="0" err="1"/>
-              <a:t>shown</a:t>
-            </a:r>
-            <a:r>
-              <a:rPr lang="pt-PT" sz="2400" dirty="0"/>
-              <a:t> some </a:t>
-            </a:r>
-            <a:r>
-              <a:rPr lang="pt-PT" sz="2400" dirty="0" err="1"/>
-              <a:t>of</a:t>
-            </a:r>
-            <a:r>
-              <a:rPr lang="pt-PT" sz="2400" dirty="0"/>
-              <a:t> </a:t>
-            </a:r>
-            <a:r>
-              <a:rPr lang="pt-PT" sz="2400" dirty="0" err="1"/>
-              <a:t>the</a:t>
-            </a:r>
-            <a:r>
-              <a:rPr lang="pt-PT" sz="2400" dirty="0"/>
-              <a:t> </a:t>
-            </a:r>
-            <a:r>
-              <a:rPr lang="pt-PT" sz="2400" dirty="0" err="1"/>
-              <a:t>improvements</a:t>
-            </a:r>
-            <a:r>
-              <a:rPr lang="pt-PT" sz="2400" dirty="0"/>
-              <a:t> </a:t>
-            </a:r>
-            <a:r>
-              <a:rPr lang="pt-PT" sz="2400" dirty="0" err="1"/>
-              <a:t>when</a:t>
-            </a:r>
-            <a:r>
-              <a:rPr lang="pt-PT" sz="2400" dirty="0"/>
-              <a:t> </a:t>
-            </a:r>
-            <a:r>
-              <a:rPr lang="pt-PT" sz="2400" dirty="0" err="1"/>
-              <a:t>using</a:t>
-            </a:r>
-            <a:r>
-              <a:rPr lang="pt-PT" sz="2400" dirty="0"/>
-              <a:t> GPGPU</a:t>
-            </a:r>
+              <a:rPr lang="en-GB" sz="2400" dirty="0" smtClean="0"/>
+              <a:t>The lack of concise and simple introductions to GPGPU</a:t>
+            </a:r>
+          </a:p>
+          <a:p>
+            <a:r>
+              <a:rPr lang="en-GB" sz="2400" dirty="0" smtClean="0"/>
+              <a:t>The absence of content where it can be shown some of the improvements when using GPGPU</a:t>
+            </a:r>
+            <a:endParaRPr lang="en-GB" sz="2400" dirty="0"/>
           </a:p>
         </p:txBody>
       </p:sp>
@@ -7565,7 +7421,7 @@
           <p:cNvPr id="5" name="Marcador de Posição do Texto 4">
             <a:extLst>
               <a:ext uri="{FF2B5EF4-FFF2-40B4-BE49-F238E27FC236}">
-                <a16:creationId xmlns:a16="http://schemas.microsoft.com/office/drawing/2014/main" id="{B606F5B3-55F1-4AF6-93F1-FAC926D4A149}"/>
+                <a16:creationId xmlns:a16="http://schemas.microsoft.com/office/drawing/2014/main" xmlns="" id="{B606F5B3-55F1-4AF6-93F1-FAC926D4A149}"/>
               </a:ext>
             </a:extLst>
           </p:cNvPr>
@@ -7597,7 +7453,7 @@
           <p:cNvPr id="6" name="Marcador de Posição de Conteúdo 5">
             <a:extLst>
               <a:ext uri="{FF2B5EF4-FFF2-40B4-BE49-F238E27FC236}">
-                <a16:creationId xmlns:a16="http://schemas.microsoft.com/office/drawing/2014/main" id="{8B8A2FC8-CFF6-4995-AE1C-CB0B7BDB5770}"/>
+                <a16:creationId xmlns:a16="http://schemas.microsoft.com/office/drawing/2014/main" xmlns="" id="{8B8A2FC8-CFF6-4995-AE1C-CB0B7BDB5770}"/>
               </a:ext>
             </a:extLst>
           </p:cNvPr>
@@ -7616,97 +7472,10 @@
           <a:lstStyle/>
           <a:p>
             <a:r>
-              <a:rPr lang="pt-PT" sz="2400" dirty="0"/>
-              <a:t>To </a:t>
-            </a:r>
-            <a:r>
-              <a:rPr lang="pt-PT" sz="2400" dirty="0" err="1"/>
-              <a:t>provide</a:t>
-            </a:r>
-            <a:r>
-              <a:rPr lang="pt-PT" sz="2400" dirty="0"/>
-              <a:t> </a:t>
-            </a:r>
-            <a:r>
-              <a:rPr lang="pt-PT" sz="2400" dirty="0" err="1"/>
-              <a:t>an</a:t>
-            </a:r>
-            <a:r>
-              <a:rPr lang="pt-PT" sz="2400" dirty="0"/>
-              <a:t> </a:t>
-            </a:r>
-            <a:r>
-              <a:rPr lang="pt-PT" sz="2400" dirty="0" err="1"/>
-              <a:t>informative</a:t>
-            </a:r>
-            <a:r>
-              <a:rPr lang="pt-PT" sz="2400" dirty="0"/>
-              <a:t> </a:t>
-            </a:r>
-            <a:r>
-              <a:rPr lang="pt-PT" sz="2400" dirty="0" err="1"/>
-              <a:t>and</a:t>
-            </a:r>
-            <a:r>
-              <a:rPr lang="pt-PT" sz="2400" dirty="0"/>
-              <a:t> </a:t>
-            </a:r>
-            <a:r>
-              <a:rPr lang="pt-PT" sz="2400" dirty="0" err="1"/>
-              <a:t>educative</a:t>
-            </a:r>
-            <a:r>
-              <a:rPr lang="pt-PT" sz="2400" dirty="0"/>
-              <a:t> </a:t>
-            </a:r>
-            <a:r>
-              <a:rPr lang="pt-PT" sz="2400" dirty="0" err="1"/>
-              <a:t>introduction</a:t>
-            </a:r>
-            <a:r>
-              <a:rPr lang="pt-PT" sz="2400" dirty="0"/>
-              <a:t> to GPGPU, </a:t>
-            </a:r>
-            <a:r>
-              <a:rPr lang="pt-PT" sz="2400" dirty="0" err="1"/>
-              <a:t>using</a:t>
-            </a:r>
-            <a:r>
-              <a:rPr lang="pt-PT" sz="2400" dirty="0"/>
-              <a:t> </a:t>
-            </a:r>
-            <a:r>
-              <a:rPr lang="pt-PT" sz="2400" dirty="0" err="1"/>
-              <a:t>the</a:t>
-            </a:r>
-            <a:r>
-              <a:rPr lang="pt-PT" sz="2400" dirty="0"/>
-              <a:t> </a:t>
-            </a:r>
-            <a:r>
-              <a:rPr lang="pt-PT" sz="2400" dirty="0" err="1"/>
-              <a:t>Floyd&amp;Warshall</a:t>
-            </a:r>
-            <a:r>
-              <a:rPr lang="pt-PT" sz="2400" dirty="0"/>
-              <a:t> </a:t>
-            </a:r>
-            <a:r>
-              <a:rPr lang="pt-PT" sz="2400" dirty="0" err="1"/>
-              <a:t>algorithm</a:t>
-            </a:r>
-            <a:r>
-              <a:rPr lang="pt-PT" sz="2400" dirty="0"/>
-              <a:t> in CUDA as </a:t>
-            </a:r>
-            <a:r>
-              <a:rPr lang="pt-PT" sz="2400" dirty="0" err="1"/>
-              <a:t>an</a:t>
-            </a:r>
-            <a:r>
-              <a:rPr lang="pt-PT" sz="2400" dirty="0"/>
-              <a:t> exemple</a:t>
-            </a:r>
+              <a:rPr lang="en-GB" sz="2400" dirty="0" smtClean="0"/>
+              <a:t>To provide an informative and educative introduction to GPGPU, using the Floyd Warshall algorithm in CUDA as an example</a:t>
+            </a:r>
+            <a:endParaRPr lang="en-GB" sz="2400" dirty="0"/>
           </a:p>
         </p:txBody>
       </p:sp>
@@ -7720,6 +7489,13 @@
   <p:clrMapOvr>
     <a:masterClrMapping/>
   </p:clrMapOvr>
+  <p:timing>
+    <p:tnLst>
+      <p:par>
+        <p:cTn id="1" dur="indefinite" restart="never" nodeType="tmRoot"/>
+      </p:par>
+    </p:tnLst>
+  </p:timing>
 </p:sld>
 </file>
 
@@ -7779,84 +7555,51 @@
           <a:lstStyle/>
           <a:p>
             <a:r>
-              <a:rPr lang="pt-PT" sz="2800" dirty="0"/>
-              <a:t>Incremental </a:t>
-            </a:r>
-            <a:r>
-              <a:rPr lang="pt-PT" sz="2800" dirty="0" err="1"/>
-              <a:t>Development</a:t>
-            </a:r>
-            <a:endParaRPr lang="pt-PT" sz="2800" dirty="0"/>
-          </a:p>
-          <a:p>
-            <a:r>
-              <a:rPr lang="pt-PT" sz="2800" dirty="0" err="1"/>
-              <a:t>Implemented</a:t>
-            </a:r>
-            <a:r>
-              <a:rPr lang="pt-PT" sz="2800" dirty="0"/>
-              <a:t> </a:t>
-            </a:r>
-            <a:r>
-              <a:rPr lang="pt-PT" sz="2800" dirty="0" err="1"/>
-              <a:t>the</a:t>
-            </a:r>
-            <a:r>
-              <a:rPr lang="pt-PT" sz="2800" dirty="0"/>
-              <a:t> </a:t>
-            </a:r>
-            <a:r>
-              <a:rPr lang="pt-PT" sz="2800" dirty="0" err="1"/>
-              <a:t>following</a:t>
-            </a:r>
-            <a:endParaRPr lang="pt-PT" sz="2800" dirty="0"/>
+              <a:rPr lang="en-GB" sz="2800" dirty="0" smtClean="0"/>
+              <a:t>Incremental Development</a:t>
+            </a:r>
+          </a:p>
+          <a:p>
+            <a:r>
+              <a:rPr lang="en-GB" sz="2800" dirty="0" smtClean="0"/>
+              <a:t>Implemented the following</a:t>
+            </a:r>
           </a:p>
           <a:p>
             <a:pPr lvl="1"/>
             <a:r>
-              <a:rPr lang="pt-PT" sz="2000" dirty="0"/>
-              <a:t>Sequencial CPU</a:t>
+              <a:rPr lang="en-GB" sz="2000" dirty="0" smtClean="0"/>
+              <a:t>Sequential CPU</a:t>
             </a:r>
           </a:p>
           <a:p>
             <a:pPr lvl="1"/>
             <a:r>
-              <a:rPr lang="pt-PT" sz="2000" dirty="0"/>
-              <a:t>Sequencial GPU</a:t>
+              <a:rPr lang="en-GB" sz="2000" dirty="0" smtClean="0"/>
+              <a:t>Sequential GPU</a:t>
             </a:r>
           </a:p>
           <a:p>
             <a:pPr lvl="1"/>
             <a:r>
-              <a:rPr lang="pt-PT" sz="2000" dirty="0" err="1"/>
-              <a:t>Parallel</a:t>
-            </a:r>
-            <a:r>
-              <a:rPr lang="pt-PT" sz="2000" dirty="0"/>
-              <a:t> GPU</a:t>
+              <a:rPr lang="en-GB" sz="2000" dirty="0" smtClean="0"/>
+              <a:t>Parallel GPU</a:t>
             </a:r>
           </a:p>
           <a:p>
             <a:pPr lvl="1"/>
             <a:r>
-              <a:rPr lang="pt-PT" sz="2000" dirty="0" err="1"/>
-              <a:t>Synchronization</a:t>
-            </a:r>
-            <a:r>
-              <a:rPr lang="pt-PT" sz="2000" dirty="0"/>
-              <a:t> GPU</a:t>
+              <a:rPr lang="en-GB" sz="2000" dirty="0" smtClean="0"/>
+              <a:t>Synchronization GPU</a:t>
             </a:r>
           </a:p>
           <a:p>
             <a:pPr lvl="1"/>
             <a:r>
-              <a:rPr lang="pt-PT" sz="2000" dirty="0" err="1"/>
-              <a:t>Memory</a:t>
-            </a:r>
-            <a:r>
-              <a:rPr lang="pt-PT" sz="2000" dirty="0"/>
-              <a:t> GPU</a:t>
-            </a:r>
+              <a:rPr lang="en-GB" sz="2000" dirty="0" smtClean="0"/>
+              <a:t>Memory GPU</a:t>
+            </a:r>
+            <a:endParaRPr lang="en-GB" sz="2000" dirty="0"/>
           </a:p>
         </p:txBody>
       </p:sp>
@@ -7870,6 +7613,13 @@
   <p:clrMapOvr>
     <a:masterClrMapping/>
   </p:clrMapOvr>
+  <p:timing>
+    <p:tnLst>
+      <p:par>
+        <p:cTn id="1" dur="indefinite" restart="never" nodeType="tmRoot"/>
+      </p:par>
+    </p:tnLst>
+  </p:timing>
 </p:sld>
 </file>
 
@@ -7939,209 +7689,16 @@
           <a:lstStyle/>
           <a:p>
             <a:r>
-              <a:rPr lang="pt-PT" sz="2800" dirty="0" err="1"/>
-              <a:t>The</a:t>
-            </a:r>
-            <a:r>
-              <a:rPr lang="pt-PT" sz="2800" dirty="0"/>
-              <a:t> </a:t>
-            </a:r>
-            <a:r>
-              <a:rPr lang="pt-PT" sz="2800" dirty="0" err="1"/>
-              <a:t>choosen</a:t>
-            </a:r>
-            <a:r>
-              <a:rPr lang="pt-PT" sz="2800" dirty="0"/>
-              <a:t> </a:t>
-            </a:r>
-            <a:r>
-              <a:rPr lang="pt-PT" sz="2800" dirty="0" err="1"/>
-              <a:t>tools</a:t>
-            </a:r>
-            <a:r>
-              <a:rPr lang="pt-PT" sz="2800" dirty="0"/>
-              <a:t> to </a:t>
-            </a:r>
-            <a:r>
-              <a:rPr lang="pt-PT" sz="2800" dirty="0" err="1"/>
-              <a:t>present</a:t>
-            </a:r>
-            <a:endParaRPr lang="pt-PT" sz="2800" dirty="0"/>
-          </a:p>
-          <a:p>
-            <a:r>
-              <a:rPr lang="pt-PT" sz="2800" dirty="0" err="1"/>
-              <a:t>How</a:t>
-            </a:r>
-            <a:r>
-              <a:rPr lang="pt-PT" sz="2800" dirty="0"/>
-              <a:t> to </a:t>
-            </a:r>
-            <a:r>
-              <a:rPr lang="pt-PT" sz="2800" dirty="0" err="1"/>
-              <a:t>explain</a:t>
-            </a:r>
-            <a:r>
-              <a:rPr lang="pt-PT" sz="2800" dirty="0"/>
-              <a:t> </a:t>
-            </a:r>
-            <a:r>
-              <a:rPr lang="pt-PT" sz="2800" dirty="0" err="1"/>
-              <a:t>them</a:t>
-            </a:r>
-            <a:r>
-              <a:rPr lang="pt-PT" sz="2800" dirty="0"/>
-              <a:t> </a:t>
-            </a:r>
-            <a:r>
-              <a:rPr lang="pt-PT" sz="2800" dirty="0" err="1"/>
-              <a:t>so</a:t>
-            </a:r>
-            <a:r>
-              <a:rPr lang="pt-PT" sz="2800" dirty="0"/>
-              <a:t> </a:t>
-            </a:r>
-            <a:r>
-              <a:rPr lang="pt-PT" sz="2800" dirty="0" err="1"/>
-              <a:t>that</a:t>
-            </a:r>
-            <a:r>
-              <a:rPr lang="pt-PT" sz="2800" dirty="0"/>
-              <a:t> </a:t>
-            </a:r>
-            <a:r>
-              <a:rPr lang="pt-PT" sz="2800" dirty="0" err="1"/>
-              <a:t>they</a:t>
-            </a:r>
-            <a:r>
-              <a:rPr lang="pt-PT" sz="2800" dirty="0"/>
-              <a:t> can </a:t>
-            </a:r>
-            <a:r>
-              <a:rPr lang="pt-PT" sz="2800" dirty="0" err="1"/>
-              <a:t>be</a:t>
-            </a:r>
-            <a:r>
-              <a:rPr lang="pt-PT" sz="2800" dirty="0"/>
-              <a:t> </a:t>
-            </a:r>
-            <a:r>
-              <a:rPr lang="pt-PT" sz="2800" dirty="0" err="1"/>
-              <a:t>interpreted</a:t>
-            </a:r>
-            <a:r>
-              <a:rPr lang="pt-PT" sz="2800" dirty="0"/>
-              <a:t> </a:t>
-            </a:r>
-            <a:r>
-              <a:rPr lang="pt-PT" sz="2800" dirty="0" err="1"/>
-              <a:t>and</a:t>
-            </a:r>
-            <a:r>
-              <a:rPr lang="pt-PT" sz="2800" dirty="0"/>
-              <a:t> </a:t>
-            </a:r>
-            <a:r>
-              <a:rPr lang="pt-PT" sz="2800" dirty="0" err="1"/>
-              <a:t>understood</a:t>
-            </a:r>
-            <a:r>
-              <a:rPr lang="pt-PT" sz="2800" dirty="0"/>
-              <a:t> </a:t>
-            </a:r>
-            <a:r>
-              <a:rPr lang="pt-PT" sz="2800" dirty="0" err="1"/>
-              <a:t>letting</a:t>
-            </a:r>
-            <a:r>
-              <a:rPr lang="pt-PT" sz="2800" dirty="0"/>
-              <a:t> </a:t>
-            </a:r>
-            <a:r>
-              <a:rPr lang="pt-PT" sz="2800" dirty="0" err="1"/>
-              <a:t>the</a:t>
-            </a:r>
-            <a:r>
-              <a:rPr lang="pt-PT" sz="2800" dirty="0"/>
-              <a:t> </a:t>
-            </a:r>
-            <a:r>
-              <a:rPr lang="pt-PT" sz="2800" dirty="0" err="1"/>
-              <a:t>reader</a:t>
-            </a:r>
-            <a:r>
-              <a:rPr lang="pt-PT" sz="2800" dirty="0"/>
-              <a:t> </a:t>
-            </a:r>
-            <a:r>
-              <a:rPr lang="pt-PT" sz="2800" dirty="0" err="1"/>
-              <a:t>with</a:t>
-            </a:r>
-            <a:r>
-              <a:rPr lang="pt-PT" sz="2800" dirty="0"/>
-              <a:t> </a:t>
-            </a:r>
-            <a:r>
-              <a:rPr lang="pt-PT" sz="2800" dirty="0" err="1"/>
-              <a:t>the</a:t>
-            </a:r>
-            <a:r>
-              <a:rPr lang="pt-PT" sz="2800" dirty="0"/>
-              <a:t> </a:t>
-            </a:r>
-            <a:r>
-              <a:rPr lang="pt-PT" sz="2800" dirty="0" err="1"/>
-              <a:t>capability</a:t>
-            </a:r>
-            <a:r>
-              <a:rPr lang="pt-PT" sz="2800" dirty="0"/>
-              <a:t> to </a:t>
-            </a:r>
-            <a:r>
-              <a:rPr lang="pt-PT" sz="2800" dirty="0" err="1"/>
-              <a:t>choose</a:t>
-            </a:r>
-            <a:r>
-              <a:rPr lang="pt-PT" sz="2800" dirty="0"/>
-              <a:t> </a:t>
-            </a:r>
-            <a:r>
-              <a:rPr lang="pt-PT" sz="2800" dirty="0" err="1"/>
-              <a:t>how</a:t>
-            </a:r>
-            <a:r>
-              <a:rPr lang="pt-PT" sz="2800" dirty="0"/>
-              <a:t> </a:t>
-            </a:r>
-            <a:r>
-              <a:rPr lang="pt-PT" sz="2800" dirty="0" err="1"/>
-              <a:t>and</a:t>
-            </a:r>
-            <a:r>
-              <a:rPr lang="pt-PT" sz="2800" dirty="0"/>
-              <a:t> </a:t>
-            </a:r>
-            <a:r>
-              <a:rPr lang="pt-PT" sz="2800" dirty="0" err="1"/>
-              <a:t>when</a:t>
-            </a:r>
-            <a:r>
-              <a:rPr lang="pt-PT" sz="2800" dirty="0"/>
-              <a:t> to </a:t>
-            </a:r>
-            <a:r>
-              <a:rPr lang="pt-PT" sz="2800" dirty="0" err="1"/>
-              <a:t>apply</a:t>
-            </a:r>
-            <a:r>
-              <a:rPr lang="pt-PT" sz="2800" dirty="0"/>
-              <a:t> </a:t>
-            </a:r>
-            <a:r>
-              <a:rPr lang="pt-PT" sz="2800" dirty="0" err="1"/>
-              <a:t>them</a:t>
-            </a:r>
-            <a:endParaRPr lang="pt-PT" sz="2800" dirty="0"/>
+              <a:rPr lang="en-GB" sz="2800" dirty="0" smtClean="0"/>
+              <a:t>The chosen tools to present</a:t>
+            </a:r>
+          </a:p>
+          <a:p>
+            <a:r>
+              <a:rPr lang="en-GB" sz="2800" dirty="0" smtClean="0"/>
+              <a:t>How to explain them so that they can be interpreted and understood letting the reader with the capability to choose how and when to apply them</a:t>
+            </a:r>
+            <a:endParaRPr lang="en-GB" sz="2800" dirty="0"/>
           </a:p>
         </p:txBody>
       </p:sp>
@@ -8155,6 +7712,13 @@
   <p:clrMapOvr>
     <a:masterClrMapping/>
   </p:clrMapOvr>
+  <p:timing>
+    <p:tnLst>
+      <p:par>
+        <p:cTn id="1" dur="indefinite" restart="never" nodeType="tmRoot"/>
+      </p:par>
+    </p:tnLst>
+  </p:timing>
 </p:sld>
 </file>
 
@@ -8203,7 +7767,7 @@
           <p:cNvPr id="5" name="Marcador de Posição de Conteúdo 4">
             <a:extLst>
               <a:ext uri="{FF2B5EF4-FFF2-40B4-BE49-F238E27FC236}">
-                <a16:creationId xmlns:a16="http://schemas.microsoft.com/office/drawing/2014/main" id="{F487D72A-6CC5-4817-BEBC-5356BCB4D8C7}"/>
+                <a16:creationId xmlns:a16="http://schemas.microsoft.com/office/drawing/2014/main" xmlns="" id="{F487D72A-6CC5-4817-BEBC-5356BCB4D8C7}"/>
               </a:ext>
             </a:extLst>
           </p:cNvPr>
@@ -8222,11 +7786,75 @@
         </p:blipFill>
         <p:spPr>
           <a:xfrm>
-            <a:off x="2283126" y="1596412"/>
-            <a:ext cx="7625747" cy="4434104"/>
+            <a:off x="646111" y="1963759"/>
+            <a:ext cx="6305556" cy="3666458"/>
           </a:xfrm>
         </p:spPr>
       </p:pic>
+      <p:sp>
+        <p:nvSpPr>
+          <p:cNvPr id="3" name="TextBox 2"/>
+          <p:cNvSpPr txBox="1"/>
+          <p:nvPr/>
+        </p:nvSpPr>
+        <p:spPr>
+          <a:xfrm>
+            <a:off x="7570573" y="1963759"/>
+            <a:ext cx="4382530" cy="1754326"/>
+          </a:xfrm>
+          <a:prstGeom prst="rect">
+            <a:avLst/>
+          </a:prstGeom>
+          <a:noFill/>
+        </p:spPr>
+        <p:txBody>
+          <a:bodyPr wrap="square" rtlCol="0">
+            <a:spAutoFit/>
+          </a:bodyPr>
+          <a:lstStyle/>
+          <a:p>
+            <a:pPr marL="285750" indent="-285750">
+              <a:buFont typeface="Wingdings" panose="05000000000000000000" pitchFamily="2" charset="2"/>
+              <a:buChar char="Ø"/>
+            </a:pPr>
+            <a:r>
+              <a:rPr lang="en-GB" dirty="0" smtClean="0"/>
+              <a:t>Improvements in every implementation</a:t>
+            </a:r>
+          </a:p>
+          <a:p>
+            <a:pPr marL="285750" indent="-285750">
+              <a:buFont typeface="Wingdings" panose="05000000000000000000" pitchFamily="2" charset="2"/>
+              <a:buChar char="Ø"/>
+            </a:pPr>
+            <a:endParaRPr lang="en-GB" dirty="0"/>
+          </a:p>
+          <a:p>
+            <a:pPr marL="285750" indent="-285750">
+              <a:buFont typeface="Wingdings" panose="05000000000000000000" pitchFamily="2" charset="2"/>
+              <a:buChar char="Ø"/>
+            </a:pPr>
+            <a:r>
+              <a:rPr lang="en-GB" dirty="0" smtClean="0"/>
+              <a:t>Kernel calls add a lot of overhead</a:t>
+            </a:r>
+          </a:p>
+          <a:p>
+            <a:pPr marL="285750" indent="-285750">
+              <a:buFont typeface="Wingdings" panose="05000000000000000000" pitchFamily="2" charset="2"/>
+              <a:buChar char="Ø"/>
+            </a:pPr>
+            <a:endParaRPr lang="en-GB" dirty="0"/>
+          </a:p>
+          <a:p>
+            <a:pPr marL="285750" indent="-285750">
+              <a:buFont typeface="Wingdings" panose="05000000000000000000" pitchFamily="2" charset="2"/>
+              <a:buChar char="Ø"/>
+            </a:pPr>
+            <a:endParaRPr lang="en-GB" dirty="0"/>
+          </a:p>
+        </p:txBody>
+      </p:sp>
     </p:spTree>
     <p:extLst>
       <p:ext uri="{BB962C8B-B14F-4D97-AF65-F5344CB8AC3E}">
@@ -8237,6 +7865,13 @@
   <p:clrMapOvr>
     <a:masterClrMapping/>
   </p:clrMapOvr>
+  <p:timing>
+    <p:tnLst>
+      <p:par>
+        <p:cTn id="1" dur="indefinite" restart="never" nodeType="tmRoot"/>
+      </p:par>
+    </p:tnLst>
+  </p:timing>
 </p:sld>
 </file>
 
@@ -8273,18 +7908,10 @@
           <a:lstStyle/>
           <a:p>
             <a:r>
-              <a:rPr lang="pt-PT" dirty="0" err="1"/>
-              <a:t>Conclusion</a:t>
-            </a:r>
-            <a:r>
-              <a:rPr lang="pt-PT" dirty="0"/>
-              <a:t> &amp; Future </a:t>
-            </a:r>
-            <a:r>
-              <a:rPr lang="pt-PT" dirty="0" err="1"/>
-              <a:t>Work</a:t>
-            </a:r>
-            <a:endParaRPr lang="pt-PT" dirty="0"/>
+              <a:rPr lang="en-GB" dirty="0" smtClean="0"/>
+              <a:t>Conclusion &amp; Future Work</a:t>
+            </a:r>
+            <a:endParaRPr lang="en-GB" dirty="0"/>
           </a:p>
         </p:txBody>
       </p:sp>
@@ -8309,168 +7936,24 @@
           <a:lstStyle/>
           <a:p>
             <a:r>
-              <a:rPr lang="pt-PT" dirty="0" err="1"/>
-              <a:t>Provided</a:t>
-            </a:r>
-            <a:r>
-              <a:rPr lang="pt-PT" dirty="0"/>
-              <a:t> a </a:t>
-            </a:r>
-            <a:r>
-              <a:rPr lang="pt-PT" dirty="0" err="1"/>
-              <a:t>succint</a:t>
-            </a:r>
-            <a:r>
-              <a:rPr lang="pt-PT" dirty="0"/>
-              <a:t> </a:t>
-            </a:r>
-            <a:r>
-              <a:rPr lang="pt-PT" dirty="0" err="1"/>
-              <a:t>introduction</a:t>
-            </a:r>
-            <a:r>
-              <a:rPr lang="pt-PT" dirty="0"/>
-              <a:t> to GPGPU</a:t>
+              <a:rPr lang="en-GB" dirty="0" smtClean="0"/>
+              <a:t>Provided a succinct introduction to GPGPU</a:t>
             </a:r>
           </a:p>
           <a:p>
             <a:pPr lvl="1"/>
             <a:r>
-              <a:rPr lang="pt-PT" dirty="0" err="1"/>
-              <a:t>Displayed</a:t>
-            </a:r>
-            <a:r>
-              <a:rPr lang="pt-PT" dirty="0"/>
-              <a:t> </a:t>
-            </a:r>
-            <a:r>
-              <a:rPr lang="pt-PT" dirty="0" err="1"/>
-              <a:t>the</a:t>
-            </a:r>
-            <a:r>
-              <a:rPr lang="pt-PT" dirty="0"/>
-              <a:t> some </a:t>
-            </a:r>
-            <a:r>
-              <a:rPr lang="pt-PT" dirty="0" err="1"/>
-              <a:t>of</a:t>
-            </a:r>
-            <a:r>
-              <a:rPr lang="pt-PT" dirty="0"/>
-              <a:t> </a:t>
-            </a:r>
-            <a:r>
-              <a:rPr lang="pt-PT" dirty="0" err="1"/>
-              <a:t>the</a:t>
-            </a:r>
-            <a:r>
-              <a:rPr lang="pt-PT" dirty="0"/>
-              <a:t> </a:t>
-            </a:r>
-            <a:r>
-              <a:rPr lang="pt-PT" dirty="0" err="1"/>
-              <a:t>improvements</a:t>
-            </a:r>
-            <a:r>
-              <a:rPr lang="pt-PT" dirty="0"/>
-              <a:t> </a:t>
-            </a:r>
-            <a:r>
-              <a:rPr lang="pt-PT" dirty="0" err="1"/>
-              <a:t>that</a:t>
-            </a:r>
-            <a:r>
-              <a:rPr lang="pt-PT" dirty="0"/>
-              <a:t> can </a:t>
-            </a:r>
-            <a:r>
-              <a:rPr lang="pt-PT" dirty="0" err="1"/>
-              <a:t>be</a:t>
-            </a:r>
-            <a:r>
-              <a:rPr lang="pt-PT" dirty="0"/>
-              <a:t> </a:t>
-            </a:r>
-            <a:r>
-              <a:rPr lang="pt-PT" dirty="0" err="1"/>
-              <a:t>made</a:t>
-            </a:r>
-            <a:endParaRPr lang="pt-PT" dirty="0"/>
+              <a:rPr lang="en-GB" dirty="0" smtClean="0"/>
+              <a:t>Displayed the some of the improvements that can be made</a:t>
+            </a:r>
           </a:p>
           <a:p>
             <a:pPr lvl="1"/>
             <a:r>
-              <a:rPr lang="pt-PT" dirty="0" err="1"/>
-              <a:t>Compared</a:t>
-            </a:r>
-            <a:r>
-              <a:rPr lang="pt-PT" dirty="0"/>
-              <a:t> </a:t>
-            </a:r>
-            <a:r>
-              <a:rPr lang="pt-PT" dirty="0" err="1"/>
-              <a:t>the</a:t>
-            </a:r>
-            <a:r>
-              <a:rPr lang="pt-PT" dirty="0"/>
-              <a:t> </a:t>
-            </a:r>
-            <a:r>
-              <a:rPr lang="pt-PT" dirty="0" err="1"/>
-              <a:t>results</a:t>
-            </a:r>
-            <a:r>
-              <a:rPr lang="pt-PT" dirty="0"/>
-              <a:t> in </a:t>
-            </a:r>
-            <a:r>
-              <a:rPr lang="pt-PT" dirty="0" err="1"/>
-              <a:t>order</a:t>
-            </a:r>
-            <a:r>
-              <a:rPr lang="pt-PT" dirty="0"/>
-              <a:t> to </a:t>
-            </a:r>
-            <a:r>
-              <a:rPr lang="pt-PT" dirty="0" err="1"/>
-              <a:t>demonstrate</a:t>
-            </a:r>
-            <a:r>
-              <a:rPr lang="pt-PT" dirty="0"/>
-              <a:t> </a:t>
-            </a:r>
-            <a:r>
-              <a:rPr lang="pt-PT" dirty="0" err="1"/>
-              <a:t>the</a:t>
-            </a:r>
-            <a:r>
-              <a:rPr lang="pt-PT" dirty="0"/>
-              <a:t> </a:t>
-            </a:r>
-            <a:r>
-              <a:rPr lang="pt-PT" dirty="0" err="1"/>
-              <a:t>impact</a:t>
-            </a:r>
-            <a:r>
-              <a:rPr lang="pt-PT" dirty="0"/>
-              <a:t> in </a:t>
-            </a:r>
-            <a:r>
-              <a:rPr lang="pt-PT" dirty="0" err="1"/>
-              <a:t>the</a:t>
-            </a:r>
-            <a:r>
-              <a:rPr lang="pt-PT" dirty="0"/>
-              <a:t> </a:t>
-            </a:r>
-            <a:r>
-              <a:rPr lang="pt-PT" dirty="0" err="1"/>
-              <a:t>overall</a:t>
-            </a:r>
-            <a:r>
-              <a:rPr lang="pt-PT" dirty="0"/>
-              <a:t> performance</a:t>
-            </a:r>
+              <a:rPr lang="en-GB" dirty="0" smtClean="0"/>
+              <a:t>Compared the results in order to demonstrate the impact in the overall performance</a:t>
+            </a:r>
+            <a:endParaRPr lang="en-GB" dirty="0"/>
           </a:p>
         </p:txBody>
       </p:sp>
@@ -8479,7 +7962,7 @@
           <p:cNvPr id="5" name="Content Placeholder 2">
             <a:extLst>
               <a:ext uri="{FF2B5EF4-FFF2-40B4-BE49-F238E27FC236}">
-                <a16:creationId xmlns:a16="http://schemas.microsoft.com/office/drawing/2014/main" id="{1EA0BFFF-7C66-44DF-ABF4-BD550F593C0A}"/>
+                <a16:creationId xmlns:a16="http://schemas.microsoft.com/office/drawing/2014/main" xmlns="" id="{1EA0BFFF-7C66-44DF-ABF4-BD550F593C0A}"/>
               </a:ext>
             </a:extLst>
           </p:cNvPr>
@@ -8730,37 +8213,17 @@
           </a:lstStyle>
           <a:p>
             <a:r>
-              <a:rPr lang="pt-PT" dirty="0"/>
-              <a:t>Future </a:t>
-            </a:r>
-            <a:r>
-              <a:rPr lang="pt-PT" dirty="0" err="1"/>
-              <a:t>Work</a:t>
-            </a:r>
-            <a:endParaRPr lang="pt-PT" dirty="0"/>
+              <a:rPr lang="en-GB" dirty="0" smtClean="0"/>
+              <a:t>Future Work</a:t>
+            </a:r>
           </a:p>
           <a:p>
             <a:pPr lvl="1"/>
             <a:r>
-              <a:rPr lang="pt-PT" dirty="0"/>
-              <a:t>SIMD (Single </a:t>
-            </a:r>
-            <a:r>
-              <a:rPr lang="pt-PT" dirty="0" err="1"/>
-              <a:t>Instruction</a:t>
-            </a:r>
-            <a:r>
-              <a:rPr lang="pt-PT" dirty="0"/>
-              <a:t> </a:t>
-            </a:r>
-            <a:r>
-              <a:rPr lang="pt-PT" dirty="0" err="1"/>
-              <a:t>Multiple</a:t>
-            </a:r>
-            <a:r>
-              <a:rPr lang="pt-PT" dirty="0"/>
-              <a:t> Data)</a:t>
-            </a:r>
+              <a:rPr lang="en-GB" dirty="0" smtClean="0"/>
+              <a:t>SIMD (Single Instruction Multiple Data)</a:t>
+            </a:r>
+            <a:endParaRPr lang="en-GB" dirty="0"/>
           </a:p>
         </p:txBody>
       </p:sp>
@@ -8774,6 +8237,13 @@
   <p:clrMapOvr>
     <a:masterClrMapping/>
   </p:clrMapOvr>
+  <p:timing>
+    <p:tnLst>
+      <p:par>
+        <p:cTn id="1" dur="indefinite" restart="never" nodeType="tmRoot"/>
+      </p:par>
+    </p:tnLst>
+  </p:timing>
 </p:sld>
 </file>
 

--- a/presentation.pptx
+++ b/presentation.pptx
@@ -361,7 +361,7 @@
           <a:p>
             <a:fld id="{3E4499F5-70C7-4B80-98E9-84E6A0F06D73}" type="slidenum">
               <a:rPr lang="pt-PT" smtClean="0"/>
-              <a:t>‹#›</a:t>
+              <a:t>‹nº›</a:t>
             </a:fld>
             <a:endParaRPr lang="pt-PT"/>
           </a:p>
@@ -1392,7 +1392,7 @@
           <a:p>
             <a:fld id="{D57F1E4F-1CFF-5643-939E-02111984F565}" type="slidenum">
               <a:rPr lang="en-US" dirty="0"/>
-              <a:t>‹#›</a:t>
+              <a:t>‹nº›</a:t>
             </a:fld>
             <a:endParaRPr lang="en-US" dirty="0"/>
           </a:p>
@@ -1662,7 +1662,7 @@
           <a:p>
             <a:fld id="{D57F1E4F-1CFF-5643-939E-02111984F565}" type="slidenum">
               <a:rPr lang="en-US" dirty="0"/>
-              <a:t>‹#›</a:t>
+              <a:t>‹nº›</a:t>
             </a:fld>
             <a:endParaRPr lang="en-US" dirty="0"/>
           </a:p>
@@ -1851,7 +1851,7 @@
           <a:p>
             <a:fld id="{D57F1E4F-1CFF-5643-939E-02111984F565}" type="slidenum">
               <a:rPr lang="en-US" dirty="0"/>
-              <a:t>‹#›</a:t>
+              <a:t>‹nº›</a:t>
             </a:fld>
             <a:endParaRPr lang="en-US" dirty="0"/>
           </a:p>
@@ -2119,7 +2119,7 @@
           <a:p>
             <a:fld id="{D57F1E4F-1CFF-5643-939E-02111984F565}" type="slidenum">
               <a:rPr lang="en-US" dirty="0"/>
-              <a:t>‹#›</a:t>
+              <a:t>‹nº›</a:t>
             </a:fld>
             <a:endParaRPr lang="en-US" dirty="0"/>
           </a:p>
@@ -2455,7 +2455,7 @@
           <a:p>
             <a:fld id="{D57F1E4F-1CFF-5643-939E-02111984F565}" type="slidenum">
               <a:rPr lang="en-US" dirty="0"/>
-              <a:t>‹#›</a:t>
+              <a:t>‹nº›</a:t>
             </a:fld>
             <a:endParaRPr lang="en-US" dirty="0"/>
           </a:p>
@@ -3073,7 +3073,7 @@
           <a:p>
             <a:fld id="{D57F1E4F-1CFF-5643-939E-02111984F565}" type="slidenum">
               <a:rPr lang="en-US" dirty="0"/>
-              <a:t>‹#›</a:t>
+              <a:t>‹nº›</a:t>
             </a:fld>
             <a:endParaRPr lang="en-US" dirty="0"/>
           </a:p>
@@ -3928,7 +3928,7 @@
           <a:p>
             <a:fld id="{D57F1E4F-1CFF-5643-939E-02111984F565}" type="slidenum">
               <a:rPr lang="en-US" dirty="0"/>
-              <a:t>‹#›</a:t>
+              <a:t>‹nº›</a:t>
             </a:fld>
             <a:endParaRPr lang="en-US" dirty="0"/>
           </a:p>
@@ -4093,7 +4093,7 @@
           <a:p>
             <a:fld id="{D57F1E4F-1CFF-5643-939E-02111984F565}" type="slidenum">
               <a:rPr lang="en-US" dirty="0"/>
-              <a:t>‹#›</a:t>
+              <a:t>‹nº›</a:t>
             </a:fld>
             <a:endParaRPr lang="en-US" dirty="0"/>
           </a:p>
@@ -4268,7 +4268,7 @@
           <a:p>
             <a:fld id="{D57F1E4F-1CFF-5643-939E-02111984F565}" type="slidenum">
               <a:rPr lang="en-US" dirty="0"/>
-              <a:t>‹#›</a:t>
+              <a:t>‹nº›</a:t>
             </a:fld>
             <a:endParaRPr lang="en-US" dirty="0"/>
           </a:p>
@@ -4433,7 +4433,7 @@
           <a:p>
             <a:fld id="{D57F1E4F-1CFF-5643-939E-02111984F565}" type="slidenum">
               <a:rPr lang="en-US" dirty="0"/>
-              <a:t>‹#›</a:t>
+              <a:t>‹nº›</a:t>
             </a:fld>
             <a:endParaRPr lang="en-US" dirty="0"/>
           </a:p>
@@ -4675,7 +4675,7 @@
           <a:p>
             <a:fld id="{D57F1E4F-1CFF-5643-939E-02111984F565}" type="slidenum">
               <a:rPr lang="en-US" dirty="0"/>
-              <a:t>‹#›</a:t>
+              <a:t>‹nº›</a:t>
             </a:fld>
             <a:endParaRPr lang="en-US" dirty="0"/>
           </a:p>
@@ -4962,7 +4962,7 @@
           <a:p>
             <a:fld id="{D57F1E4F-1CFF-5643-939E-02111984F565}" type="slidenum">
               <a:rPr lang="en-US" dirty="0"/>
-              <a:t>‹#›</a:t>
+              <a:t>‹nº›</a:t>
             </a:fld>
             <a:endParaRPr lang="en-US" dirty="0"/>
           </a:p>
@@ -5401,7 +5401,7 @@
           <a:p>
             <a:fld id="{D57F1E4F-1CFF-5643-939E-02111984F565}" type="slidenum">
               <a:rPr lang="en-US" dirty="0"/>
-              <a:t>‹#›</a:t>
+              <a:t>‹nº›</a:t>
             </a:fld>
             <a:endParaRPr lang="en-US" dirty="0"/>
           </a:p>
@@ -5514,7 +5514,7 @@
           <a:p>
             <a:fld id="{D57F1E4F-1CFF-5643-939E-02111984F565}" type="slidenum">
               <a:rPr lang="en-US" dirty="0"/>
-              <a:t>‹#›</a:t>
+              <a:t>‹nº›</a:t>
             </a:fld>
             <a:endParaRPr lang="en-US" dirty="0"/>
           </a:p>
@@ -5604,7 +5604,7 @@
           <a:p>
             <a:fld id="{D57F1E4F-1CFF-5643-939E-02111984F565}" type="slidenum">
               <a:rPr lang="en-US" dirty="0"/>
-              <a:t>‹#›</a:t>
+              <a:t>‹nº›</a:t>
             </a:fld>
             <a:endParaRPr lang="en-US" dirty="0"/>
           </a:p>
@@ -5878,7 +5878,7 @@
           <a:p>
             <a:fld id="{D57F1E4F-1CFF-5643-939E-02111984F565}" type="slidenum">
               <a:rPr lang="en-US" dirty="0"/>
-              <a:t>‹#›</a:t>
+              <a:t>‹nº›</a:t>
             </a:fld>
             <a:endParaRPr lang="en-US" dirty="0"/>
           </a:p>
@@ -6148,7 +6148,7 @@
           <a:p>
             <a:fld id="{D57F1E4F-1CFF-5643-939E-02111984F565}" type="slidenum">
               <a:rPr lang="en-US" dirty="0"/>
-              <a:t>‹#›</a:t>
+              <a:t>‹nº›</a:t>
             </a:fld>
             <a:endParaRPr lang="en-US" dirty="0"/>
           </a:p>
@@ -6609,7 +6609,7 @@
           <a:p>
             <a:fld id="{D57F1E4F-1CFF-5643-939E-02111984F565}" type="slidenum">
               <a:rPr lang="en-US" dirty="0"/>
-              <a:t>‹#›</a:t>
+              <a:t>‹nº›</a:t>
             </a:fld>
             <a:endParaRPr lang="en-US" dirty="0"/>
           </a:p>
@@ -7138,7 +7138,7 @@
           <p:cNvPr id="12" name="Agrupar 11">
             <a:extLst>
               <a:ext uri="{FF2B5EF4-FFF2-40B4-BE49-F238E27FC236}">
-                <a16:creationId xmlns:a16="http://schemas.microsoft.com/office/drawing/2014/main" xmlns="" id="{FC2A7235-27BF-4464-89A0-E61C0CC8C7ED}"/>
+                <a16:creationId xmlns:a16="http://schemas.microsoft.com/office/drawing/2014/main" id="{FC2A7235-27BF-4464-89A0-E61C0CC8C7ED}"/>
               </a:ext>
             </a:extLst>
           </p:cNvPr>
@@ -7158,7 +7158,7 @@
             <p:cNvPr id="7" name="Retângulo 6">
               <a:extLst>
                 <a:ext uri="{FF2B5EF4-FFF2-40B4-BE49-F238E27FC236}">
-                  <a16:creationId xmlns:a16="http://schemas.microsoft.com/office/drawing/2014/main" xmlns="" id="{3536D763-8F7F-4299-BF1F-2F4700353BE9}"/>
+                  <a16:creationId xmlns:a16="http://schemas.microsoft.com/office/drawing/2014/main" id="{3536D763-8F7F-4299-BF1F-2F4700353BE9}"/>
                 </a:ext>
               </a:extLst>
             </p:cNvPr>
@@ -7212,7 +7212,7 @@
             <p:cNvPr id="10" name="Imagem 9">
               <a:extLst>
                 <a:ext uri="{FF2B5EF4-FFF2-40B4-BE49-F238E27FC236}">
-                  <a16:creationId xmlns:a16="http://schemas.microsoft.com/office/drawing/2014/main" xmlns="" id="{EE120ED8-F510-428F-8E2B-8FB7801ED686}"/>
+                  <a16:creationId xmlns:a16="http://schemas.microsoft.com/office/drawing/2014/main" id="{EE120ED8-F510-428F-8E2B-8FB7801ED686}"/>
                 </a:ext>
               </a:extLst>
             </p:cNvPr>
@@ -7243,7 +7243,7 @@
           <p:cNvPr id="11" name="CaixaDeTexto 10">
             <a:extLst>
               <a:ext uri="{FF2B5EF4-FFF2-40B4-BE49-F238E27FC236}">
-                <a16:creationId xmlns:a16="http://schemas.microsoft.com/office/drawing/2014/main" xmlns="" id="{B56E9F45-F09B-4BD0-98B3-EC2ADC5C4F07}"/>
+                <a16:creationId xmlns:a16="http://schemas.microsoft.com/office/drawing/2014/main" id="{B56E9F45-F09B-4BD0-98B3-EC2ADC5C4F07}"/>
               </a:ext>
             </a:extLst>
           </p:cNvPr>
@@ -7295,13 +7295,6 @@
   <p:clrMapOvr>
     <a:masterClrMapping/>
   </p:clrMapOvr>
-  <p:timing>
-    <p:tnLst>
-      <p:par>
-        <p:cTn id="1" dur="indefinite" restart="never" nodeType="tmRoot"/>
-      </p:par>
-    </p:tnLst>
-  </p:timing>
 </p:sld>
 </file>
 
@@ -7358,7 +7351,7 @@
           <p:cNvPr id="4" name="Marcador de Posição do Texto 3">
             <a:extLst>
               <a:ext uri="{FF2B5EF4-FFF2-40B4-BE49-F238E27FC236}">
-                <a16:creationId xmlns:a16="http://schemas.microsoft.com/office/drawing/2014/main" xmlns="" id="{395FDA90-928D-490B-9205-8969FC300942}"/>
+                <a16:creationId xmlns:a16="http://schemas.microsoft.com/office/drawing/2014/main" id="{395FDA90-928D-490B-9205-8969FC300942}"/>
               </a:ext>
             </a:extLst>
           </p:cNvPr>
@@ -7403,16 +7396,15 @@
           <a:lstStyle/>
           <a:p>
             <a:r>
-              <a:rPr lang="en-GB" sz="2400" dirty="0" smtClean="0"/>
+              <a:rPr lang="en-GB" sz="2400" dirty="0"/>
               <a:t>The lack of concise and simple introductions to GPGPU</a:t>
             </a:r>
           </a:p>
           <a:p>
             <a:r>
-              <a:rPr lang="en-GB" sz="2400" dirty="0" smtClean="0"/>
+              <a:rPr lang="en-GB" sz="2400" dirty="0"/>
               <a:t>The absence of content where it can be shown some of the improvements when using GPGPU</a:t>
             </a:r>
-            <a:endParaRPr lang="en-GB" sz="2400" dirty="0"/>
           </a:p>
         </p:txBody>
       </p:sp>
@@ -7421,7 +7413,7 @@
           <p:cNvPr id="5" name="Marcador de Posição do Texto 4">
             <a:extLst>
               <a:ext uri="{FF2B5EF4-FFF2-40B4-BE49-F238E27FC236}">
-                <a16:creationId xmlns:a16="http://schemas.microsoft.com/office/drawing/2014/main" xmlns="" id="{B606F5B3-55F1-4AF6-93F1-FAC926D4A149}"/>
+                <a16:creationId xmlns:a16="http://schemas.microsoft.com/office/drawing/2014/main" id="{B606F5B3-55F1-4AF6-93F1-FAC926D4A149}"/>
               </a:ext>
             </a:extLst>
           </p:cNvPr>
@@ -7453,7 +7445,7 @@
           <p:cNvPr id="6" name="Marcador de Posição de Conteúdo 5">
             <a:extLst>
               <a:ext uri="{FF2B5EF4-FFF2-40B4-BE49-F238E27FC236}">
-                <a16:creationId xmlns:a16="http://schemas.microsoft.com/office/drawing/2014/main" xmlns="" id="{8B8A2FC8-CFF6-4995-AE1C-CB0B7BDB5770}"/>
+                <a16:creationId xmlns:a16="http://schemas.microsoft.com/office/drawing/2014/main" id="{8B8A2FC8-CFF6-4995-AE1C-CB0B7BDB5770}"/>
               </a:ext>
             </a:extLst>
           </p:cNvPr>
@@ -7472,10 +7464,9 @@
           <a:lstStyle/>
           <a:p>
             <a:r>
-              <a:rPr lang="en-GB" sz="2400" dirty="0" smtClean="0"/>
+              <a:rPr lang="en-GB" sz="2400" dirty="0"/>
               <a:t>To provide an informative and educative introduction to GPGPU, using the Floyd Warshall algorithm in CUDA as an example</a:t>
             </a:r>
-            <a:endParaRPr lang="en-GB" sz="2400" dirty="0"/>
           </a:p>
         </p:txBody>
       </p:sp>
@@ -7489,13 +7480,6 @@
   <p:clrMapOvr>
     <a:masterClrMapping/>
   </p:clrMapOvr>
-  <p:timing>
-    <p:tnLst>
-      <p:par>
-        <p:cTn id="1" dur="indefinite" restart="never" nodeType="tmRoot"/>
-      </p:par>
-    </p:tnLst>
-  </p:timing>
 </p:sld>
 </file>
 
@@ -7555,51 +7539,50 @@
           <a:lstStyle/>
           <a:p>
             <a:r>
-              <a:rPr lang="en-GB" sz="2800" dirty="0" smtClean="0"/>
+              <a:rPr lang="en-GB" sz="2800" dirty="0"/>
               <a:t>Incremental Development</a:t>
             </a:r>
           </a:p>
           <a:p>
             <a:r>
-              <a:rPr lang="en-GB" sz="2800" dirty="0" smtClean="0"/>
+              <a:rPr lang="en-GB" sz="2800" dirty="0"/>
               <a:t>Implemented the following</a:t>
             </a:r>
           </a:p>
           <a:p>
             <a:pPr lvl="1"/>
             <a:r>
-              <a:rPr lang="en-GB" sz="2000" dirty="0" smtClean="0"/>
+              <a:rPr lang="en-GB" sz="2000" dirty="0"/>
               <a:t>Sequential CPU</a:t>
             </a:r>
           </a:p>
           <a:p>
             <a:pPr lvl="1"/>
             <a:r>
-              <a:rPr lang="en-GB" sz="2000" dirty="0" smtClean="0"/>
+              <a:rPr lang="en-GB" sz="2000" dirty="0"/>
               <a:t>Sequential GPU</a:t>
             </a:r>
           </a:p>
           <a:p>
             <a:pPr lvl="1"/>
             <a:r>
-              <a:rPr lang="en-GB" sz="2000" dirty="0" smtClean="0"/>
+              <a:rPr lang="en-GB" sz="2000" dirty="0"/>
               <a:t>Parallel GPU</a:t>
             </a:r>
           </a:p>
           <a:p>
             <a:pPr lvl="1"/>
             <a:r>
-              <a:rPr lang="en-GB" sz="2000" dirty="0" smtClean="0"/>
+              <a:rPr lang="en-GB" sz="2000" dirty="0"/>
               <a:t>Synchronization GPU</a:t>
             </a:r>
           </a:p>
           <a:p>
             <a:pPr lvl="1"/>
             <a:r>
-              <a:rPr lang="en-GB" sz="2000" dirty="0" smtClean="0"/>
+              <a:rPr lang="en-GB" sz="2000" dirty="0"/>
               <a:t>Memory GPU</a:t>
             </a:r>
-            <a:endParaRPr lang="en-GB" sz="2000" dirty="0"/>
           </a:p>
         </p:txBody>
       </p:sp>
@@ -7613,13 +7596,6 @@
   <p:clrMapOvr>
     <a:masterClrMapping/>
   </p:clrMapOvr>
-  <p:timing>
-    <p:tnLst>
-      <p:par>
-        <p:cTn id="1" dur="indefinite" restart="never" nodeType="tmRoot"/>
-      </p:par>
-    </p:tnLst>
-  </p:timing>
 </p:sld>
 </file>
 
@@ -7689,16 +7665,15 @@
           <a:lstStyle/>
           <a:p>
             <a:r>
-              <a:rPr lang="en-GB" sz="2800" dirty="0" smtClean="0"/>
+              <a:rPr lang="en-GB" sz="2800" dirty="0"/>
               <a:t>The chosen tools to present</a:t>
             </a:r>
           </a:p>
           <a:p>
             <a:r>
-              <a:rPr lang="en-GB" sz="2800" dirty="0" smtClean="0"/>
+              <a:rPr lang="en-GB" sz="2800" dirty="0"/>
               <a:t>How to explain them so that they can be interpreted and understood letting the reader with the capability to choose how and when to apply them</a:t>
             </a:r>
-            <a:endParaRPr lang="en-GB" sz="2800" dirty="0"/>
           </a:p>
         </p:txBody>
       </p:sp>
@@ -7712,13 +7687,6 @@
   <p:clrMapOvr>
     <a:masterClrMapping/>
   </p:clrMapOvr>
-  <p:timing>
-    <p:tnLst>
-      <p:par>
-        <p:cTn id="1" dur="indefinite" restart="never" nodeType="tmRoot"/>
-      </p:par>
-    </p:tnLst>
-  </p:timing>
 </p:sld>
 </file>
 
@@ -7762,12 +7730,69 @@
           </a:p>
         </p:txBody>
       </p:sp>
+      <p:sp>
+        <p:nvSpPr>
+          <p:cNvPr id="3" name="TextBox 2"/>
+          <p:cNvSpPr txBox="1"/>
+          <p:nvPr/>
+        </p:nvSpPr>
+        <p:spPr>
+          <a:xfrm>
+            <a:off x="646111" y="4838698"/>
+            <a:ext cx="4382530" cy="1477328"/>
+          </a:xfrm>
+          <a:prstGeom prst="rect">
+            <a:avLst/>
+          </a:prstGeom>
+          <a:noFill/>
+        </p:spPr>
+        <p:txBody>
+          <a:bodyPr wrap="square" rtlCol="0">
+            <a:spAutoFit/>
+          </a:bodyPr>
+          <a:lstStyle/>
+          <a:p>
+            <a:pPr marL="285750" indent="-285750">
+              <a:buFont typeface="Wingdings" panose="05000000000000000000" pitchFamily="2" charset="2"/>
+              <a:buChar char="Ø"/>
+            </a:pPr>
+            <a:r>
+              <a:rPr lang="en-GB" dirty="0"/>
+              <a:t>Huge speedup only by running the algorithm in the GPU</a:t>
+            </a:r>
+          </a:p>
+          <a:p>
+            <a:pPr marL="285750" indent="-285750">
+              <a:buFont typeface="Wingdings" panose="05000000000000000000" pitchFamily="2" charset="2"/>
+              <a:buChar char="Ø"/>
+            </a:pPr>
+            <a:r>
+              <a:rPr lang="en-GB" dirty="0"/>
+              <a:t>Speedup of around 7.2</a:t>
+            </a:r>
+          </a:p>
+          <a:p>
+            <a:pPr marL="285750" indent="-285750">
+              <a:buFont typeface="Wingdings" panose="05000000000000000000" pitchFamily="2" charset="2"/>
+              <a:buChar char="Ø"/>
+            </a:pPr>
+            <a:endParaRPr lang="en-GB" dirty="0"/>
+          </a:p>
+          <a:p>
+            <a:pPr marL="285750" indent="-285750">
+              <a:buFont typeface="Wingdings" panose="05000000000000000000" pitchFamily="2" charset="2"/>
+              <a:buChar char="Ø"/>
+            </a:pPr>
+            <a:endParaRPr lang="en-GB" dirty="0"/>
+          </a:p>
+        </p:txBody>
+      </p:sp>
       <p:pic>
         <p:nvPicPr>
-          <p:cNvPr id="5" name="Marcador de Posição de Conteúdo 4">
+          <p:cNvPr id="8" name="Marcador de Posição de Conteúdo 7" descr="Uma imagem com captura de ecrã, porta&#10;&#10;Descrição gerada automaticamente">
             <a:extLst>
               <a:ext uri="{FF2B5EF4-FFF2-40B4-BE49-F238E27FC236}">
-                <a16:creationId xmlns:a16="http://schemas.microsoft.com/office/drawing/2014/main" xmlns="" id="{F487D72A-6CC5-4817-BEBC-5356BCB4D8C7}"/>
+                <a16:creationId xmlns:a16="http://schemas.microsoft.com/office/drawing/2014/main" id="{094E9226-C054-4156-B9B1-2AF9E15FF461}"/>
               </a:ext>
             </a:extLst>
           </p:cNvPr>
@@ -7786,21 +7811,57 @@
         </p:blipFill>
         <p:spPr>
           <a:xfrm>
-            <a:off x="646111" y="1963759"/>
-            <a:ext cx="6305556" cy="3666458"/>
+            <a:off x="646111" y="1598706"/>
+            <a:ext cx="5282610" cy="2971167"/>
           </a:xfrm>
         </p:spPr>
       </p:pic>
-      <p:sp>
-        <p:nvSpPr>
-          <p:cNvPr id="3" name="TextBox 2"/>
+      <p:pic>
+        <p:nvPicPr>
+          <p:cNvPr id="10" name="Imagem 9" descr="Uma imagem com porta, sala, computador&#10;&#10;Descrição gerada automaticamente">
+            <a:extLst>
+              <a:ext uri="{FF2B5EF4-FFF2-40B4-BE49-F238E27FC236}">
+                <a16:creationId xmlns:a16="http://schemas.microsoft.com/office/drawing/2014/main" id="{F7C143F8-9777-4972-9A40-AE63D1501B25}"/>
+              </a:ext>
+            </a:extLst>
+          </p:cNvPr>
+          <p:cNvPicPr>
+            <a:picLocks noChangeAspect="1"/>
+          </p:cNvPicPr>
+          <p:nvPr/>
+        </p:nvPicPr>
+        <p:blipFill>
+          <a:blip r:embed="rId4"/>
+          <a:stretch>
+            <a:fillRect/>
+          </a:stretch>
+        </p:blipFill>
+        <p:spPr>
+          <a:xfrm>
+            <a:off x="6462411" y="1598705"/>
+            <a:ext cx="5083478" cy="2971166"/>
+          </a:xfrm>
+          <a:prstGeom prst="rect">
+            <a:avLst/>
+          </a:prstGeom>
+        </p:spPr>
+      </p:pic>
+      <p:sp>
+        <p:nvSpPr>
+          <p:cNvPr id="12" name="TextBox 2">
+            <a:extLst>
+              <a:ext uri="{FF2B5EF4-FFF2-40B4-BE49-F238E27FC236}">
+                <a16:creationId xmlns:a16="http://schemas.microsoft.com/office/drawing/2014/main" id="{BE145911-E595-430E-BA1D-3AB904E33A9F}"/>
+              </a:ext>
+            </a:extLst>
+          </p:cNvPr>
           <p:cNvSpPr txBox="1"/>
           <p:nvPr/>
         </p:nvSpPr>
         <p:spPr>
           <a:xfrm>
-            <a:off x="7570573" y="1963759"/>
-            <a:ext cx="4382530" cy="1754326"/>
+            <a:off x="6462411" y="4874619"/>
+            <a:ext cx="5083478" cy="1754326"/>
           </a:xfrm>
           <a:prstGeom prst="rect">
             <a:avLst/>
@@ -7818,8 +7879,8 @@
               <a:buChar char="Ø"/>
             </a:pPr>
             <a:r>
-              <a:rPr lang="en-GB" dirty="0" smtClean="0"/>
-              <a:t>Improvements in every implementation</a:t>
+              <a:rPr lang="en-GB" dirty="0"/>
+              <a:t>Speedup can be improved to around 12.6 by adding atomic and to 15.1 by improving memory and atomic usage</a:t>
             </a:r>
           </a:p>
           <a:p>
@@ -7828,16 +7889,6 @@
               <a:buChar char="Ø"/>
             </a:pPr>
             <a:endParaRPr lang="en-GB" dirty="0"/>
-          </a:p>
-          <a:p>
-            <a:pPr marL="285750" indent="-285750">
-              <a:buFont typeface="Wingdings" panose="05000000000000000000" pitchFamily="2" charset="2"/>
-              <a:buChar char="Ø"/>
-            </a:pPr>
-            <a:r>
-              <a:rPr lang="en-GB" dirty="0" smtClean="0"/>
-              <a:t>Kernel calls add a lot of overhead</a:t>
-            </a:r>
           </a:p>
           <a:p>
             <a:pPr marL="285750" indent="-285750">
@@ -7865,13 +7916,6 @@
   <p:clrMapOvr>
     <a:masterClrMapping/>
   </p:clrMapOvr>
-  <p:timing>
-    <p:tnLst>
-      <p:par>
-        <p:cTn id="1" dur="indefinite" restart="never" nodeType="tmRoot"/>
-      </p:par>
-    </p:tnLst>
-  </p:timing>
 </p:sld>
 </file>
 
@@ -7908,10 +7952,9 @@
           <a:lstStyle/>
           <a:p>
             <a:r>
-              <a:rPr lang="en-GB" dirty="0" smtClean="0"/>
+              <a:rPr lang="en-GB" dirty="0"/>
               <a:t>Conclusion &amp; Future Work</a:t>
             </a:r>
-            <a:endParaRPr lang="en-GB" dirty="0"/>
           </a:p>
         </p:txBody>
       </p:sp>
@@ -7936,24 +7979,23 @@
           <a:lstStyle/>
           <a:p>
             <a:r>
-              <a:rPr lang="en-GB" dirty="0" smtClean="0"/>
+              <a:rPr lang="en-GB" dirty="0"/>
               <a:t>Provided a succinct introduction to GPGPU</a:t>
             </a:r>
           </a:p>
           <a:p>
             <a:pPr lvl="1"/>
             <a:r>
-              <a:rPr lang="en-GB" dirty="0" smtClean="0"/>
+              <a:rPr lang="en-GB" dirty="0"/>
               <a:t>Displayed the some of the improvements that can be made</a:t>
             </a:r>
           </a:p>
           <a:p>
             <a:pPr lvl="1"/>
             <a:r>
-              <a:rPr lang="en-GB" dirty="0" smtClean="0"/>
+              <a:rPr lang="en-GB" dirty="0"/>
               <a:t>Compared the results in order to demonstrate the impact in the overall performance</a:t>
             </a:r>
-            <a:endParaRPr lang="en-GB" dirty="0"/>
           </a:p>
         </p:txBody>
       </p:sp>
@@ -7962,7 +8004,7 @@
           <p:cNvPr id="5" name="Content Placeholder 2">
             <a:extLst>
               <a:ext uri="{FF2B5EF4-FFF2-40B4-BE49-F238E27FC236}">
-                <a16:creationId xmlns:a16="http://schemas.microsoft.com/office/drawing/2014/main" xmlns="" id="{1EA0BFFF-7C66-44DF-ABF4-BD550F593C0A}"/>
+                <a16:creationId xmlns:a16="http://schemas.microsoft.com/office/drawing/2014/main" id="{1EA0BFFF-7C66-44DF-ABF4-BD550F593C0A}"/>
               </a:ext>
             </a:extLst>
           </p:cNvPr>
@@ -8213,17 +8255,16 @@
           </a:lstStyle>
           <a:p>
             <a:r>
-              <a:rPr lang="en-GB" dirty="0" smtClean="0"/>
+              <a:rPr lang="en-GB" dirty="0"/>
               <a:t>Future Work</a:t>
             </a:r>
           </a:p>
           <a:p>
             <a:pPr lvl="1"/>
             <a:r>
-              <a:rPr lang="en-GB" dirty="0" smtClean="0"/>
+              <a:rPr lang="en-GB" dirty="0"/>
               <a:t>SIMD (Single Instruction Multiple Data)</a:t>
             </a:r>
-            <a:endParaRPr lang="en-GB" dirty="0"/>
           </a:p>
         </p:txBody>
       </p:sp>
@@ -8237,13 +8278,6 @@
   <p:clrMapOvr>
     <a:masterClrMapping/>
   </p:clrMapOvr>
-  <p:timing>
-    <p:tnLst>
-      <p:par>
-        <p:cTn id="1" dur="indefinite" restart="never" nodeType="tmRoot"/>
-      </p:par>
-    </p:tnLst>
-  </p:timing>
 </p:sld>
 </file>
 

--- a/presentation.pptx
+++ b/presentation.pptx
@@ -5,15 +5,16 @@
     <p:sldMasterId id="2147483648" r:id="rId1"/>
   </p:sldMasterIdLst>
   <p:notesMasterIdLst>
-    <p:notesMasterId r:id="rId8"/>
+    <p:notesMasterId r:id="rId9"/>
   </p:notesMasterIdLst>
   <p:sldIdLst>
     <p:sldId id="256" r:id="rId2"/>
     <p:sldId id="257" r:id="rId3"/>
     <p:sldId id="259" r:id="rId4"/>
     <p:sldId id="260" r:id="rId5"/>
-    <p:sldId id="261" r:id="rId6"/>
-    <p:sldId id="262" r:id="rId7"/>
+    <p:sldId id="263" r:id="rId6"/>
+    <p:sldId id="261" r:id="rId7"/>
+    <p:sldId id="262" r:id="rId8"/>
   </p:sldIdLst>
   <p:sldSz cx="12192000" cy="6858000"/>
   <p:notesSz cx="6858000" cy="9144000"/>
@@ -202,7 +203,7 @@
           <a:p>
             <a:fld id="{326EF429-66A5-4A84-8434-4D09066A8E33}" type="datetimeFigureOut">
               <a:rPr lang="pt-PT" smtClean="0"/>
-              <a:t>25/01/2020</a:t>
+              <a:t>26/01/2020</a:t>
             </a:fld>
             <a:endParaRPr lang="pt-PT"/>
           </a:p>
@@ -361,7 +362,7 @@
           <a:p>
             <a:fld id="{3E4499F5-70C7-4B80-98E9-84E6A0F06D73}" type="slidenum">
               <a:rPr lang="pt-PT" smtClean="0"/>
-              <a:t>‹nº›</a:t>
+              <a:t>‹#›</a:t>
             </a:fld>
             <a:endParaRPr lang="pt-PT"/>
           </a:p>
@@ -976,7 +977,7 @@
     </p:spTree>
     <p:extLst>
       <p:ext uri="{BB962C8B-B14F-4D97-AF65-F5344CB8AC3E}">
-        <p14:creationId xmlns:p14="http://schemas.microsoft.com/office/powerpoint/2010/main" val="3805363846"/>
+        <p14:creationId xmlns:p14="http://schemas.microsoft.com/office/powerpoint/2010/main" val="3401946637"/>
       </p:ext>
     </p:extLst>
   </p:cSld>
@@ -1031,100 +1032,14 @@
           <a:lstStyle/>
           <a:p>
             <a:r>
-              <a:rPr lang="pt-PT" dirty="0" err="1"/>
-              <a:t>Conclusion</a:t>
-            </a:r>
-            <a:r>
-              <a:rPr lang="pt-PT" dirty="0"/>
-              <a:t>:</a:t>
-            </a:r>
-          </a:p>
-          <a:p>
-            <a:endParaRPr lang="pt-PT" dirty="0"/>
-          </a:p>
-          <a:p>
-            <a:endParaRPr lang="pt-PT" dirty="0"/>
-          </a:p>
-          <a:p>
-            <a:r>
-              <a:rPr lang="pt-PT" dirty="0"/>
-              <a:t>Future </a:t>
-            </a:r>
-            <a:r>
-              <a:rPr lang="pt-PT" dirty="0" err="1"/>
-              <a:t>Work</a:t>
-            </a:r>
-            <a:r>
-              <a:rPr lang="pt-PT" dirty="0"/>
-              <a:t>:</a:t>
-            </a:r>
-          </a:p>
-          <a:p>
-            <a:r>
-              <a:rPr lang="pt-PT" dirty="0" err="1"/>
-              <a:t>Adapt</a:t>
-            </a:r>
-            <a:r>
-              <a:rPr lang="pt-PT" baseline="0" dirty="0"/>
-              <a:t> </a:t>
-            </a:r>
-            <a:r>
-              <a:rPr lang="pt-PT" baseline="0" dirty="0" err="1"/>
-              <a:t>the</a:t>
-            </a:r>
-            <a:r>
-              <a:rPr lang="pt-PT" baseline="0" dirty="0"/>
-              <a:t> </a:t>
-            </a:r>
-            <a:r>
-              <a:rPr lang="pt-PT" baseline="0" dirty="0" err="1"/>
-              <a:t>problem</a:t>
-            </a:r>
-            <a:r>
-              <a:rPr lang="pt-PT" baseline="0" dirty="0"/>
-              <a:t> to use Short in </a:t>
-            </a:r>
-            <a:r>
-              <a:rPr lang="pt-PT" baseline="0" dirty="0" err="1"/>
-              <a:t>order</a:t>
-            </a:r>
-            <a:r>
-              <a:rPr lang="pt-PT" baseline="0" dirty="0"/>
-              <a:t> to </a:t>
-            </a:r>
-            <a:r>
-              <a:rPr lang="pt-PT" baseline="0" dirty="0" err="1"/>
-              <a:t>be</a:t>
-            </a:r>
-            <a:r>
-              <a:rPr lang="pt-PT" baseline="0" dirty="0"/>
-              <a:t> </a:t>
-            </a:r>
-            <a:r>
-              <a:rPr lang="pt-PT" baseline="0" dirty="0" err="1"/>
-              <a:t>able</a:t>
-            </a:r>
-            <a:r>
-              <a:rPr lang="pt-PT" baseline="0" dirty="0"/>
-              <a:t> to use SIMD (Single </a:t>
-            </a:r>
-            <a:r>
-              <a:rPr lang="pt-PT" baseline="0" dirty="0" err="1"/>
-              <a:t>Instruction</a:t>
-            </a:r>
-            <a:r>
-              <a:rPr lang="pt-PT" baseline="0" dirty="0"/>
-              <a:t> </a:t>
-            </a:r>
-            <a:r>
-              <a:rPr lang="pt-PT" baseline="0" dirty="0" err="1"/>
-              <a:t>Multiple</a:t>
-            </a:r>
-            <a:r>
-              <a:rPr lang="pt-PT" baseline="0" dirty="0"/>
-              <a:t> Data)</a:t>
-            </a:r>
-            <a:endParaRPr lang="pt-PT" dirty="0"/>
+              <a:rPr lang="en-GB" noProof="0" dirty="0"/>
+              <a:t>Should be straightforward</a:t>
+            </a:r>
+            <a:r>
+              <a:rPr lang="en-GB" baseline="0" noProof="0" dirty="0"/>
+              <a:t> enough</a:t>
+            </a:r>
+            <a:endParaRPr lang="en-GB" noProof="0" dirty="0"/>
           </a:p>
         </p:txBody>
       </p:sp>
@@ -1146,6 +1061,184 @@
             <a:fld id="{3E4499F5-70C7-4B80-98E9-84E6A0F06D73}" type="slidenum">
               <a:rPr lang="pt-PT" smtClean="0"/>
               <a:t>6</a:t>
+            </a:fld>
+            <a:endParaRPr lang="pt-PT"/>
+          </a:p>
+        </p:txBody>
+      </p:sp>
+    </p:spTree>
+    <p:extLst>
+      <p:ext uri="{BB962C8B-B14F-4D97-AF65-F5344CB8AC3E}">
+        <p14:creationId xmlns:p14="http://schemas.microsoft.com/office/powerpoint/2010/main" val="3805363846"/>
+      </p:ext>
+    </p:extLst>
+  </p:cSld>
+  <p:clrMapOvr>
+    <a:masterClrMapping/>
+  </p:clrMapOvr>
+</p:notes>
+</file>
+
+<file path=ppt/notesSlides/notesSlide6.xml><?xml version="1.0" encoding="utf-8"?>
+<p:notes xmlns:a="http://schemas.openxmlformats.org/drawingml/2006/main" xmlns:r="http://schemas.openxmlformats.org/officeDocument/2006/relationships" xmlns:p="http://schemas.openxmlformats.org/presentationml/2006/main">
+  <p:cSld>
+    <p:spTree>
+      <p:nvGrpSpPr>
+        <p:cNvPr id="1" name=""/>
+        <p:cNvGrpSpPr/>
+        <p:nvPr/>
+      </p:nvGrpSpPr>
+      <p:grpSpPr>
+        <a:xfrm>
+          <a:off x="0" y="0"/>
+          <a:ext cx="0" cy="0"/>
+          <a:chOff x="0" y="0"/>
+          <a:chExt cx="0" cy="0"/>
+        </a:xfrm>
+      </p:grpSpPr>
+      <p:sp>
+        <p:nvSpPr>
+          <p:cNvPr id="2" name="Slide Image Placeholder 1"/>
+          <p:cNvSpPr>
+            <a:spLocks noGrp="1" noRot="1" noChangeAspect="1"/>
+          </p:cNvSpPr>
+          <p:nvPr>
+            <p:ph type="sldImg"/>
+          </p:nvPr>
+        </p:nvSpPr>
+        <p:spPr/>
+      </p:sp>
+      <p:sp>
+        <p:nvSpPr>
+          <p:cNvPr id="3" name="Notes Placeholder 2"/>
+          <p:cNvSpPr>
+            <a:spLocks noGrp="1"/>
+          </p:cNvSpPr>
+          <p:nvPr>
+            <p:ph type="body" idx="1"/>
+          </p:nvPr>
+        </p:nvSpPr>
+        <p:spPr/>
+        <p:txBody>
+          <a:bodyPr/>
+          <a:lstStyle/>
+          <a:p>
+            <a:r>
+              <a:rPr lang="pt-PT" dirty="0" err="1"/>
+              <a:t>Conclusion</a:t>
+            </a:r>
+            <a:r>
+              <a:rPr lang="pt-PT" dirty="0"/>
+              <a:t>:</a:t>
+            </a:r>
+          </a:p>
+          <a:p>
+            <a:endParaRPr lang="pt-PT" dirty="0"/>
+          </a:p>
+          <a:p>
+            <a:endParaRPr lang="pt-PT" dirty="0"/>
+          </a:p>
+          <a:p>
+            <a:r>
+              <a:rPr lang="pt-PT" dirty="0"/>
+              <a:t>Future </a:t>
+            </a:r>
+            <a:r>
+              <a:rPr lang="pt-PT" dirty="0" err="1"/>
+              <a:t>Work</a:t>
+            </a:r>
+            <a:r>
+              <a:rPr lang="pt-PT" dirty="0"/>
+              <a:t>:</a:t>
+            </a:r>
+          </a:p>
+          <a:p>
+            <a:r>
+              <a:rPr lang="pt-PT" dirty="0" err="1"/>
+              <a:t>Adapt</a:t>
+            </a:r>
+            <a:r>
+              <a:rPr lang="pt-PT" baseline="0" dirty="0"/>
+              <a:t> </a:t>
+            </a:r>
+            <a:r>
+              <a:rPr lang="pt-PT" baseline="0" dirty="0" err="1"/>
+              <a:t>the</a:t>
+            </a:r>
+            <a:r>
+              <a:rPr lang="pt-PT" baseline="0" dirty="0"/>
+              <a:t> </a:t>
+            </a:r>
+            <a:r>
+              <a:rPr lang="pt-PT" baseline="0" dirty="0" err="1"/>
+              <a:t>problem</a:t>
+            </a:r>
+            <a:r>
+              <a:rPr lang="pt-PT" baseline="0" dirty="0"/>
+              <a:t> to use Short in </a:t>
+            </a:r>
+            <a:r>
+              <a:rPr lang="pt-PT" baseline="0" dirty="0" err="1"/>
+              <a:t>order</a:t>
+            </a:r>
+            <a:r>
+              <a:rPr lang="pt-PT" baseline="0" dirty="0"/>
+              <a:t> to </a:t>
+            </a:r>
+            <a:r>
+              <a:rPr lang="pt-PT" baseline="0" dirty="0" err="1"/>
+              <a:t>be</a:t>
+            </a:r>
+            <a:r>
+              <a:rPr lang="pt-PT" baseline="0" dirty="0"/>
+              <a:t> </a:t>
+            </a:r>
+            <a:r>
+              <a:rPr lang="pt-PT" baseline="0" dirty="0" err="1"/>
+              <a:t>able</a:t>
+            </a:r>
+            <a:r>
+              <a:rPr lang="pt-PT" baseline="0" dirty="0"/>
+              <a:t> to use SIMD (Single </a:t>
+            </a:r>
+            <a:r>
+              <a:rPr lang="pt-PT" baseline="0" dirty="0" err="1"/>
+              <a:t>Instruction</a:t>
+            </a:r>
+            <a:r>
+              <a:rPr lang="pt-PT" baseline="0" dirty="0"/>
+              <a:t> </a:t>
+            </a:r>
+            <a:r>
+              <a:rPr lang="pt-PT" baseline="0" dirty="0" err="1"/>
+              <a:t>Multiple</a:t>
+            </a:r>
+            <a:r>
+              <a:rPr lang="pt-PT" baseline="0" dirty="0"/>
+              <a:t> Data)</a:t>
+            </a:r>
+            <a:endParaRPr lang="pt-PT" dirty="0"/>
+          </a:p>
+        </p:txBody>
+      </p:sp>
+      <p:sp>
+        <p:nvSpPr>
+          <p:cNvPr id="4" name="Slide Number Placeholder 3"/>
+          <p:cNvSpPr>
+            <a:spLocks noGrp="1"/>
+          </p:cNvSpPr>
+          <p:nvPr>
+            <p:ph type="sldNum" sz="quarter" idx="10"/>
+          </p:nvPr>
+        </p:nvSpPr>
+        <p:spPr/>
+        <p:txBody>
+          <a:bodyPr/>
+          <a:lstStyle/>
+          <a:p>
+            <a:fld id="{3E4499F5-70C7-4B80-98E9-84E6A0F06D73}" type="slidenum">
+              <a:rPr lang="pt-PT" smtClean="0"/>
+              <a:t>7</a:t>
             </a:fld>
             <a:endParaRPr lang="pt-PT"/>
           </a:p>
@@ -1350,7 +1443,7 @@
           <a:p>
             <a:fld id="{4AAD347D-5ACD-4C99-B74B-A9C85AD731AF}" type="datetimeFigureOut">
               <a:rPr lang="en-US" dirty="0"/>
-              <a:t>1/25/2020</a:t>
+              <a:t>1/26/2020</a:t>
             </a:fld>
             <a:endParaRPr lang="en-US" dirty="0"/>
           </a:p>
@@ -1392,7 +1485,7 @@
           <a:p>
             <a:fld id="{D57F1E4F-1CFF-5643-939E-02111984F565}" type="slidenum">
               <a:rPr lang="en-US" dirty="0"/>
-              <a:t>‹nº›</a:t>
+              <a:t>‹#›</a:t>
             </a:fld>
             <a:endParaRPr lang="en-US" dirty="0"/>
           </a:p>
@@ -1620,7 +1713,7 @@
           <a:p>
             <a:fld id="{4509A250-FF31-4206-8172-F9D3106AACB1}" type="datetimeFigureOut">
               <a:rPr lang="en-US" dirty="0"/>
-              <a:t>1/25/2020</a:t>
+              <a:t>1/26/2020</a:t>
             </a:fld>
             <a:endParaRPr lang="en-US" dirty="0"/>
           </a:p>
@@ -1662,7 +1755,7 @@
           <a:p>
             <a:fld id="{D57F1E4F-1CFF-5643-939E-02111984F565}" type="slidenum">
               <a:rPr lang="en-US" dirty="0"/>
-              <a:t>‹nº›</a:t>
+              <a:t>‹#›</a:t>
             </a:fld>
             <a:endParaRPr lang="en-US" dirty="0"/>
           </a:p>
@@ -1809,7 +1902,7 @@
           <a:p>
             <a:fld id="{4509A250-FF31-4206-8172-F9D3106AACB1}" type="datetimeFigureOut">
               <a:rPr lang="en-US" dirty="0"/>
-              <a:t>1/25/2020</a:t>
+              <a:t>1/26/2020</a:t>
             </a:fld>
             <a:endParaRPr lang="en-US" dirty="0"/>
           </a:p>
@@ -1851,7 +1944,7 @@
           <a:p>
             <a:fld id="{D57F1E4F-1CFF-5643-939E-02111984F565}" type="slidenum">
               <a:rPr lang="en-US" dirty="0"/>
-              <a:t>‹nº›</a:t>
+              <a:t>‹#›</a:t>
             </a:fld>
             <a:endParaRPr lang="en-US" dirty="0"/>
           </a:p>
@@ -2077,7 +2170,7 @@
           <a:p>
             <a:fld id="{4509A250-FF31-4206-8172-F9D3106AACB1}" type="datetimeFigureOut">
               <a:rPr lang="en-US" dirty="0"/>
-              <a:t>1/25/2020</a:t>
+              <a:t>1/26/2020</a:t>
             </a:fld>
             <a:endParaRPr lang="en-US" dirty="0"/>
           </a:p>
@@ -2119,7 +2212,7 @@
           <a:p>
             <a:fld id="{D57F1E4F-1CFF-5643-939E-02111984F565}" type="slidenum">
               <a:rPr lang="en-US" dirty="0"/>
-              <a:t>‹nº›</a:t>
+              <a:t>‹#›</a:t>
             </a:fld>
             <a:endParaRPr lang="en-US" dirty="0"/>
           </a:p>
@@ -2413,7 +2506,7 @@
           <a:p>
             <a:fld id="{4509A250-FF31-4206-8172-F9D3106AACB1}" type="datetimeFigureOut">
               <a:rPr lang="en-US" dirty="0"/>
-              <a:t>1/25/2020</a:t>
+              <a:t>1/26/2020</a:t>
             </a:fld>
             <a:endParaRPr lang="en-US" dirty="0"/>
           </a:p>
@@ -2455,7 +2548,7 @@
           <a:p>
             <a:fld id="{D57F1E4F-1CFF-5643-939E-02111984F565}" type="slidenum">
               <a:rPr lang="en-US" dirty="0"/>
-              <a:t>‹nº›</a:t>
+              <a:t>‹#›</a:t>
             </a:fld>
             <a:endParaRPr lang="en-US" dirty="0"/>
           </a:p>
@@ -3031,7 +3124,7 @@
           <a:p>
             <a:fld id="{4509A250-FF31-4206-8172-F9D3106AACB1}" type="datetimeFigureOut">
               <a:rPr lang="en-US" dirty="0"/>
-              <a:t>1/25/2020</a:t>
+              <a:t>1/26/2020</a:t>
             </a:fld>
             <a:endParaRPr lang="en-US" dirty="0"/>
           </a:p>
@@ -3073,7 +3166,7 @@
           <a:p>
             <a:fld id="{D57F1E4F-1CFF-5643-939E-02111984F565}" type="slidenum">
               <a:rPr lang="en-US" dirty="0"/>
-              <a:t>‹nº›</a:t>
+              <a:t>‹#›</a:t>
             </a:fld>
             <a:endParaRPr lang="en-US" dirty="0"/>
           </a:p>
@@ -3886,7 +3979,7 @@
           <a:p>
             <a:fld id="{4509A250-FF31-4206-8172-F9D3106AACB1}" type="datetimeFigureOut">
               <a:rPr lang="en-US" dirty="0"/>
-              <a:t>1/25/2020</a:t>
+              <a:t>1/26/2020</a:t>
             </a:fld>
             <a:endParaRPr lang="en-US" dirty="0"/>
           </a:p>
@@ -3928,7 +4021,7 @@
           <a:p>
             <a:fld id="{D57F1E4F-1CFF-5643-939E-02111984F565}" type="slidenum">
               <a:rPr lang="en-US" dirty="0"/>
-              <a:t>‹nº›</a:t>
+              <a:t>‹#›</a:t>
             </a:fld>
             <a:endParaRPr lang="en-US" dirty="0"/>
           </a:p>
@@ -4051,7 +4144,7 @@
           <a:p>
             <a:fld id="{4509A250-FF31-4206-8172-F9D3106AACB1}" type="datetimeFigureOut">
               <a:rPr lang="en-US" dirty="0"/>
-              <a:t>1/25/2020</a:t>
+              <a:t>1/26/2020</a:t>
             </a:fld>
             <a:endParaRPr lang="en-US" dirty="0"/>
           </a:p>
@@ -4093,7 +4186,7 @@
           <a:p>
             <a:fld id="{D57F1E4F-1CFF-5643-939E-02111984F565}" type="slidenum">
               <a:rPr lang="en-US" dirty="0"/>
-              <a:t>‹nº›</a:t>
+              <a:t>‹#›</a:t>
             </a:fld>
             <a:endParaRPr lang="en-US" dirty="0"/>
           </a:p>
@@ -4226,7 +4319,7 @@
           <a:p>
             <a:fld id="{4509A250-FF31-4206-8172-F9D3106AACB1}" type="datetimeFigureOut">
               <a:rPr lang="en-US" dirty="0"/>
-              <a:t>1/25/2020</a:t>
+              <a:t>1/26/2020</a:t>
             </a:fld>
             <a:endParaRPr lang="en-US" dirty="0"/>
           </a:p>
@@ -4268,7 +4361,7 @@
           <a:p>
             <a:fld id="{D57F1E4F-1CFF-5643-939E-02111984F565}" type="slidenum">
               <a:rPr lang="en-US" dirty="0"/>
-              <a:t>‹nº›</a:t>
+              <a:t>‹#›</a:t>
             </a:fld>
             <a:endParaRPr lang="en-US" dirty="0"/>
           </a:p>
@@ -4391,7 +4484,7 @@
           <a:p>
             <a:fld id="{4509A250-FF31-4206-8172-F9D3106AACB1}" type="datetimeFigureOut">
               <a:rPr lang="en-US" dirty="0"/>
-              <a:t>1/25/2020</a:t>
+              <a:t>1/26/2020</a:t>
             </a:fld>
             <a:endParaRPr lang="en-US" dirty="0"/>
           </a:p>
@@ -4433,7 +4526,7 @@
           <a:p>
             <a:fld id="{D57F1E4F-1CFF-5643-939E-02111984F565}" type="slidenum">
               <a:rPr lang="en-US" dirty="0"/>
-              <a:t>‹nº›</a:t>
+              <a:t>‹#›</a:t>
             </a:fld>
             <a:endParaRPr lang="en-US" dirty="0"/>
           </a:p>
@@ -4633,7 +4726,7 @@
           <a:p>
             <a:fld id="{9796027F-7875-4030-9381-8BD8C4F21935}" type="datetimeFigureOut">
               <a:rPr lang="en-US" dirty="0"/>
-              <a:t>1/25/2020</a:t>
+              <a:t>1/26/2020</a:t>
             </a:fld>
             <a:endParaRPr lang="en-US" dirty="0"/>
           </a:p>
@@ -4675,7 +4768,7 @@
           <a:p>
             <a:fld id="{D57F1E4F-1CFF-5643-939E-02111984F565}" type="slidenum">
               <a:rPr lang="en-US" dirty="0"/>
-              <a:t>‹nº›</a:t>
+              <a:t>‹#›</a:t>
             </a:fld>
             <a:endParaRPr lang="en-US" dirty="0"/>
           </a:p>
@@ -4920,7 +5013,7 @@
           <a:p>
             <a:fld id="{9796027F-7875-4030-9381-8BD8C4F21935}" type="datetimeFigureOut">
               <a:rPr lang="en-US" dirty="0"/>
-              <a:t>1/25/2020</a:t>
+              <a:t>1/26/2020</a:t>
             </a:fld>
             <a:endParaRPr lang="en-US" dirty="0"/>
           </a:p>
@@ -4962,7 +5055,7 @@
           <a:p>
             <a:fld id="{D57F1E4F-1CFF-5643-939E-02111984F565}" type="slidenum">
               <a:rPr lang="en-US" dirty="0"/>
-              <a:t>‹nº›</a:t>
+              <a:t>‹#›</a:t>
             </a:fld>
             <a:endParaRPr lang="en-US" dirty="0"/>
           </a:p>
@@ -5359,7 +5452,7 @@
           <a:p>
             <a:fld id="{9796027F-7875-4030-9381-8BD8C4F21935}" type="datetimeFigureOut">
               <a:rPr lang="en-US" dirty="0"/>
-              <a:t>1/25/2020</a:t>
+              <a:t>1/26/2020</a:t>
             </a:fld>
             <a:endParaRPr lang="en-US" dirty="0"/>
           </a:p>
@@ -5401,7 +5494,7 @@
           <a:p>
             <a:fld id="{D57F1E4F-1CFF-5643-939E-02111984F565}" type="slidenum">
               <a:rPr lang="en-US" dirty="0"/>
-              <a:t>‹nº›</a:t>
+              <a:t>‹#›</a:t>
             </a:fld>
             <a:endParaRPr lang="en-US" dirty="0"/>
           </a:p>
@@ -5472,7 +5565,7 @@
           <a:p>
             <a:fld id="{4509A250-FF31-4206-8172-F9D3106AACB1}" type="datetimeFigureOut">
               <a:rPr lang="en-US" dirty="0"/>
-              <a:t>1/25/2020</a:t>
+              <a:t>1/26/2020</a:t>
             </a:fld>
             <a:endParaRPr lang="en-US" dirty="0"/>
           </a:p>
@@ -5514,7 +5607,7 @@
           <a:p>
             <a:fld id="{D57F1E4F-1CFF-5643-939E-02111984F565}" type="slidenum">
               <a:rPr lang="en-US" dirty="0"/>
-              <a:t>‹nº›</a:t>
+              <a:t>‹#›</a:t>
             </a:fld>
             <a:endParaRPr lang="en-US" dirty="0"/>
           </a:p>
@@ -5562,7 +5655,7 @@
           <a:p>
             <a:fld id="{4509A250-FF31-4206-8172-F9D3106AACB1}" type="datetimeFigureOut">
               <a:rPr lang="en-US" dirty="0"/>
-              <a:t>1/25/2020</a:t>
+              <a:t>1/26/2020</a:t>
             </a:fld>
             <a:endParaRPr lang="en-US" dirty="0"/>
           </a:p>
@@ -5604,7 +5697,7 @@
           <a:p>
             <a:fld id="{D57F1E4F-1CFF-5643-939E-02111984F565}" type="slidenum">
               <a:rPr lang="en-US" dirty="0"/>
-              <a:t>‹nº›</a:t>
+              <a:t>‹#›</a:t>
             </a:fld>
             <a:endParaRPr lang="en-US" dirty="0"/>
           </a:p>
@@ -5836,7 +5929,7 @@
           <a:p>
             <a:fld id="{4509A250-FF31-4206-8172-F9D3106AACB1}" type="datetimeFigureOut">
               <a:rPr lang="en-US" dirty="0"/>
-              <a:t>1/25/2020</a:t>
+              <a:t>1/26/2020</a:t>
             </a:fld>
             <a:endParaRPr lang="en-US" dirty="0"/>
           </a:p>
@@ -5878,7 +5971,7 @@
           <a:p>
             <a:fld id="{D57F1E4F-1CFF-5643-939E-02111984F565}" type="slidenum">
               <a:rPr lang="en-US" dirty="0"/>
-              <a:t>‹nº›</a:t>
+              <a:t>‹#›</a:t>
             </a:fld>
             <a:endParaRPr lang="en-US" dirty="0"/>
           </a:p>
@@ -6106,7 +6199,7 @@
           <a:p>
             <a:fld id="{4509A250-FF31-4206-8172-F9D3106AACB1}" type="datetimeFigureOut">
               <a:rPr lang="en-US" dirty="0"/>
-              <a:t>1/25/2020</a:t>
+              <a:t>1/26/2020</a:t>
             </a:fld>
             <a:endParaRPr lang="en-US" dirty="0"/>
           </a:p>
@@ -6148,7 +6241,7 @@
           <a:p>
             <a:fld id="{D57F1E4F-1CFF-5643-939E-02111984F565}" type="slidenum">
               <a:rPr lang="en-US" dirty="0"/>
-              <a:t>‹nº›</a:t>
+              <a:t>‹#›</a:t>
             </a:fld>
             <a:endParaRPr lang="en-US" dirty="0"/>
           </a:p>
@@ -6530,7 +6623,7 @@
           <a:p>
             <a:fld id="{4AAD347D-5ACD-4C99-B74B-A9C85AD731AF}" type="datetimeFigureOut">
               <a:rPr lang="en-US" dirty="0"/>
-              <a:t>1/25/2020</a:t>
+              <a:t>1/26/2020</a:t>
             </a:fld>
             <a:endParaRPr lang="en-US" dirty="0"/>
           </a:p>
@@ -6609,7 +6702,7 @@
           <a:p>
             <a:fld id="{D57F1E4F-1CFF-5643-939E-02111984F565}" type="slidenum">
               <a:rPr lang="en-US" dirty="0"/>
-              <a:t>‹nº›</a:t>
+              <a:t>‹#›</a:t>
             </a:fld>
             <a:endParaRPr lang="en-US" dirty="0"/>
           </a:p>
@@ -7138,7 +7231,7 @@
           <p:cNvPr id="12" name="Agrupar 11">
             <a:extLst>
               <a:ext uri="{FF2B5EF4-FFF2-40B4-BE49-F238E27FC236}">
-                <a16:creationId xmlns:a16="http://schemas.microsoft.com/office/drawing/2014/main" id="{FC2A7235-27BF-4464-89A0-E61C0CC8C7ED}"/>
+                <a16:creationId xmlns:a16="http://schemas.microsoft.com/office/drawing/2014/main" xmlns="" id="{FC2A7235-27BF-4464-89A0-E61C0CC8C7ED}"/>
               </a:ext>
             </a:extLst>
           </p:cNvPr>
@@ -7158,7 +7251,7 @@
             <p:cNvPr id="7" name="Retângulo 6">
               <a:extLst>
                 <a:ext uri="{FF2B5EF4-FFF2-40B4-BE49-F238E27FC236}">
-                  <a16:creationId xmlns:a16="http://schemas.microsoft.com/office/drawing/2014/main" id="{3536D763-8F7F-4299-BF1F-2F4700353BE9}"/>
+                  <a16:creationId xmlns:a16="http://schemas.microsoft.com/office/drawing/2014/main" xmlns="" id="{3536D763-8F7F-4299-BF1F-2F4700353BE9}"/>
                 </a:ext>
               </a:extLst>
             </p:cNvPr>
@@ -7212,7 +7305,7 @@
             <p:cNvPr id="10" name="Imagem 9">
               <a:extLst>
                 <a:ext uri="{FF2B5EF4-FFF2-40B4-BE49-F238E27FC236}">
-                  <a16:creationId xmlns:a16="http://schemas.microsoft.com/office/drawing/2014/main" id="{EE120ED8-F510-428F-8E2B-8FB7801ED686}"/>
+                  <a16:creationId xmlns:a16="http://schemas.microsoft.com/office/drawing/2014/main" xmlns="" id="{EE120ED8-F510-428F-8E2B-8FB7801ED686}"/>
                 </a:ext>
               </a:extLst>
             </p:cNvPr>
@@ -7243,7 +7336,7 @@
           <p:cNvPr id="11" name="CaixaDeTexto 10">
             <a:extLst>
               <a:ext uri="{FF2B5EF4-FFF2-40B4-BE49-F238E27FC236}">
-                <a16:creationId xmlns:a16="http://schemas.microsoft.com/office/drawing/2014/main" id="{B56E9F45-F09B-4BD0-98B3-EC2ADC5C4F07}"/>
+                <a16:creationId xmlns:a16="http://schemas.microsoft.com/office/drawing/2014/main" xmlns="" id="{B56E9F45-F09B-4BD0-98B3-EC2ADC5C4F07}"/>
               </a:ext>
             </a:extLst>
           </p:cNvPr>
@@ -7351,7 +7444,7 @@
           <p:cNvPr id="4" name="Marcador de Posição do Texto 3">
             <a:extLst>
               <a:ext uri="{FF2B5EF4-FFF2-40B4-BE49-F238E27FC236}">
-                <a16:creationId xmlns:a16="http://schemas.microsoft.com/office/drawing/2014/main" id="{395FDA90-928D-490B-9205-8969FC300942}"/>
+                <a16:creationId xmlns:a16="http://schemas.microsoft.com/office/drawing/2014/main" xmlns="" id="{395FDA90-928D-490B-9205-8969FC300942}"/>
               </a:ext>
             </a:extLst>
           </p:cNvPr>
@@ -7413,7 +7506,7 @@
           <p:cNvPr id="5" name="Marcador de Posição do Texto 4">
             <a:extLst>
               <a:ext uri="{FF2B5EF4-FFF2-40B4-BE49-F238E27FC236}">
-                <a16:creationId xmlns:a16="http://schemas.microsoft.com/office/drawing/2014/main" id="{B606F5B3-55F1-4AF6-93F1-FAC926D4A149}"/>
+                <a16:creationId xmlns:a16="http://schemas.microsoft.com/office/drawing/2014/main" xmlns="" id="{B606F5B3-55F1-4AF6-93F1-FAC926D4A149}"/>
               </a:ext>
             </a:extLst>
           </p:cNvPr>
@@ -7445,7 +7538,7 @@
           <p:cNvPr id="6" name="Marcador de Posição de Conteúdo 5">
             <a:extLst>
               <a:ext uri="{FF2B5EF4-FFF2-40B4-BE49-F238E27FC236}">
-                <a16:creationId xmlns:a16="http://schemas.microsoft.com/office/drawing/2014/main" id="{8B8A2FC8-CFF6-4995-AE1C-CB0B7BDB5770}"/>
+                <a16:creationId xmlns:a16="http://schemas.microsoft.com/office/drawing/2014/main" xmlns="" id="{8B8A2FC8-CFF6-4995-AE1C-CB0B7BDB5770}"/>
               </a:ext>
             </a:extLst>
           </p:cNvPr>
@@ -7738,7 +7831,7 @@
         </p:nvSpPr>
         <p:spPr>
           <a:xfrm>
-            <a:off x="646111" y="4838698"/>
+            <a:off x="6766824" y="3347087"/>
             <a:ext cx="4382530" cy="1477328"/>
           </a:xfrm>
           <a:prstGeom prst="rect">
@@ -7792,7 +7885,7 @@
           <p:cNvPr id="8" name="Marcador de Posição de Conteúdo 7" descr="Uma imagem com captura de ecrã, porta&#10;&#10;Descrição gerada automaticamente">
             <a:extLst>
               <a:ext uri="{FF2B5EF4-FFF2-40B4-BE49-F238E27FC236}">
-                <a16:creationId xmlns:a16="http://schemas.microsoft.com/office/drawing/2014/main" id="{094E9226-C054-4156-B9B1-2AF9E15FF461}"/>
+                <a16:creationId xmlns:a16="http://schemas.microsoft.com/office/drawing/2014/main" xmlns="" id="{094E9226-C054-4156-B9B1-2AF9E15FF461}"/>
               </a:ext>
             </a:extLst>
           </p:cNvPr>
@@ -7811,105 +7904,15 @@
         </p:blipFill>
         <p:spPr>
           <a:xfrm>
-            <a:off x="646111" y="1598706"/>
+            <a:off x="646111" y="2289853"/>
             <a:ext cx="5282610" cy="2971167"/>
           </a:xfrm>
         </p:spPr>
       </p:pic>
-      <p:pic>
-        <p:nvPicPr>
-          <p:cNvPr id="10" name="Imagem 9" descr="Uma imagem com porta, sala, computador&#10;&#10;Descrição gerada automaticamente">
-            <a:extLst>
-              <a:ext uri="{FF2B5EF4-FFF2-40B4-BE49-F238E27FC236}">
-                <a16:creationId xmlns:a16="http://schemas.microsoft.com/office/drawing/2014/main" id="{F7C143F8-9777-4972-9A40-AE63D1501B25}"/>
-              </a:ext>
-            </a:extLst>
-          </p:cNvPr>
-          <p:cNvPicPr>
-            <a:picLocks noChangeAspect="1"/>
-          </p:cNvPicPr>
-          <p:nvPr/>
-        </p:nvPicPr>
-        <p:blipFill>
-          <a:blip r:embed="rId4"/>
-          <a:stretch>
-            <a:fillRect/>
-          </a:stretch>
-        </p:blipFill>
-        <p:spPr>
-          <a:xfrm>
-            <a:off x="6462411" y="1598705"/>
-            <a:ext cx="5083478" cy="2971166"/>
-          </a:xfrm>
-          <a:prstGeom prst="rect">
-            <a:avLst/>
-          </a:prstGeom>
-        </p:spPr>
-      </p:pic>
-      <p:sp>
-        <p:nvSpPr>
-          <p:cNvPr id="12" name="TextBox 2">
-            <a:extLst>
-              <a:ext uri="{FF2B5EF4-FFF2-40B4-BE49-F238E27FC236}">
-                <a16:creationId xmlns:a16="http://schemas.microsoft.com/office/drawing/2014/main" id="{BE145911-E595-430E-BA1D-3AB904E33A9F}"/>
-              </a:ext>
-            </a:extLst>
-          </p:cNvPr>
-          <p:cNvSpPr txBox="1"/>
-          <p:nvPr/>
-        </p:nvSpPr>
-        <p:spPr>
-          <a:xfrm>
-            <a:off x="6462411" y="4874619"/>
-            <a:ext cx="5083478" cy="1754326"/>
-          </a:xfrm>
-          <a:prstGeom prst="rect">
-            <a:avLst/>
-          </a:prstGeom>
-          <a:noFill/>
-        </p:spPr>
-        <p:txBody>
-          <a:bodyPr wrap="square" rtlCol="0">
-            <a:spAutoFit/>
-          </a:bodyPr>
-          <a:lstStyle/>
-          <a:p>
-            <a:pPr marL="285750" indent="-285750">
-              <a:buFont typeface="Wingdings" panose="05000000000000000000" pitchFamily="2" charset="2"/>
-              <a:buChar char="Ø"/>
-            </a:pPr>
-            <a:r>
-              <a:rPr lang="en-GB" dirty="0"/>
-              <a:t>Speedup can be improved to around 12.6 by adding atomic and to 15.1 by improving memory and atomic usage</a:t>
-            </a:r>
-          </a:p>
-          <a:p>
-            <a:pPr marL="285750" indent="-285750">
-              <a:buFont typeface="Wingdings" panose="05000000000000000000" pitchFamily="2" charset="2"/>
-              <a:buChar char="Ø"/>
-            </a:pPr>
-            <a:endParaRPr lang="en-GB" dirty="0"/>
-          </a:p>
-          <a:p>
-            <a:pPr marL="285750" indent="-285750">
-              <a:buFont typeface="Wingdings" panose="05000000000000000000" pitchFamily="2" charset="2"/>
-              <a:buChar char="Ø"/>
-            </a:pPr>
-            <a:endParaRPr lang="en-GB" dirty="0"/>
-          </a:p>
-          <a:p>
-            <a:pPr marL="285750" indent="-285750">
-              <a:buFont typeface="Wingdings" panose="05000000000000000000" pitchFamily="2" charset="2"/>
-              <a:buChar char="Ø"/>
-            </a:pPr>
-            <a:endParaRPr lang="en-GB" dirty="0"/>
-          </a:p>
-        </p:txBody>
-      </p:sp>
     </p:spTree>
     <p:extLst>
       <p:ext uri="{BB962C8B-B14F-4D97-AF65-F5344CB8AC3E}">
-        <p14:creationId xmlns:p14="http://schemas.microsoft.com/office/powerpoint/2010/main" val="268737827"/>
+        <p14:creationId xmlns:p14="http://schemas.microsoft.com/office/powerpoint/2010/main" val="1539425592"/>
       </p:ext>
     </p:extLst>
   </p:cSld>
@@ -7952,6 +7955,149 @@
           <a:lstStyle/>
           <a:p>
             <a:r>
+              <a:rPr lang="pt-PT" dirty="0" err="1"/>
+              <a:t>Results</a:t>
+            </a:r>
+            <a:endParaRPr lang="pt-PT" dirty="0"/>
+          </a:p>
+        </p:txBody>
+      </p:sp>
+      <p:pic>
+        <p:nvPicPr>
+          <p:cNvPr id="10" name="Imagem 9" descr="Uma imagem com porta, sala, computador&#10;&#10;Descrição gerada automaticamente">
+            <a:extLst>
+              <a:ext uri="{FF2B5EF4-FFF2-40B4-BE49-F238E27FC236}">
+                <a16:creationId xmlns:a16="http://schemas.microsoft.com/office/drawing/2014/main" xmlns="" id="{F7C143F8-9777-4972-9A40-AE63D1501B25}"/>
+              </a:ext>
+            </a:extLst>
+          </p:cNvPr>
+          <p:cNvPicPr>
+            <a:picLocks noChangeAspect="1"/>
+          </p:cNvPicPr>
+          <p:nvPr/>
+        </p:nvPicPr>
+        <p:blipFill>
+          <a:blip r:embed="rId3"/>
+          <a:stretch>
+            <a:fillRect/>
+          </a:stretch>
+        </p:blipFill>
+        <p:spPr>
+          <a:xfrm>
+            <a:off x="646111" y="2274208"/>
+            <a:ext cx="5083478" cy="2971166"/>
+          </a:xfrm>
+          <a:prstGeom prst="rect">
+            <a:avLst/>
+          </a:prstGeom>
+        </p:spPr>
+      </p:pic>
+      <p:sp>
+        <p:nvSpPr>
+          <p:cNvPr id="12" name="TextBox 2">
+            <a:extLst>
+              <a:ext uri="{FF2B5EF4-FFF2-40B4-BE49-F238E27FC236}">
+                <a16:creationId xmlns:a16="http://schemas.microsoft.com/office/drawing/2014/main" xmlns="" id="{BE145911-E595-430E-BA1D-3AB904E33A9F}"/>
+              </a:ext>
+            </a:extLst>
+          </p:cNvPr>
+          <p:cNvSpPr txBox="1"/>
+          <p:nvPr/>
+        </p:nvSpPr>
+        <p:spPr>
+          <a:xfrm>
+            <a:off x="6429459" y="3491048"/>
+            <a:ext cx="5083478" cy="1754326"/>
+          </a:xfrm>
+          <a:prstGeom prst="rect">
+            <a:avLst/>
+          </a:prstGeom>
+          <a:noFill/>
+        </p:spPr>
+        <p:txBody>
+          <a:bodyPr wrap="square" rtlCol="0">
+            <a:spAutoFit/>
+          </a:bodyPr>
+          <a:lstStyle/>
+          <a:p>
+            <a:pPr marL="285750" indent="-285750">
+              <a:buFont typeface="Wingdings" panose="05000000000000000000" pitchFamily="2" charset="2"/>
+              <a:buChar char="Ø"/>
+            </a:pPr>
+            <a:r>
+              <a:rPr lang="en-GB" dirty="0"/>
+              <a:t>Speedup can be improved to around 12.6 by adding atomic and to 15.1 by improving memory and atomic usage</a:t>
+            </a:r>
+          </a:p>
+          <a:p>
+            <a:pPr marL="285750" indent="-285750">
+              <a:buFont typeface="Wingdings" panose="05000000000000000000" pitchFamily="2" charset="2"/>
+              <a:buChar char="Ø"/>
+            </a:pPr>
+            <a:endParaRPr lang="en-GB" dirty="0"/>
+          </a:p>
+          <a:p>
+            <a:pPr marL="285750" indent="-285750">
+              <a:buFont typeface="Wingdings" panose="05000000000000000000" pitchFamily="2" charset="2"/>
+              <a:buChar char="Ø"/>
+            </a:pPr>
+            <a:endParaRPr lang="en-GB" dirty="0"/>
+          </a:p>
+          <a:p>
+            <a:pPr marL="285750" indent="-285750">
+              <a:buFont typeface="Wingdings" panose="05000000000000000000" pitchFamily="2" charset="2"/>
+              <a:buChar char="Ø"/>
+            </a:pPr>
+            <a:endParaRPr lang="en-GB" dirty="0"/>
+          </a:p>
+        </p:txBody>
+      </p:sp>
+    </p:spTree>
+    <p:extLst>
+      <p:ext uri="{BB962C8B-B14F-4D97-AF65-F5344CB8AC3E}">
+        <p14:creationId xmlns:p14="http://schemas.microsoft.com/office/powerpoint/2010/main" val="268737827"/>
+      </p:ext>
+    </p:extLst>
+  </p:cSld>
+  <p:clrMapOvr>
+    <a:masterClrMapping/>
+  </p:clrMapOvr>
+</p:sld>
+</file>
+
+<file path=ppt/slides/slide7.xml><?xml version="1.0" encoding="utf-8"?>
+<p:sld xmlns:a="http://schemas.openxmlformats.org/drawingml/2006/main" xmlns:r="http://schemas.openxmlformats.org/officeDocument/2006/relationships" xmlns:p="http://schemas.openxmlformats.org/presentationml/2006/main">
+  <p:cSld>
+    <p:spTree>
+      <p:nvGrpSpPr>
+        <p:cNvPr id="1" name=""/>
+        <p:cNvGrpSpPr/>
+        <p:nvPr/>
+      </p:nvGrpSpPr>
+      <p:grpSpPr>
+        <a:xfrm>
+          <a:off x="0" y="0"/>
+          <a:ext cx="0" cy="0"/>
+          <a:chOff x="0" y="0"/>
+          <a:chExt cx="0" cy="0"/>
+        </a:xfrm>
+      </p:grpSpPr>
+      <p:sp>
+        <p:nvSpPr>
+          <p:cNvPr id="2" name="Title 1"/>
+          <p:cNvSpPr>
+            <a:spLocks noGrp="1"/>
+          </p:cNvSpPr>
+          <p:nvPr>
+            <p:ph type="title"/>
+          </p:nvPr>
+        </p:nvSpPr>
+        <p:spPr/>
+        <p:txBody>
+          <a:bodyPr/>
+          <a:lstStyle/>
+          <a:p>
+            <a:r>
               <a:rPr lang="en-GB" dirty="0"/>
               <a:t>Conclusion &amp; Future Work</a:t>
             </a:r>
@@ -8004,7 +8150,7 @@
           <p:cNvPr id="5" name="Content Placeholder 2">
             <a:extLst>
               <a:ext uri="{FF2B5EF4-FFF2-40B4-BE49-F238E27FC236}">
-                <a16:creationId xmlns:a16="http://schemas.microsoft.com/office/drawing/2014/main" id="{1EA0BFFF-7C66-44DF-ABF4-BD550F593C0A}"/>
+                <a16:creationId xmlns:a16="http://schemas.microsoft.com/office/drawing/2014/main" xmlns="" id="{1EA0BFFF-7C66-44DF-ABF4-BD550F593C0A}"/>
               </a:ext>
             </a:extLst>
           </p:cNvPr>

--- a/presentation.pptx
+++ b/presentation.pptx
@@ -7984,7 +7984,7 @@
         </p:blipFill>
         <p:spPr>
           <a:xfrm>
-            <a:off x="646111" y="2274208"/>
+            <a:off x="646111" y="2478745"/>
             <a:ext cx="5083478" cy="2971166"/>
           </a:xfrm>
           <a:prstGeom prst="rect">
@@ -8006,7 +8006,7 @@
         </p:nvSpPr>
         <p:spPr>
           <a:xfrm>
-            <a:off x="6429459" y="3491048"/>
+            <a:off x="6261017" y="3087165"/>
             <a:ext cx="5083478" cy="1754326"/>
           </a:xfrm>
           <a:prstGeom prst="rect">
@@ -8026,7 +8026,19 @@
             </a:pPr>
             <a:r>
               <a:rPr lang="en-GB" dirty="0"/>
-              <a:t>Speedup can be improved to around 12.6 by adding atomic and to 15.1 by improving memory and atomic usage</a:t>
+              <a:t>Speedup can be improved to </a:t>
+            </a:r>
+            <a:r>
+              <a:rPr lang="en-GB" dirty="0" smtClean="0"/>
+              <a:t>approximately </a:t>
+            </a:r>
+            <a:r>
+              <a:rPr lang="en-GB" dirty="0"/>
+              <a:t>12.6 by adding atomic and to 15.1 by improving memory </a:t>
+            </a:r>
+            <a:r>
+              <a:rPr lang="en-GB" dirty="0" smtClean="0"/>
+              <a:t>usage</a:t>
             </a:r>
           </a:p>
           <a:p>
@@ -8041,13 +8053,10 @@
               <a:buFont typeface="Wingdings" panose="05000000000000000000" pitchFamily="2" charset="2"/>
               <a:buChar char="Ø"/>
             </a:pPr>
-            <a:endParaRPr lang="en-GB" dirty="0"/>
-          </a:p>
-          <a:p>
-            <a:pPr marL="285750" indent="-285750">
-              <a:buFont typeface="Wingdings" panose="05000000000000000000" pitchFamily="2" charset="2"/>
-              <a:buChar char="Ø"/>
-            </a:pPr>
+            <a:r>
+              <a:rPr lang="en-GB" dirty="0" smtClean="0"/>
+              <a:t>Between implementations we can see a speedup of 1.76 and 1,19</a:t>
+            </a:r>
             <a:endParaRPr lang="en-GB" dirty="0"/>
           </a:p>
         </p:txBody>

--- a/presentation.pptx
+++ b/presentation.pptx
@@ -7831,8 +7831,8 @@
         </p:nvSpPr>
         <p:spPr>
           <a:xfrm>
-            <a:off x="6766824" y="3347087"/>
-            <a:ext cx="4382530" cy="1477328"/>
+            <a:off x="6610413" y="3175271"/>
+            <a:ext cx="4382530" cy="1200329"/>
           </a:xfrm>
           <a:prstGeom prst="rect">
             <a:avLst/>
@@ -7851,17 +7851,11 @@
             </a:pPr>
             <a:r>
               <a:rPr lang="en-GB" dirty="0"/>
-              <a:t>Huge speedup only by running the algorithm in the GPU</a:t>
-            </a:r>
-          </a:p>
-          <a:p>
-            <a:pPr marL="285750" indent="-285750">
-              <a:buFont typeface="Wingdings" panose="05000000000000000000" pitchFamily="2" charset="2"/>
-              <a:buChar char="Ø"/>
-            </a:pPr>
-            <a:r>
-              <a:rPr lang="en-GB" dirty="0"/>
-              <a:t>Speedup of around 7.2</a:t>
+              <a:t>Huge speedup only by running the algorithm in the </a:t>
+            </a:r>
+            <a:r>
+              <a:rPr lang="en-GB" dirty="0" smtClean="0"/>
+              <a:t>GPU</a:t>
             </a:r>
           </a:p>
           <a:p>
@@ -7876,6 +7870,14 @@
               <a:buFont typeface="Wingdings" panose="05000000000000000000" pitchFamily="2" charset="2"/>
               <a:buChar char="Ø"/>
             </a:pPr>
+            <a:r>
+              <a:rPr lang="en-GB" dirty="0"/>
+              <a:t>Speedup of around </a:t>
+            </a:r>
+            <a:r>
+              <a:rPr lang="en-GB" dirty="0" smtClean="0"/>
+              <a:t>7.2</a:t>
+            </a:r>
             <a:endParaRPr lang="en-GB" dirty="0"/>
           </a:p>
         </p:txBody>

--- a/presentation.pptx
+++ b/presentation.pptx
@@ -7850,12 +7850,24 @@
               <a:buChar char="Ø"/>
             </a:pPr>
             <a:r>
+              <a:rPr lang="en-GB" dirty="0" smtClean="0"/>
+              <a:t>Major </a:t>
+            </a:r>
+            <a:r>
               <a:rPr lang="en-GB" dirty="0"/>
-              <a:t>Huge speedup only by running the algorithm in the </a:t>
+              <a:t>speedup </a:t>
             </a:r>
             <a:r>
               <a:rPr lang="en-GB" dirty="0" smtClean="0"/>
-              <a:t>GPU</a:t>
+              <a:t>when </a:t>
+            </a:r>
+            <a:r>
+              <a:rPr lang="en-GB" dirty="0"/>
+              <a:t>running the algorithm in </a:t>
+            </a:r>
+            <a:r>
+              <a:rPr lang="en-GB" dirty="0" smtClean="0"/>
+              <a:t>the parallel GPU</a:t>
             </a:r>
           </a:p>
           <a:p>
@@ -8008,7 +8020,7 @@
         </p:nvSpPr>
         <p:spPr>
           <a:xfrm>
-            <a:off x="6261017" y="3087165"/>
+            <a:off x="6176796" y="3087165"/>
             <a:ext cx="5083478" cy="1754326"/>
           </a:xfrm>
           <a:prstGeom prst="rect">
@@ -8028,19 +8040,11 @@
             </a:pPr>
             <a:r>
               <a:rPr lang="en-GB" dirty="0"/>
-              <a:t>Speedup can be improved to </a:t>
+              <a:t>Between implementations we can see a speedup of 1.76 and </a:t>
             </a:r>
             <a:r>
               <a:rPr lang="en-GB" dirty="0" smtClean="0"/>
-              <a:t>approximately </a:t>
-            </a:r>
-            <a:r>
-              <a:rPr lang="en-GB" dirty="0"/>
-              <a:t>12.6 by adding atomic and to 15.1 by improving memory </a:t>
-            </a:r>
-            <a:r>
-              <a:rPr lang="en-GB" dirty="0" smtClean="0"/>
-              <a:t>usage</a:t>
+              <a:t>1.19</a:t>
             </a:r>
           </a:p>
           <a:p>
@@ -8057,9 +8061,24 @@
             </a:pPr>
             <a:r>
               <a:rPr lang="en-GB" dirty="0" smtClean="0"/>
-              <a:t>Between implementations we can see a speedup of 1.76 and 1,19</a:t>
-            </a:r>
-            <a:endParaRPr lang="en-GB" dirty="0"/>
+              <a:t>Speedup </a:t>
+            </a:r>
+            <a:r>
+              <a:rPr lang="en-GB" dirty="0"/>
+              <a:t>can be improved to </a:t>
+            </a:r>
+            <a:r>
+              <a:rPr lang="en-GB" dirty="0" smtClean="0"/>
+              <a:t>approximately </a:t>
+            </a:r>
+            <a:r>
+              <a:rPr lang="en-GB" dirty="0"/>
+              <a:t>12.6 by adding atomic and to 15.1 by improving memory </a:t>
+            </a:r>
+            <a:r>
+              <a:rPr lang="en-GB" dirty="0" smtClean="0"/>
+              <a:t>usage</a:t>
+            </a:r>
           </a:p>
         </p:txBody>
       </p:sp>

--- a/presentation.pptx
+++ b/presentation.pptx
@@ -7168,22 +7168,29 @@
           <a:lstStyle/>
           <a:p>
             <a:r>
-              <a:rPr lang="pt-PT" sz="6000" dirty="0"/>
-              <a:t>A </a:t>
-            </a:r>
-            <a:r>
-              <a:rPr lang="en-GB" sz="6000" dirty="0"/>
-              <a:t>Study</a:t>
-            </a:r>
-            <a:r>
-              <a:rPr lang="pt-PT" sz="6000" dirty="0"/>
-              <a:t> in CUDA </a:t>
-            </a:r>
-            <a:r>
-              <a:rPr lang="pt-PT" sz="6000" dirty="0" err="1"/>
-              <a:t>Usage</a:t>
-            </a:r>
-            <a:endParaRPr lang="pt-PT" sz="6000" dirty="0"/>
+              <a:rPr lang="en-GB" sz="5400" dirty="0"/>
+              <a:t>Optimizations in </a:t>
+            </a:r>
+            <a:r>
+              <a:rPr lang="en-GB" sz="5400" dirty="0" smtClean="0"/>
+              <a:t>GPGPU</a:t>
+            </a:r>
+            <a:br>
+              <a:rPr lang="en-GB" sz="5400" dirty="0" smtClean="0"/>
+            </a:br>
+            <a:r>
+              <a:rPr lang="en-GB" sz="5400" dirty="0" smtClean="0"/>
+              <a:t>using</a:t>
+            </a:r>
+            <a:r>
+              <a:rPr lang="en-GB" sz="5400" dirty="0"/>
+              <a:t> </a:t>
+            </a:r>
+            <a:r>
+              <a:rPr lang="en-GB" sz="5400" dirty="0" smtClean="0"/>
+              <a:t>Floyd-Warshall</a:t>
+            </a:r>
+            <a:endParaRPr lang="pt-PT" sz="6600" dirty="0"/>
           </a:p>
         </p:txBody>
       </p:sp>
@@ -7215,13 +7222,12 @@
           <a:p>
             <a:r>
               <a:rPr lang="pt-PT" dirty="0"/>
-              <a:t>Vasco Ferreira, nº49470</a:t>
-            </a:r>
-          </a:p>
-          <a:p>
-            <a:endParaRPr lang="pt-PT" dirty="0"/>
-          </a:p>
-          <a:p>
+              <a:t>Vasco Ferreira, </a:t>
+            </a:r>
+            <a:r>
+              <a:rPr lang="pt-PT" dirty="0" smtClean="0"/>
+              <a:t>nº49470</a:t>
+            </a:r>
             <a:endParaRPr lang="pt-PT" dirty="0"/>
           </a:p>
         </p:txBody>
@@ -7231,7 +7237,7 @@
           <p:cNvPr id="12" name="Agrupar 11">
             <a:extLst>
               <a:ext uri="{FF2B5EF4-FFF2-40B4-BE49-F238E27FC236}">
-                <a16:creationId xmlns:a16="http://schemas.microsoft.com/office/drawing/2014/main" xmlns="" id="{FC2A7235-27BF-4464-89A0-E61C0CC8C7ED}"/>
+                <a16:creationId xmlns="" xmlns:a16="http://schemas.microsoft.com/office/drawing/2014/main" id="{FC2A7235-27BF-4464-89A0-E61C0CC8C7ED}"/>
               </a:ext>
             </a:extLst>
           </p:cNvPr>
@@ -7251,7 +7257,7 @@
             <p:cNvPr id="7" name="Retângulo 6">
               <a:extLst>
                 <a:ext uri="{FF2B5EF4-FFF2-40B4-BE49-F238E27FC236}">
-                  <a16:creationId xmlns:a16="http://schemas.microsoft.com/office/drawing/2014/main" xmlns="" id="{3536D763-8F7F-4299-BF1F-2F4700353BE9}"/>
+                  <a16:creationId xmlns="" xmlns:a16="http://schemas.microsoft.com/office/drawing/2014/main" id="{3536D763-8F7F-4299-BF1F-2F4700353BE9}"/>
                 </a:ext>
               </a:extLst>
             </p:cNvPr>
@@ -7305,7 +7311,7 @@
             <p:cNvPr id="10" name="Imagem 9">
               <a:extLst>
                 <a:ext uri="{FF2B5EF4-FFF2-40B4-BE49-F238E27FC236}">
-                  <a16:creationId xmlns:a16="http://schemas.microsoft.com/office/drawing/2014/main" xmlns="" id="{EE120ED8-F510-428F-8E2B-8FB7801ED686}"/>
+                  <a16:creationId xmlns="" xmlns:a16="http://schemas.microsoft.com/office/drawing/2014/main" id="{EE120ED8-F510-428F-8E2B-8FB7801ED686}"/>
                 </a:ext>
               </a:extLst>
             </p:cNvPr>
@@ -7336,7 +7342,7 @@
           <p:cNvPr id="11" name="CaixaDeTexto 10">
             <a:extLst>
               <a:ext uri="{FF2B5EF4-FFF2-40B4-BE49-F238E27FC236}">
-                <a16:creationId xmlns:a16="http://schemas.microsoft.com/office/drawing/2014/main" xmlns="" id="{B56E9F45-F09B-4BD0-98B3-EC2ADC5C4F07}"/>
+                <a16:creationId xmlns="" xmlns:a16="http://schemas.microsoft.com/office/drawing/2014/main" id="{B56E9F45-F09B-4BD0-98B3-EC2ADC5C4F07}"/>
               </a:ext>
             </a:extLst>
           </p:cNvPr>
@@ -7444,7 +7450,7 @@
           <p:cNvPr id="4" name="Marcador de Posição do Texto 3">
             <a:extLst>
               <a:ext uri="{FF2B5EF4-FFF2-40B4-BE49-F238E27FC236}">
-                <a16:creationId xmlns:a16="http://schemas.microsoft.com/office/drawing/2014/main" xmlns="" id="{395FDA90-928D-490B-9205-8969FC300942}"/>
+                <a16:creationId xmlns="" xmlns:a16="http://schemas.microsoft.com/office/drawing/2014/main" id="{395FDA90-928D-490B-9205-8969FC300942}"/>
               </a:ext>
             </a:extLst>
           </p:cNvPr>
@@ -7506,7 +7512,7 @@
           <p:cNvPr id="5" name="Marcador de Posição do Texto 4">
             <a:extLst>
               <a:ext uri="{FF2B5EF4-FFF2-40B4-BE49-F238E27FC236}">
-                <a16:creationId xmlns:a16="http://schemas.microsoft.com/office/drawing/2014/main" xmlns="" id="{B606F5B3-55F1-4AF6-93F1-FAC926D4A149}"/>
+                <a16:creationId xmlns="" xmlns:a16="http://schemas.microsoft.com/office/drawing/2014/main" id="{B606F5B3-55F1-4AF6-93F1-FAC926D4A149}"/>
               </a:ext>
             </a:extLst>
           </p:cNvPr>
@@ -7538,7 +7544,7 @@
           <p:cNvPr id="6" name="Marcador de Posição de Conteúdo 5">
             <a:extLst>
               <a:ext uri="{FF2B5EF4-FFF2-40B4-BE49-F238E27FC236}">
-                <a16:creationId xmlns:a16="http://schemas.microsoft.com/office/drawing/2014/main" xmlns="" id="{8B8A2FC8-CFF6-4995-AE1C-CB0B7BDB5770}"/>
+                <a16:creationId xmlns="" xmlns:a16="http://schemas.microsoft.com/office/drawing/2014/main" id="{8B8A2FC8-CFF6-4995-AE1C-CB0B7BDB5770}"/>
               </a:ext>
             </a:extLst>
           </p:cNvPr>
@@ -7899,7 +7905,7 @@
           <p:cNvPr id="8" name="Marcador de Posição de Conteúdo 7" descr="Uma imagem com captura de ecrã, porta&#10;&#10;Descrição gerada automaticamente">
             <a:extLst>
               <a:ext uri="{FF2B5EF4-FFF2-40B4-BE49-F238E27FC236}">
-                <a16:creationId xmlns:a16="http://schemas.microsoft.com/office/drawing/2014/main" xmlns="" id="{094E9226-C054-4156-B9B1-2AF9E15FF461}"/>
+                <a16:creationId xmlns="" xmlns:a16="http://schemas.microsoft.com/office/drawing/2014/main" id="{094E9226-C054-4156-B9B1-2AF9E15FF461}"/>
               </a:ext>
             </a:extLst>
           </p:cNvPr>
@@ -7981,7 +7987,7 @@
           <p:cNvPr id="10" name="Imagem 9" descr="Uma imagem com porta, sala, computador&#10;&#10;Descrição gerada automaticamente">
             <a:extLst>
               <a:ext uri="{FF2B5EF4-FFF2-40B4-BE49-F238E27FC236}">
-                <a16:creationId xmlns:a16="http://schemas.microsoft.com/office/drawing/2014/main" xmlns="" id="{F7C143F8-9777-4972-9A40-AE63D1501B25}"/>
+                <a16:creationId xmlns="" xmlns:a16="http://schemas.microsoft.com/office/drawing/2014/main" id="{F7C143F8-9777-4972-9A40-AE63D1501B25}"/>
               </a:ext>
             </a:extLst>
           </p:cNvPr>
@@ -8011,7 +8017,7 @@
           <p:cNvPr id="12" name="TextBox 2">
             <a:extLst>
               <a:ext uri="{FF2B5EF4-FFF2-40B4-BE49-F238E27FC236}">
-                <a16:creationId xmlns:a16="http://schemas.microsoft.com/office/drawing/2014/main" xmlns="" id="{BE145911-E595-430E-BA1D-3AB904E33A9F}"/>
+                <a16:creationId xmlns="" xmlns:a16="http://schemas.microsoft.com/office/drawing/2014/main" id="{BE145911-E595-430E-BA1D-3AB904E33A9F}"/>
               </a:ext>
             </a:extLst>
           </p:cNvPr>
@@ -8180,7 +8186,7 @@
           <p:cNvPr id="5" name="Content Placeholder 2">
             <a:extLst>
               <a:ext uri="{FF2B5EF4-FFF2-40B4-BE49-F238E27FC236}">
-                <a16:creationId xmlns:a16="http://schemas.microsoft.com/office/drawing/2014/main" xmlns="" id="{1EA0BFFF-7C66-44DF-ABF4-BD550F593C0A}"/>
+                <a16:creationId xmlns="" xmlns:a16="http://schemas.microsoft.com/office/drawing/2014/main" id="{1EA0BFFF-7C66-44DF-ABF4-BD550F593C0A}"/>
               </a:ext>
             </a:extLst>
           </p:cNvPr>

--- a/presentation.pptx
+++ b/presentation.pptx
@@ -203,7 +203,7 @@
           <a:p>
             <a:fld id="{326EF429-66A5-4A84-8434-4D09066A8E33}" type="datetimeFigureOut">
               <a:rPr lang="pt-PT" smtClean="0"/>
-              <a:t>26/01/2020</a:t>
+              <a:t>27/01/2020</a:t>
             </a:fld>
             <a:endParaRPr lang="pt-PT"/>
           </a:p>
@@ -362,7 +362,7 @@
           <a:p>
             <a:fld id="{3E4499F5-70C7-4B80-98E9-84E6A0F06D73}" type="slidenum">
               <a:rPr lang="pt-PT" smtClean="0"/>
-              <a:t>‹#›</a:t>
+              <a:t>‹nº›</a:t>
             </a:fld>
             <a:endParaRPr lang="pt-PT"/>
           </a:p>
@@ -1443,7 +1443,7 @@
           <a:p>
             <a:fld id="{4AAD347D-5ACD-4C99-B74B-A9C85AD731AF}" type="datetimeFigureOut">
               <a:rPr lang="en-US" dirty="0"/>
-              <a:t>1/26/2020</a:t>
+              <a:t>1/27/2020</a:t>
             </a:fld>
             <a:endParaRPr lang="en-US" dirty="0"/>
           </a:p>
@@ -1485,7 +1485,7 @@
           <a:p>
             <a:fld id="{D57F1E4F-1CFF-5643-939E-02111984F565}" type="slidenum">
               <a:rPr lang="en-US" dirty="0"/>
-              <a:t>‹#›</a:t>
+              <a:t>‹nº›</a:t>
             </a:fld>
             <a:endParaRPr lang="en-US" dirty="0"/>
           </a:p>
@@ -1713,7 +1713,7 @@
           <a:p>
             <a:fld id="{4509A250-FF31-4206-8172-F9D3106AACB1}" type="datetimeFigureOut">
               <a:rPr lang="en-US" dirty="0"/>
-              <a:t>1/26/2020</a:t>
+              <a:t>1/27/2020</a:t>
             </a:fld>
             <a:endParaRPr lang="en-US" dirty="0"/>
           </a:p>
@@ -1755,7 +1755,7 @@
           <a:p>
             <a:fld id="{D57F1E4F-1CFF-5643-939E-02111984F565}" type="slidenum">
               <a:rPr lang="en-US" dirty="0"/>
-              <a:t>‹#›</a:t>
+              <a:t>‹nº›</a:t>
             </a:fld>
             <a:endParaRPr lang="en-US" dirty="0"/>
           </a:p>
@@ -1902,7 +1902,7 @@
           <a:p>
             <a:fld id="{4509A250-FF31-4206-8172-F9D3106AACB1}" type="datetimeFigureOut">
               <a:rPr lang="en-US" dirty="0"/>
-              <a:t>1/26/2020</a:t>
+              <a:t>1/27/2020</a:t>
             </a:fld>
             <a:endParaRPr lang="en-US" dirty="0"/>
           </a:p>
@@ -1944,7 +1944,7 @@
           <a:p>
             <a:fld id="{D57F1E4F-1CFF-5643-939E-02111984F565}" type="slidenum">
               <a:rPr lang="en-US" dirty="0"/>
-              <a:t>‹#›</a:t>
+              <a:t>‹nº›</a:t>
             </a:fld>
             <a:endParaRPr lang="en-US" dirty="0"/>
           </a:p>
@@ -2170,7 +2170,7 @@
           <a:p>
             <a:fld id="{4509A250-FF31-4206-8172-F9D3106AACB1}" type="datetimeFigureOut">
               <a:rPr lang="en-US" dirty="0"/>
-              <a:t>1/26/2020</a:t>
+              <a:t>1/27/2020</a:t>
             </a:fld>
             <a:endParaRPr lang="en-US" dirty="0"/>
           </a:p>
@@ -2212,7 +2212,7 @@
           <a:p>
             <a:fld id="{D57F1E4F-1CFF-5643-939E-02111984F565}" type="slidenum">
               <a:rPr lang="en-US" dirty="0"/>
-              <a:t>‹#›</a:t>
+              <a:t>‹nº›</a:t>
             </a:fld>
             <a:endParaRPr lang="en-US" dirty="0"/>
           </a:p>
@@ -2506,7 +2506,7 @@
           <a:p>
             <a:fld id="{4509A250-FF31-4206-8172-F9D3106AACB1}" type="datetimeFigureOut">
               <a:rPr lang="en-US" dirty="0"/>
-              <a:t>1/26/2020</a:t>
+              <a:t>1/27/2020</a:t>
             </a:fld>
             <a:endParaRPr lang="en-US" dirty="0"/>
           </a:p>
@@ -2548,7 +2548,7 @@
           <a:p>
             <a:fld id="{D57F1E4F-1CFF-5643-939E-02111984F565}" type="slidenum">
               <a:rPr lang="en-US" dirty="0"/>
-              <a:t>‹#›</a:t>
+              <a:t>‹nº›</a:t>
             </a:fld>
             <a:endParaRPr lang="en-US" dirty="0"/>
           </a:p>
@@ -3124,7 +3124,7 @@
           <a:p>
             <a:fld id="{4509A250-FF31-4206-8172-F9D3106AACB1}" type="datetimeFigureOut">
               <a:rPr lang="en-US" dirty="0"/>
-              <a:t>1/26/2020</a:t>
+              <a:t>1/27/2020</a:t>
             </a:fld>
             <a:endParaRPr lang="en-US" dirty="0"/>
           </a:p>
@@ -3166,7 +3166,7 @@
           <a:p>
             <a:fld id="{D57F1E4F-1CFF-5643-939E-02111984F565}" type="slidenum">
               <a:rPr lang="en-US" dirty="0"/>
-              <a:t>‹#›</a:t>
+              <a:t>‹nº›</a:t>
             </a:fld>
             <a:endParaRPr lang="en-US" dirty="0"/>
           </a:p>
@@ -3979,7 +3979,7 @@
           <a:p>
             <a:fld id="{4509A250-FF31-4206-8172-F9D3106AACB1}" type="datetimeFigureOut">
               <a:rPr lang="en-US" dirty="0"/>
-              <a:t>1/26/2020</a:t>
+              <a:t>1/27/2020</a:t>
             </a:fld>
             <a:endParaRPr lang="en-US" dirty="0"/>
           </a:p>
@@ -4021,7 +4021,7 @@
           <a:p>
             <a:fld id="{D57F1E4F-1CFF-5643-939E-02111984F565}" type="slidenum">
               <a:rPr lang="en-US" dirty="0"/>
-              <a:t>‹#›</a:t>
+              <a:t>‹nº›</a:t>
             </a:fld>
             <a:endParaRPr lang="en-US" dirty="0"/>
           </a:p>
@@ -4144,7 +4144,7 @@
           <a:p>
             <a:fld id="{4509A250-FF31-4206-8172-F9D3106AACB1}" type="datetimeFigureOut">
               <a:rPr lang="en-US" dirty="0"/>
-              <a:t>1/26/2020</a:t>
+              <a:t>1/27/2020</a:t>
             </a:fld>
             <a:endParaRPr lang="en-US" dirty="0"/>
           </a:p>
@@ -4186,7 +4186,7 @@
           <a:p>
             <a:fld id="{D57F1E4F-1CFF-5643-939E-02111984F565}" type="slidenum">
               <a:rPr lang="en-US" dirty="0"/>
-              <a:t>‹#›</a:t>
+              <a:t>‹nº›</a:t>
             </a:fld>
             <a:endParaRPr lang="en-US" dirty="0"/>
           </a:p>
@@ -4319,7 +4319,7 @@
           <a:p>
             <a:fld id="{4509A250-FF31-4206-8172-F9D3106AACB1}" type="datetimeFigureOut">
               <a:rPr lang="en-US" dirty="0"/>
-              <a:t>1/26/2020</a:t>
+              <a:t>1/27/2020</a:t>
             </a:fld>
             <a:endParaRPr lang="en-US" dirty="0"/>
           </a:p>
@@ -4361,7 +4361,7 @@
           <a:p>
             <a:fld id="{D57F1E4F-1CFF-5643-939E-02111984F565}" type="slidenum">
               <a:rPr lang="en-US" dirty="0"/>
-              <a:t>‹#›</a:t>
+              <a:t>‹nº›</a:t>
             </a:fld>
             <a:endParaRPr lang="en-US" dirty="0"/>
           </a:p>
@@ -4484,7 +4484,7 @@
           <a:p>
             <a:fld id="{4509A250-FF31-4206-8172-F9D3106AACB1}" type="datetimeFigureOut">
               <a:rPr lang="en-US" dirty="0"/>
-              <a:t>1/26/2020</a:t>
+              <a:t>1/27/2020</a:t>
             </a:fld>
             <a:endParaRPr lang="en-US" dirty="0"/>
           </a:p>
@@ -4526,7 +4526,7 @@
           <a:p>
             <a:fld id="{D57F1E4F-1CFF-5643-939E-02111984F565}" type="slidenum">
               <a:rPr lang="en-US" dirty="0"/>
-              <a:t>‹#›</a:t>
+              <a:t>‹nº›</a:t>
             </a:fld>
             <a:endParaRPr lang="en-US" dirty="0"/>
           </a:p>
@@ -4726,7 +4726,7 @@
           <a:p>
             <a:fld id="{9796027F-7875-4030-9381-8BD8C4F21935}" type="datetimeFigureOut">
               <a:rPr lang="en-US" dirty="0"/>
-              <a:t>1/26/2020</a:t>
+              <a:t>1/27/2020</a:t>
             </a:fld>
             <a:endParaRPr lang="en-US" dirty="0"/>
           </a:p>
@@ -4768,7 +4768,7 @@
           <a:p>
             <a:fld id="{D57F1E4F-1CFF-5643-939E-02111984F565}" type="slidenum">
               <a:rPr lang="en-US" dirty="0"/>
-              <a:t>‹#›</a:t>
+              <a:t>‹nº›</a:t>
             </a:fld>
             <a:endParaRPr lang="en-US" dirty="0"/>
           </a:p>
@@ -5013,7 +5013,7 @@
           <a:p>
             <a:fld id="{9796027F-7875-4030-9381-8BD8C4F21935}" type="datetimeFigureOut">
               <a:rPr lang="en-US" dirty="0"/>
-              <a:t>1/26/2020</a:t>
+              <a:t>1/27/2020</a:t>
             </a:fld>
             <a:endParaRPr lang="en-US" dirty="0"/>
           </a:p>
@@ -5055,7 +5055,7 @@
           <a:p>
             <a:fld id="{D57F1E4F-1CFF-5643-939E-02111984F565}" type="slidenum">
               <a:rPr lang="en-US" dirty="0"/>
-              <a:t>‹#›</a:t>
+              <a:t>‹nº›</a:t>
             </a:fld>
             <a:endParaRPr lang="en-US" dirty="0"/>
           </a:p>
@@ -5452,7 +5452,7 @@
           <a:p>
             <a:fld id="{9796027F-7875-4030-9381-8BD8C4F21935}" type="datetimeFigureOut">
               <a:rPr lang="en-US" dirty="0"/>
-              <a:t>1/26/2020</a:t>
+              <a:t>1/27/2020</a:t>
             </a:fld>
             <a:endParaRPr lang="en-US" dirty="0"/>
           </a:p>
@@ -5494,7 +5494,7 @@
           <a:p>
             <a:fld id="{D57F1E4F-1CFF-5643-939E-02111984F565}" type="slidenum">
               <a:rPr lang="en-US" dirty="0"/>
-              <a:t>‹#›</a:t>
+              <a:t>‹nº›</a:t>
             </a:fld>
             <a:endParaRPr lang="en-US" dirty="0"/>
           </a:p>
@@ -5565,7 +5565,7 @@
           <a:p>
             <a:fld id="{4509A250-FF31-4206-8172-F9D3106AACB1}" type="datetimeFigureOut">
               <a:rPr lang="en-US" dirty="0"/>
-              <a:t>1/26/2020</a:t>
+              <a:t>1/27/2020</a:t>
             </a:fld>
             <a:endParaRPr lang="en-US" dirty="0"/>
           </a:p>
@@ -5607,7 +5607,7 @@
           <a:p>
             <a:fld id="{D57F1E4F-1CFF-5643-939E-02111984F565}" type="slidenum">
               <a:rPr lang="en-US" dirty="0"/>
-              <a:t>‹#›</a:t>
+              <a:t>‹nº›</a:t>
             </a:fld>
             <a:endParaRPr lang="en-US" dirty="0"/>
           </a:p>
@@ -5655,7 +5655,7 @@
           <a:p>
             <a:fld id="{4509A250-FF31-4206-8172-F9D3106AACB1}" type="datetimeFigureOut">
               <a:rPr lang="en-US" dirty="0"/>
-              <a:t>1/26/2020</a:t>
+              <a:t>1/27/2020</a:t>
             </a:fld>
             <a:endParaRPr lang="en-US" dirty="0"/>
           </a:p>
@@ -5697,7 +5697,7 @@
           <a:p>
             <a:fld id="{D57F1E4F-1CFF-5643-939E-02111984F565}" type="slidenum">
               <a:rPr lang="en-US" dirty="0"/>
-              <a:t>‹#›</a:t>
+              <a:t>‹nº›</a:t>
             </a:fld>
             <a:endParaRPr lang="en-US" dirty="0"/>
           </a:p>
@@ -5929,7 +5929,7 @@
           <a:p>
             <a:fld id="{4509A250-FF31-4206-8172-F9D3106AACB1}" type="datetimeFigureOut">
               <a:rPr lang="en-US" dirty="0"/>
-              <a:t>1/26/2020</a:t>
+              <a:t>1/27/2020</a:t>
             </a:fld>
             <a:endParaRPr lang="en-US" dirty="0"/>
           </a:p>
@@ -5971,7 +5971,7 @@
           <a:p>
             <a:fld id="{D57F1E4F-1CFF-5643-939E-02111984F565}" type="slidenum">
               <a:rPr lang="en-US" dirty="0"/>
-              <a:t>‹#›</a:t>
+              <a:t>‹nº›</a:t>
             </a:fld>
             <a:endParaRPr lang="en-US" dirty="0"/>
           </a:p>
@@ -6199,7 +6199,7 @@
           <a:p>
             <a:fld id="{4509A250-FF31-4206-8172-F9D3106AACB1}" type="datetimeFigureOut">
               <a:rPr lang="en-US" dirty="0"/>
-              <a:t>1/26/2020</a:t>
+              <a:t>1/27/2020</a:t>
             </a:fld>
             <a:endParaRPr lang="en-US" dirty="0"/>
           </a:p>
@@ -6241,7 +6241,7 @@
           <a:p>
             <a:fld id="{D57F1E4F-1CFF-5643-939E-02111984F565}" type="slidenum">
               <a:rPr lang="en-US" dirty="0"/>
-              <a:t>‹#›</a:t>
+              <a:t>‹nº›</a:t>
             </a:fld>
             <a:endParaRPr lang="en-US" dirty="0"/>
           </a:p>
@@ -6623,7 +6623,7 @@
           <a:p>
             <a:fld id="{4AAD347D-5ACD-4C99-B74B-A9C85AD731AF}" type="datetimeFigureOut">
               <a:rPr lang="en-US" dirty="0"/>
-              <a:t>1/26/2020</a:t>
+              <a:t>1/27/2020</a:t>
             </a:fld>
             <a:endParaRPr lang="en-US" dirty="0"/>
           </a:p>
@@ -6702,7 +6702,7 @@
           <a:p>
             <a:fld id="{D57F1E4F-1CFF-5643-939E-02111984F565}" type="slidenum">
               <a:rPr lang="en-US" dirty="0"/>
-              <a:t>‹#›</a:t>
+              <a:t>‹nº›</a:t>
             </a:fld>
             <a:endParaRPr lang="en-US" dirty="0"/>
           </a:p>
@@ -7169,26 +7169,14 @@
           <a:p>
             <a:r>
               <a:rPr lang="en-GB" sz="5400" dirty="0"/>
-              <a:t>Optimizations in </a:t>
-            </a:r>
-            <a:r>
-              <a:rPr lang="en-GB" sz="5400" dirty="0" smtClean="0"/>
-              <a:t>GPGPU</a:t>
+              <a:t>Optimizations in GPGPU</a:t>
             </a:r>
             <a:br>
-              <a:rPr lang="en-GB" sz="5400" dirty="0" smtClean="0"/>
+              <a:rPr lang="en-GB" sz="5400" dirty="0"/>
             </a:br>
             <a:r>
-              <a:rPr lang="en-GB" sz="5400" dirty="0" smtClean="0"/>
-              <a:t>using</a:t>
-            </a:r>
-            <a:r>
               <a:rPr lang="en-GB" sz="5400" dirty="0"/>
-              <a:t> </a:t>
-            </a:r>
-            <a:r>
-              <a:rPr lang="en-GB" sz="5400" dirty="0" smtClean="0"/>
-              <a:t>Floyd-Warshall</a:t>
+              <a:t>using Floyd-Warshall</a:t>
             </a:r>
             <a:endParaRPr lang="pt-PT" sz="6600" dirty="0"/>
           </a:p>
@@ -7222,13 +7210,8 @@
           <a:p>
             <a:r>
               <a:rPr lang="pt-PT" dirty="0"/>
-              <a:t>Vasco Ferreira, </a:t>
-            </a:r>
-            <a:r>
-              <a:rPr lang="pt-PT" dirty="0" smtClean="0"/>
-              <a:t>nº49470</a:t>
-            </a:r>
-            <a:endParaRPr lang="pt-PT" dirty="0"/>
+              <a:t>Vasco Ferreira, nº49470</a:t>
+            </a:r>
           </a:p>
         </p:txBody>
       </p:sp>
@@ -7237,7 +7220,7 @@
           <p:cNvPr id="12" name="Agrupar 11">
             <a:extLst>
               <a:ext uri="{FF2B5EF4-FFF2-40B4-BE49-F238E27FC236}">
-                <a16:creationId xmlns="" xmlns:a16="http://schemas.microsoft.com/office/drawing/2014/main" id="{FC2A7235-27BF-4464-89A0-E61C0CC8C7ED}"/>
+                <a16:creationId xmlns:a16="http://schemas.microsoft.com/office/drawing/2014/main" id="{FC2A7235-27BF-4464-89A0-E61C0CC8C7ED}"/>
               </a:ext>
             </a:extLst>
           </p:cNvPr>
@@ -7257,7 +7240,7 @@
             <p:cNvPr id="7" name="Retângulo 6">
               <a:extLst>
                 <a:ext uri="{FF2B5EF4-FFF2-40B4-BE49-F238E27FC236}">
-                  <a16:creationId xmlns="" xmlns:a16="http://schemas.microsoft.com/office/drawing/2014/main" id="{3536D763-8F7F-4299-BF1F-2F4700353BE9}"/>
+                  <a16:creationId xmlns:a16="http://schemas.microsoft.com/office/drawing/2014/main" id="{3536D763-8F7F-4299-BF1F-2F4700353BE9}"/>
                 </a:ext>
               </a:extLst>
             </p:cNvPr>
@@ -7311,7 +7294,7 @@
             <p:cNvPr id="10" name="Imagem 9">
               <a:extLst>
                 <a:ext uri="{FF2B5EF4-FFF2-40B4-BE49-F238E27FC236}">
-                  <a16:creationId xmlns="" xmlns:a16="http://schemas.microsoft.com/office/drawing/2014/main" id="{EE120ED8-F510-428F-8E2B-8FB7801ED686}"/>
+                  <a16:creationId xmlns:a16="http://schemas.microsoft.com/office/drawing/2014/main" id="{EE120ED8-F510-428F-8E2B-8FB7801ED686}"/>
                 </a:ext>
               </a:extLst>
             </p:cNvPr>
@@ -7342,7 +7325,7 @@
           <p:cNvPr id="11" name="CaixaDeTexto 10">
             <a:extLst>
               <a:ext uri="{FF2B5EF4-FFF2-40B4-BE49-F238E27FC236}">
-                <a16:creationId xmlns="" xmlns:a16="http://schemas.microsoft.com/office/drawing/2014/main" id="{B56E9F45-F09B-4BD0-98B3-EC2ADC5C4F07}"/>
+                <a16:creationId xmlns:a16="http://schemas.microsoft.com/office/drawing/2014/main" id="{B56E9F45-F09B-4BD0-98B3-EC2ADC5C4F07}"/>
               </a:ext>
             </a:extLst>
           </p:cNvPr>
@@ -7450,7 +7433,7 @@
           <p:cNvPr id="4" name="Marcador de Posição do Texto 3">
             <a:extLst>
               <a:ext uri="{FF2B5EF4-FFF2-40B4-BE49-F238E27FC236}">
-                <a16:creationId xmlns="" xmlns:a16="http://schemas.microsoft.com/office/drawing/2014/main" id="{395FDA90-928D-490B-9205-8969FC300942}"/>
+                <a16:creationId xmlns:a16="http://schemas.microsoft.com/office/drawing/2014/main" id="{395FDA90-928D-490B-9205-8969FC300942}"/>
               </a:ext>
             </a:extLst>
           </p:cNvPr>
@@ -7512,7 +7495,7 @@
           <p:cNvPr id="5" name="Marcador de Posição do Texto 4">
             <a:extLst>
               <a:ext uri="{FF2B5EF4-FFF2-40B4-BE49-F238E27FC236}">
-                <a16:creationId xmlns="" xmlns:a16="http://schemas.microsoft.com/office/drawing/2014/main" id="{B606F5B3-55F1-4AF6-93F1-FAC926D4A149}"/>
+                <a16:creationId xmlns:a16="http://schemas.microsoft.com/office/drawing/2014/main" id="{B606F5B3-55F1-4AF6-93F1-FAC926D4A149}"/>
               </a:ext>
             </a:extLst>
           </p:cNvPr>
@@ -7544,7 +7527,7 @@
           <p:cNvPr id="6" name="Marcador de Posição de Conteúdo 5">
             <a:extLst>
               <a:ext uri="{FF2B5EF4-FFF2-40B4-BE49-F238E27FC236}">
-                <a16:creationId xmlns="" xmlns:a16="http://schemas.microsoft.com/office/drawing/2014/main" id="{8B8A2FC8-CFF6-4995-AE1C-CB0B7BDB5770}"/>
+                <a16:creationId xmlns:a16="http://schemas.microsoft.com/office/drawing/2014/main" id="{8B8A2FC8-CFF6-4995-AE1C-CB0B7BDB5770}"/>
               </a:ext>
             </a:extLst>
           </p:cNvPr>
@@ -7837,7 +7820,7 @@
         </p:nvSpPr>
         <p:spPr>
           <a:xfrm>
-            <a:off x="6610413" y="3175271"/>
+            <a:off x="7041414" y="2974159"/>
             <a:ext cx="4382530" cy="1200329"/>
           </a:xfrm>
           <a:prstGeom prst="rect">
@@ -7856,24 +7839,8 @@
               <a:buChar char="Ø"/>
             </a:pPr>
             <a:r>
-              <a:rPr lang="en-GB" dirty="0" smtClean="0"/>
-              <a:t>Major </a:t>
-            </a:r>
-            <a:r>
               <a:rPr lang="en-GB" dirty="0"/>
-              <a:t>speedup </a:t>
-            </a:r>
-            <a:r>
-              <a:rPr lang="en-GB" dirty="0" smtClean="0"/>
-              <a:t>when </a:t>
-            </a:r>
-            <a:r>
-              <a:rPr lang="en-GB" dirty="0"/>
-              <a:t>running the algorithm in </a:t>
-            </a:r>
-            <a:r>
-              <a:rPr lang="en-GB" dirty="0" smtClean="0"/>
-              <a:t>the parallel GPU</a:t>
+              <a:t>Major speedup when running the algorithm in the parallel GPU</a:t>
             </a:r>
           </a:p>
           <a:p>
@@ -7890,13 +7857,8 @@
             </a:pPr>
             <a:r>
               <a:rPr lang="en-GB" dirty="0"/>
-              <a:t>Speedup of around </a:t>
-            </a:r>
-            <a:r>
-              <a:rPr lang="en-GB" dirty="0" smtClean="0"/>
-              <a:t>7.2</a:t>
-            </a:r>
-            <a:endParaRPr lang="en-GB" dirty="0"/>
+              <a:t>Speedup of around 7.2</a:t>
+            </a:r>
           </a:p>
         </p:txBody>
       </p:sp>
@@ -7905,12 +7867,12 @@
           <p:cNvPr id="8" name="Marcador de Posição de Conteúdo 7" descr="Uma imagem com captura de ecrã, porta&#10;&#10;Descrição gerada automaticamente">
             <a:extLst>
               <a:ext uri="{FF2B5EF4-FFF2-40B4-BE49-F238E27FC236}">
-                <a16:creationId xmlns="" xmlns:a16="http://schemas.microsoft.com/office/drawing/2014/main" id="{094E9226-C054-4156-B9B1-2AF9E15FF461}"/>
+                <a16:creationId xmlns:a16="http://schemas.microsoft.com/office/drawing/2014/main" id="{094E9226-C054-4156-B9B1-2AF9E15FF461}"/>
               </a:ext>
             </a:extLst>
           </p:cNvPr>
           <p:cNvPicPr>
-            <a:picLocks noGrp="1" noChangeAspect="1"/>
+            <a:picLocks noGrp="1"/>
           </p:cNvPicPr>
           <p:nvPr>
             <p:ph idx="1"/>
@@ -7924,8 +7886,8 @@
         </p:blipFill>
         <p:spPr>
           <a:xfrm>
-            <a:off x="646111" y="2289853"/>
-            <a:ext cx="5282610" cy="2971167"/>
+            <a:off x="646111" y="1697400"/>
+            <a:ext cx="6120000" cy="3463200"/>
           </a:xfrm>
         </p:spPr>
       </p:pic>
@@ -7987,12 +7949,12 @@
           <p:cNvPr id="10" name="Imagem 9" descr="Uma imagem com porta, sala, computador&#10;&#10;Descrição gerada automaticamente">
             <a:extLst>
               <a:ext uri="{FF2B5EF4-FFF2-40B4-BE49-F238E27FC236}">
-                <a16:creationId xmlns="" xmlns:a16="http://schemas.microsoft.com/office/drawing/2014/main" id="{F7C143F8-9777-4972-9A40-AE63D1501B25}"/>
+                <a16:creationId xmlns:a16="http://schemas.microsoft.com/office/drawing/2014/main" id="{F7C143F8-9777-4972-9A40-AE63D1501B25}"/>
               </a:ext>
             </a:extLst>
           </p:cNvPr>
           <p:cNvPicPr>
-            <a:picLocks noChangeAspect="1"/>
+            <a:picLocks/>
           </p:cNvPicPr>
           <p:nvPr/>
         </p:nvPicPr>
@@ -8004,8 +7966,8 @@
         </p:blipFill>
         <p:spPr>
           <a:xfrm>
-            <a:off x="646111" y="2478745"/>
-            <a:ext cx="5083478" cy="2971166"/>
+            <a:off x="646111" y="1697685"/>
+            <a:ext cx="6120000" cy="3462629"/>
           </a:xfrm>
           <a:prstGeom prst="rect">
             <a:avLst/>
@@ -8017,7 +7979,7 @@
           <p:cNvPr id="12" name="TextBox 2">
             <a:extLst>
               <a:ext uri="{FF2B5EF4-FFF2-40B4-BE49-F238E27FC236}">
-                <a16:creationId xmlns="" xmlns:a16="http://schemas.microsoft.com/office/drawing/2014/main" id="{BE145911-E595-430E-BA1D-3AB904E33A9F}"/>
+                <a16:creationId xmlns:a16="http://schemas.microsoft.com/office/drawing/2014/main" id="{BE145911-E595-430E-BA1D-3AB904E33A9F}"/>
               </a:ext>
             </a:extLst>
           </p:cNvPr>
@@ -8026,8 +7988,8 @@
         </p:nvSpPr>
         <p:spPr>
           <a:xfrm>
-            <a:off x="6176796" y="3087165"/>
-            <a:ext cx="5083478" cy="1754326"/>
+            <a:off x="7021750" y="2568899"/>
+            <a:ext cx="4779778" cy="2031325"/>
           </a:xfrm>
           <a:prstGeom prst="rect">
             <a:avLst/>
@@ -8046,11 +8008,7 @@
             </a:pPr>
             <a:r>
               <a:rPr lang="en-GB" dirty="0"/>
-              <a:t>Between implementations we can see a speedup of 1.76 and </a:t>
-            </a:r>
-            <a:r>
-              <a:rPr lang="en-GB" dirty="0" smtClean="0"/>
-              <a:t>1.19</a:t>
+              <a:t>Between implementations we can see a speedup of 1.76 and 1.19</a:t>
             </a:r>
           </a:p>
           <a:p>
@@ -8066,24 +8024,8 @@
               <a:buChar char="Ø"/>
             </a:pPr>
             <a:r>
-              <a:rPr lang="en-GB" dirty="0" smtClean="0"/>
-              <a:t>Speedup </a:t>
-            </a:r>
-            <a:r>
               <a:rPr lang="en-GB" dirty="0"/>
-              <a:t>can be improved to </a:t>
-            </a:r>
-            <a:r>
-              <a:rPr lang="en-GB" dirty="0" smtClean="0"/>
-              <a:t>approximately </a:t>
-            </a:r>
-            <a:r>
-              <a:rPr lang="en-GB" dirty="0"/>
-              <a:t>12.6 by adding atomic and to 15.1 by improving memory </a:t>
-            </a:r>
-            <a:r>
-              <a:rPr lang="en-GB" dirty="0" smtClean="0"/>
-              <a:t>usage</a:t>
+              <a:t>Speedup can be improved to approximately 12.6 by adding atomic and to 15.1 by improving memory usage</a:t>
             </a:r>
           </a:p>
         </p:txBody>
@@ -8186,7 +8128,7 @@
           <p:cNvPr id="5" name="Content Placeholder 2">
             <a:extLst>
               <a:ext uri="{FF2B5EF4-FFF2-40B4-BE49-F238E27FC236}">
-                <a16:creationId xmlns="" xmlns:a16="http://schemas.microsoft.com/office/drawing/2014/main" id="{1EA0BFFF-7C66-44DF-ABF4-BD550F593C0A}"/>
+                <a16:creationId xmlns:a16="http://schemas.microsoft.com/office/drawing/2014/main" id="{1EA0BFFF-7C66-44DF-ABF4-BD550F593C0A}"/>
               </a:ext>
             </a:extLst>
           </p:cNvPr>
